--- a/week1/week1_vectorcalculus.pptx
+++ b/week1/week1_vectorcalculus.pptx
@@ -13,8 +13,12 @@
     <p:sldId id="261" r:id="rId7"/>
     <p:sldId id="262" r:id="rId8"/>
     <p:sldId id="263" r:id="rId9"/>
-    <p:sldId id="264" r:id="rId10"/>
-    <p:sldId id="265" r:id="rId11"/>
+    <p:sldId id="266" r:id="rId10"/>
+    <p:sldId id="264" r:id="rId11"/>
+    <p:sldId id="268" r:id="rId12"/>
+    <p:sldId id="269" r:id="rId13"/>
+    <p:sldId id="267" r:id="rId14"/>
+    <p:sldId id="265" r:id="rId15"/>
   </p:sldIdLst>
   <p:sldSz cx="12192000" cy="6858000"/>
   <p:notesSz cx="6858000" cy="9144000"/>
@@ -312,7 +316,7 @@
             <a:fld id="{B1F62F99-EC1A-0449-A74E-A6D89C7B7276}" type="datetimeFigureOut">
               <a:rPr lang="en-US" smtClean="0"/>
               <a:pPr/>
-              <a:t>4/16/21</a:t>
+              <a:t>4/20/21</a:t>
             </a:fld>
             <a:endParaRPr lang="en-US"/>
           </a:p>
@@ -477,7 +481,7 @@
             <a:fld id="{B1F62F99-EC1A-0449-A74E-A6D89C7B7276}" type="datetimeFigureOut">
               <a:rPr lang="en-US" smtClean="0"/>
               <a:pPr/>
-              <a:t>4/16/21</a:t>
+              <a:t>4/20/21</a:t>
             </a:fld>
             <a:endParaRPr lang="en-US"/>
           </a:p>
@@ -652,7 +656,7 @@
             <a:fld id="{B1F62F99-EC1A-0449-A74E-A6D89C7B7276}" type="datetimeFigureOut">
               <a:rPr lang="en-US" smtClean="0"/>
               <a:pPr/>
-              <a:t>4/16/21</a:t>
+              <a:t>4/20/21</a:t>
             </a:fld>
             <a:endParaRPr lang="en-US"/>
           </a:p>
@@ -817,7 +821,7 @@
             <a:fld id="{B1F62F99-EC1A-0449-A74E-A6D89C7B7276}" type="datetimeFigureOut">
               <a:rPr lang="en-US" smtClean="0"/>
               <a:pPr/>
-              <a:t>4/16/21</a:t>
+              <a:t>4/20/21</a:t>
             </a:fld>
             <a:endParaRPr lang="en-US"/>
           </a:p>
@@ -1059,7 +1063,7 @@
             <a:fld id="{B1F62F99-EC1A-0449-A74E-A6D89C7B7276}" type="datetimeFigureOut">
               <a:rPr lang="en-US" smtClean="0"/>
               <a:pPr/>
-              <a:t>4/16/21</a:t>
+              <a:t>4/20/21</a:t>
             </a:fld>
             <a:endParaRPr lang="en-US"/>
           </a:p>
@@ -1341,7 +1345,7 @@
             <a:fld id="{B1F62F99-EC1A-0449-A74E-A6D89C7B7276}" type="datetimeFigureOut">
               <a:rPr lang="en-US" smtClean="0"/>
               <a:pPr/>
-              <a:t>4/16/21</a:t>
+              <a:t>4/20/21</a:t>
             </a:fld>
             <a:endParaRPr lang="en-US"/>
           </a:p>
@@ -1757,7 +1761,7 @@
             <a:fld id="{B1F62F99-EC1A-0449-A74E-A6D89C7B7276}" type="datetimeFigureOut">
               <a:rPr lang="en-US" smtClean="0"/>
               <a:pPr/>
-              <a:t>4/16/21</a:t>
+              <a:t>4/20/21</a:t>
             </a:fld>
             <a:endParaRPr lang="en-US"/>
           </a:p>
@@ -1871,7 +1875,7 @@
             <a:fld id="{B1F62F99-EC1A-0449-A74E-A6D89C7B7276}" type="datetimeFigureOut">
               <a:rPr lang="en-US" smtClean="0"/>
               <a:pPr/>
-              <a:t>4/16/21</a:t>
+              <a:t>4/20/21</a:t>
             </a:fld>
             <a:endParaRPr lang="en-US"/>
           </a:p>
@@ -1963,7 +1967,7 @@
             <a:fld id="{B1F62F99-EC1A-0449-A74E-A6D89C7B7276}" type="datetimeFigureOut">
               <a:rPr lang="en-US" smtClean="0"/>
               <a:pPr/>
-              <a:t>4/16/21</a:t>
+              <a:t>4/20/21</a:t>
             </a:fld>
             <a:endParaRPr lang="en-US"/>
           </a:p>
@@ -2235,7 +2239,7 @@
             <a:fld id="{B1F62F99-EC1A-0449-A74E-A6D89C7B7276}" type="datetimeFigureOut">
               <a:rPr lang="en-US" smtClean="0"/>
               <a:pPr/>
-              <a:t>4/16/21</a:t>
+              <a:t>4/20/21</a:t>
             </a:fld>
             <a:endParaRPr lang="en-US"/>
           </a:p>
@@ -2484,7 +2488,7 @@
             <a:fld id="{B1F62F99-EC1A-0449-A74E-A6D89C7B7276}" type="datetimeFigureOut">
               <a:rPr lang="en-US" smtClean="0"/>
               <a:pPr/>
-              <a:t>4/16/21</a:t>
+              <a:t>4/20/21</a:t>
             </a:fld>
             <a:endParaRPr lang="en-US"/>
           </a:p>
@@ -2692,7 +2696,7 @@
             <a:fld id="{B1F62F99-EC1A-0449-A74E-A6D89C7B7276}" type="datetimeFigureOut">
               <a:rPr lang="en-US" smtClean="0"/>
               <a:pPr/>
-              <a:t>4/16/21</a:t>
+              <a:t>4/20/21</a:t>
             </a:fld>
             <a:endParaRPr lang="en-US"/>
           </a:p>
@@ -3212,6 +3216,1147 @@
         </p:nvSpPr>
         <p:spPr>
           <a:xfrm>
+            <a:off x="2280857" y="433544"/>
+            <a:ext cx="7630286" cy="523220"/>
+          </a:xfrm>
+          <a:prstGeom prst="rect">
+            <a:avLst/>
+          </a:prstGeom>
+          <a:noFill/>
+        </p:spPr>
+        <p:txBody>
+          <a:bodyPr wrap="square" rtlCol="0">
+            <a:spAutoFit/>
+          </a:bodyPr>
+          <a:lstStyle/>
+          <a:p>
+            <a:pPr algn="ctr"/>
+            <a:r>
+              <a:rPr lang="en-US" sz="2800" b="1" dirty="0">
+                <a:solidFill>
+                  <a:srgbClr val="000090"/>
+                </a:solidFill>
+              </a:rPr>
+              <a:t>Rotating vectors</a:t>
+            </a:r>
+            <a:endParaRPr lang="en-US" sz="2400" b="1" dirty="0">
+              <a:solidFill>
+                <a:srgbClr val="008000"/>
+              </a:solidFill>
+            </a:endParaRPr>
+          </a:p>
+        </p:txBody>
+      </p:sp>
+      <p:pic>
+        <p:nvPicPr>
+          <p:cNvPr id="3" name="Picture 2">
+            <a:extLst>
+              <a:ext uri="{FF2B5EF4-FFF2-40B4-BE49-F238E27FC236}">
+                <a16:creationId xmlns:a16="http://schemas.microsoft.com/office/drawing/2014/main" id="{ADA8B6D2-6DB8-0442-BCE1-94436D6ECCE8}"/>
+              </a:ext>
+            </a:extLst>
+          </p:cNvPr>
+          <p:cNvPicPr>
+            <a:picLocks noChangeAspect="1"/>
+          </p:cNvPicPr>
+          <p:nvPr/>
+        </p:nvPicPr>
+        <p:blipFill>
+          <a:blip r:embed="rId2"/>
+          <a:stretch>
+            <a:fillRect/>
+          </a:stretch>
+        </p:blipFill>
+        <p:spPr>
+          <a:xfrm>
+            <a:off x="1624888" y="1964940"/>
+            <a:ext cx="3302000" cy="2159000"/>
+          </a:xfrm>
+          <a:prstGeom prst="rect">
+            <a:avLst/>
+          </a:prstGeom>
+        </p:spPr>
+      </p:pic>
+      <p:sp>
+        <p:nvSpPr>
+          <p:cNvPr id="7" name="TextBox 6">
+            <a:extLst>
+              <a:ext uri="{FF2B5EF4-FFF2-40B4-BE49-F238E27FC236}">
+                <a16:creationId xmlns:a16="http://schemas.microsoft.com/office/drawing/2014/main" id="{739034B9-65F7-5145-AD16-E30AE1212F75}"/>
+              </a:ext>
+            </a:extLst>
+          </p:cNvPr>
+          <p:cNvSpPr txBox="1"/>
+          <p:nvPr/>
+        </p:nvSpPr>
+        <p:spPr>
+          <a:xfrm>
+            <a:off x="3927724" y="1503275"/>
+            <a:ext cx="4336551" cy="461665"/>
+          </a:xfrm>
+          <a:prstGeom prst="rect">
+            <a:avLst/>
+          </a:prstGeom>
+          <a:noFill/>
+        </p:spPr>
+        <p:txBody>
+          <a:bodyPr wrap="square" rtlCol="0">
+            <a:spAutoFit/>
+          </a:bodyPr>
+          <a:lstStyle/>
+          <a:p>
+            <a:pPr algn="ctr"/>
+            <a:r>
+              <a:rPr lang="en-US" sz="2400" dirty="0"/>
+              <a:t>Coordinate transformations</a:t>
+            </a:r>
+          </a:p>
+        </p:txBody>
+      </p:sp>
+      <p:pic>
+        <p:nvPicPr>
+          <p:cNvPr id="8" name="Picture 7">
+            <a:extLst>
+              <a:ext uri="{FF2B5EF4-FFF2-40B4-BE49-F238E27FC236}">
+                <a16:creationId xmlns:a16="http://schemas.microsoft.com/office/drawing/2014/main" id="{71F1FC2E-636F-D841-8561-596C4E09BDC8}"/>
+              </a:ext>
+            </a:extLst>
+          </p:cNvPr>
+          <p:cNvPicPr>
+            <a:picLocks noChangeAspect="1"/>
+          </p:cNvPicPr>
+          <p:nvPr/>
+        </p:nvPicPr>
+        <p:blipFill>
+          <a:blip r:embed="rId3"/>
+          <a:stretch>
+            <a:fillRect/>
+          </a:stretch>
+        </p:blipFill>
+        <p:spPr>
+          <a:xfrm>
+            <a:off x="4926888" y="2660189"/>
+            <a:ext cx="4336551" cy="871316"/>
+          </a:xfrm>
+          <a:prstGeom prst="rect">
+            <a:avLst/>
+          </a:prstGeom>
+        </p:spPr>
+      </p:pic>
+      <p:sp>
+        <p:nvSpPr>
+          <p:cNvPr id="9" name="TextBox 8">
+            <a:extLst>
+              <a:ext uri="{FF2B5EF4-FFF2-40B4-BE49-F238E27FC236}">
+                <a16:creationId xmlns:a16="http://schemas.microsoft.com/office/drawing/2014/main" id="{9F64CFC7-F55D-C142-90A7-16D16D026A1C}"/>
+              </a:ext>
+            </a:extLst>
+          </p:cNvPr>
+          <p:cNvSpPr txBox="1"/>
+          <p:nvPr/>
+        </p:nvSpPr>
+        <p:spPr>
+          <a:xfrm>
+            <a:off x="2036685" y="4314454"/>
+            <a:ext cx="8118630" cy="830997"/>
+          </a:xfrm>
+          <a:prstGeom prst="rect">
+            <a:avLst/>
+          </a:prstGeom>
+          <a:noFill/>
+        </p:spPr>
+        <p:txBody>
+          <a:bodyPr wrap="square" rtlCol="0">
+            <a:spAutoFit/>
+          </a:bodyPr>
+          <a:lstStyle/>
+          <a:p>
+            <a:r>
+              <a:rPr lang="en-US" sz="2400" dirty="0"/>
+              <a:t>Derive the individual components of the rotation matrix using the dot product of the rotated and original coordinate systems</a:t>
+            </a:r>
+          </a:p>
+        </p:txBody>
+      </p:sp>
+      <p:sp>
+        <p:nvSpPr>
+          <p:cNvPr id="10" name="TextBox 9">
+            <a:extLst>
+              <a:ext uri="{FF2B5EF4-FFF2-40B4-BE49-F238E27FC236}">
+                <a16:creationId xmlns:a16="http://schemas.microsoft.com/office/drawing/2014/main" id="{9D6B56D2-8D2F-9A44-96A4-9C7E99C1B03D}"/>
+              </a:ext>
+            </a:extLst>
+          </p:cNvPr>
+          <p:cNvSpPr txBox="1"/>
+          <p:nvPr/>
+        </p:nvSpPr>
+        <p:spPr>
+          <a:xfrm>
+            <a:off x="2036685" y="5361871"/>
+            <a:ext cx="8118630" cy="461665"/>
+          </a:xfrm>
+          <a:prstGeom prst="rect">
+            <a:avLst/>
+          </a:prstGeom>
+          <a:noFill/>
+        </p:spPr>
+        <p:txBody>
+          <a:bodyPr wrap="square" rtlCol="0">
+            <a:spAutoFit/>
+          </a:bodyPr>
+          <a:lstStyle/>
+          <a:p>
+            <a:r>
+              <a:rPr lang="en-US" sz="2400" dirty="0"/>
+              <a:t>How do we rotate tensors?</a:t>
+            </a:r>
+          </a:p>
+        </p:txBody>
+      </p:sp>
+      <p:sp>
+        <p:nvSpPr>
+          <p:cNvPr id="2" name="Rectangle 1">
+            <a:extLst>
+              <a:ext uri="{FF2B5EF4-FFF2-40B4-BE49-F238E27FC236}">
+                <a16:creationId xmlns:a16="http://schemas.microsoft.com/office/drawing/2014/main" id="{33706074-5C2D-8F4A-B7D1-23DD4C30E2C8}"/>
+              </a:ext>
+            </a:extLst>
+          </p:cNvPr>
+          <p:cNvSpPr/>
+          <p:nvPr/>
+        </p:nvSpPr>
+        <p:spPr>
+          <a:xfrm>
+            <a:off x="6272463" y="2566737"/>
+            <a:ext cx="2085474" cy="978568"/>
+          </a:xfrm>
+          <a:prstGeom prst="rect">
+            <a:avLst/>
+          </a:prstGeom>
+          <a:solidFill>
+            <a:schemeClr val="bg1"/>
+          </a:solidFill>
+          <a:ln>
+            <a:noFill/>
+          </a:ln>
+          <a:effectLst/>
+        </p:spPr>
+        <p:style>
+          <a:lnRef idx="1">
+            <a:schemeClr val="accent1"/>
+          </a:lnRef>
+          <a:fillRef idx="3">
+            <a:schemeClr val="accent1"/>
+          </a:fillRef>
+          <a:effectRef idx="2">
+            <a:schemeClr val="accent1"/>
+          </a:effectRef>
+          <a:fontRef idx="minor">
+            <a:schemeClr val="lt1"/>
+          </a:fontRef>
+        </p:style>
+        <p:txBody>
+          <a:bodyPr rtlCol="0" anchor="ctr"/>
+          <a:lstStyle/>
+          <a:p>
+            <a:pPr algn="ctr"/>
+            <a:endParaRPr lang="en-US"/>
+          </a:p>
+        </p:txBody>
+      </p:sp>
+    </p:spTree>
+    <p:extLst>
+      <p:ext uri="{BB962C8B-B14F-4D97-AF65-F5344CB8AC3E}">
+        <p14:creationId xmlns:p14="http://schemas.microsoft.com/office/powerpoint/2010/main" val="405589029"/>
+      </p:ext>
+    </p:extLst>
+  </p:cSld>
+  <p:clrMapOvr>
+    <a:masterClrMapping/>
+  </p:clrMapOvr>
+</p:sld>
+</file>
+
+<file path=ppt/slides/slide11.xml><?xml version="1.0" encoding="utf-8"?>
+<p:sld xmlns:a="http://schemas.openxmlformats.org/drawingml/2006/main" xmlns:r="http://schemas.openxmlformats.org/officeDocument/2006/relationships" xmlns:p="http://schemas.openxmlformats.org/presentationml/2006/main">
+  <p:cSld>
+    <p:spTree>
+      <p:nvGrpSpPr>
+        <p:cNvPr id="1" name=""/>
+        <p:cNvGrpSpPr/>
+        <p:nvPr/>
+      </p:nvGrpSpPr>
+      <p:grpSpPr>
+        <a:xfrm>
+          <a:off x="0" y="0"/>
+          <a:ext cx="0" cy="0"/>
+          <a:chOff x="0" y="0"/>
+          <a:chExt cx="0" cy="0"/>
+        </a:xfrm>
+      </p:grpSpPr>
+      <p:sp>
+        <p:nvSpPr>
+          <p:cNvPr id="4" name="TextBox 3">
+            <a:extLst>
+              <a:ext uri="{FF2B5EF4-FFF2-40B4-BE49-F238E27FC236}">
+                <a16:creationId xmlns:a16="http://schemas.microsoft.com/office/drawing/2014/main" id="{9AA6C45C-0F20-1449-9E00-4313FB8370BB}"/>
+              </a:ext>
+            </a:extLst>
+          </p:cNvPr>
+          <p:cNvSpPr txBox="1"/>
+          <p:nvPr/>
+        </p:nvSpPr>
+        <p:spPr>
+          <a:xfrm>
+            <a:off x="2280857" y="433544"/>
+            <a:ext cx="7630286" cy="523220"/>
+          </a:xfrm>
+          <a:prstGeom prst="rect">
+            <a:avLst/>
+          </a:prstGeom>
+          <a:noFill/>
+        </p:spPr>
+        <p:txBody>
+          <a:bodyPr wrap="square" rtlCol="0">
+            <a:spAutoFit/>
+          </a:bodyPr>
+          <a:lstStyle/>
+          <a:p>
+            <a:pPr algn="ctr"/>
+            <a:r>
+              <a:rPr lang="en-US" sz="2800" b="1" dirty="0">
+                <a:solidFill>
+                  <a:srgbClr val="000090"/>
+                </a:solidFill>
+              </a:rPr>
+              <a:t>Rotating vectors</a:t>
+            </a:r>
+            <a:endParaRPr lang="en-US" sz="2400" b="1" dirty="0">
+              <a:solidFill>
+                <a:srgbClr val="008000"/>
+              </a:solidFill>
+            </a:endParaRPr>
+          </a:p>
+        </p:txBody>
+      </p:sp>
+      <p:pic>
+        <p:nvPicPr>
+          <p:cNvPr id="3" name="Picture 2">
+            <a:extLst>
+              <a:ext uri="{FF2B5EF4-FFF2-40B4-BE49-F238E27FC236}">
+                <a16:creationId xmlns:a16="http://schemas.microsoft.com/office/drawing/2014/main" id="{ADA8B6D2-6DB8-0442-BCE1-94436D6ECCE8}"/>
+              </a:ext>
+            </a:extLst>
+          </p:cNvPr>
+          <p:cNvPicPr>
+            <a:picLocks noChangeAspect="1"/>
+          </p:cNvPicPr>
+          <p:nvPr/>
+        </p:nvPicPr>
+        <p:blipFill>
+          <a:blip r:embed="rId2"/>
+          <a:stretch>
+            <a:fillRect/>
+          </a:stretch>
+        </p:blipFill>
+        <p:spPr>
+          <a:xfrm>
+            <a:off x="1624888" y="1964940"/>
+            <a:ext cx="3302000" cy="2159000"/>
+          </a:xfrm>
+          <a:prstGeom prst="rect">
+            <a:avLst/>
+          </a:prstGeom>
+        </p:spPr>
+      </p:pic>
+      <p:sp>
+        <p:nvSpPr>
+          <p:cNvPr id="7" name="TextBox 6">
+            <a:extLst>
+              <a:ext uri="{FF2B5EF4-FFF2-40B4-BE49-F238E27FC236}">
+                <a16:creationId xmlns:a16="http://schemas.microsoft.com/office/drawing/2014/main" id="{739034B9-65F7-5145-AD16-E30AE1212F75}"/>
+              </a:ext>
+            </a:extLst>
+          </p:cNvPr>
+          <p:cNvSpPr txBox="1"/>
+          <p:nvPr/>
+        </p:nvSpPr>
+        <p:spPr>
+          <a:xfrm>
+            <a:off x="3927724" y="1503275"/>
+            <a:ext cx="4336551" cy="461665"/>
+          </a:xfrm>
+          <a:prstGeom prst="rect">
+            <a:avLst/>
+          </a:prstGeom>
+          <a:noFill/>
+        </p:spPr>
+        <p:txBody>
+          <a:bodyPr wrap="square" rtlCol="0">
+            <a:spAutoFit/>
+          </a:bodyPr>
+          <a:lstStyle/>
+          <a:p>
+            <a:pPr algn="ctr"/>
+            <a:r>
+              <a:rPr lang="en-US" sz="2400" dirty="0"/>
+              <a:t>Coordinate transformations</a:t>
+            </a:r>
+          </a:p>
+        </p:txBody>
+      </p:sp>
+      <p:pic>
+        <p:nvPicPr>
+          <p:cNvPr id="8" name="Picture 7">
+            <a:extLst>
+              <a:ext uri="{FF2B5EF4-FFF2-40B4-BE49-F238E27FC236}">
+                <a16:creationId xmlns:a16="http://schemas.microsoft.com/office/drawing/2014/main" id="{71F1FC2E-636F-D841-8561-596C4E09BDC8}"/>
+              </a:ext>
+            </a:extLst>
+          </p:cNvPr>
+          <p:cNvPicPr>
+            <a:picLocks noChangeAspect="1"/>
+          </p:cNvPicPr>
+          <p:nvPr/>
+        </p:nvPicPr>
+        <p:blipFill>
+          <a:blip r:embed="rId3"/>
+          <a:stretch>
+            <a:fillRect/>
+          </a:stretch>
+        </p:blipFill>
+        <p:spPr>
+          <a:xfrm>
+            <a:off x="6848155" y="4643102"/>
+            <a:ext cx="4336551" cy="871316"/>
+          </a:xfrm>
+          <a:prstGeom prst="rect">
+            <a:avLst/>
+          </a:prstGeom>
+        </p:spPr>
+      </p:pic>
+      <p:pic>
+        <p:nvPicPr>
+          <p:cNvPr id="15" name="Picture 14">
+            <a:extLst>
+              <a:ext uri="{FF2B5EF4-FFF2-40B4-BE49-F238E27FC236}">
+                <a16:creationId xmlns:a16="http://schemas.microsoft.com/office/drawing/2014/main" id="{CEA54F65-8271-0444-8441-38C4126372AB}"/>
+              </a:ext>
+            </a:extLst>
+          </p:cNvPr>
+          <p:cNvPicPr>
+            <a:picLocks noChangeAspect="1"/>
+          </p:cNvPicPr>
+          <p:nvPr/>
+        </p:nvPicPr>
+        <p:blipFill>
+          <a:blip r:embed="rId4"/>
+          <a:stretch>
+            <a:fillRect/>
+          </a:stretch>
+        </p:blipFill>
+        <p:spPr>
+          <a:xfrm>
+            <a:off x="5952332" y="2771850"/>
+            <a:ext cx="2554222" cy="1203608"/>
+          </a:xfrm>
+          <a:prstGeom prst="rect">
+            <a:avLst/>
+          </a:prstGeom>
+        </p:spPr>
+      </p:pic>
+      <p:pic>
+        <p:nvPicPr>
+          <p:cNvPr id="17" name="Picture 16">
+            <a:extLst>
+              <a:ext uri="{FF2B5EF4-FFF2-40B4-BE49-F238E27FC236}">
+                <a16:creationId xmlns:a16="http://schemas.microsoft.com/office/drawing/2014/main" id="{52D1A570-AF4F-3340-8465-DEF1841323C0}"/>
+              </a:ext>
+            </a:extLst>
+          </p:cNvPr>
+          <p:cNvPicPr>
+            <a:picLocks noChangeAspect="1"/>
+          </p:cNvPicPr>
+          <p:nvPr/>
+        </p:nvPicPr>
+        <p:blipFill>
+          <a:blip r:embed="rId5"/>
+          <a:stretch>
+            <a:fillRect/>
+          </a:stretch>
+        </p:blipFill>
+        <p:spPr>
+          <a:xfrm>
+            <a:off x="9131341" y="2623528"/>
+            <a:ext cx="2419480" cy="1500251"/>
+          </a:xfrm>
+          <a:prstGeom prst="rect">
+            <a:avLst/>
+          </a:prstGeom>
+        </p:spPr>
+      </p:pic>
+      <p:pic>
+        <p:nvPicPr>
+          <p:cNvPr id="19" name="Picture 18">
+            <a:extLst>
+              <a:ext uri="{FF2B5EF4-FFF2-40B4-BE49-F238E27FC236}">
+                <a16:creationId xmlns:a16="http://schemas.microsoft.com/office/drawing/2014/main" id="{B740E641-2D77-3F45-ABDD-849383580D29}"/>
+              </a:ext>
+            </a:extLst>
+          </p:cNvPr>
+          <p:cNvPicPr>
+            <a:picLocks noChangeAspect="1"/>
+          </p:cNvPicPr>
+          <p:nvPr/>
+        </p:nvPicPr>
+        <p:blipFill>
+          <a:blip r:embed="rId6"/>
+          <a:stretch>
+            <a:fillRect/>
+          </a:stretch>
+        </p:blipFill>
+        <p:spPr>
+          <a:xfrm>
+            <a:off x="6096000" y="2164393"/>
+            <a:ext cx="1766656" cy="455324"/>
+          </a:xfrm>
+          <a:prstGeom prst="rect">
+            <a:avLst/>
+          </a:prstGeom>
+        </p:spPr>
+      </p:pic>
+    </p:spTree>
+    <p:extLst>
+      <p:ext uri="{BB962C8B-B14F-4D97-AF65-F5344CB8AC3E}">
+        <p14:creationId xmlns:p14="http://schemas.microsoft.com/office/powerpoint/2010/main" val="1433530704"/>
+      </p:ext>
+    </p:extLst>
+  </p:cSld>
+  <p:clrMapOvr>
+    <a:masterClrMapping/>
+  </p:clrMapOvr>
+</p:sld>
+</file>
+
+<file path=ppt/slides/slide12.xml><?xml version="1.0" encoding="utf-8"?>
+<p:sld xmlns:a="http://schemas.openxmlformats.org/drawingml/2006/main" xmlns:r="http://schemas.openxmlformats.org/officeDocument/2006/relationships" xmlns:p="http://schemas.openxmlformats.org/presentationml/2006/main">
+  <p:cSld>
+    <p:spTree>
+      <p:nvGrpSpPr>
+        <p:cNvPr id="1" name=""/>
+        <p:cNvGrpSpPr/>
+        <p:nvPr/>
+      </p:nvGrpSpPr>
+      <p:grpSpPr>
+        <a:xfrm>
+          <a:off x="0" y="0"/>
+          <a:ext cx="0" cy="0"/>
+          <a:chOff x="0" y="0"/>
+          <a:chExt cx="0" cy="0"/>
+        </a:xfrm>
+      </p:grpSpPr>
+      <p:sp>
+        <p:nvSpPr>
+          <p:cNvPr id="4" name="TextBox 3">
+            <a:extLst>
+              <a:ext uri="{FF2B5EF4-FFF2-40B4-BE49-F238E27FC236}">
+                <a16:creationId xmlns:a16="http://schemas.microsoft.com/office/drawing/2014/main" id="{9AA6C45C-0F20-1449-9E00-4313FB8370BB}"/>
+              </a:ext>
+            </a:extLst>
+          </p:cNvPr>
+          <p:cNvSpPr txBox="1"/>
+          <p:nvPr/>
+        </p:nvSpPr>
+        <p:spPr>
+          <a:xfrm>
+            <a:off x="2280857" y="433544"/>
+            <a:ext cx="7630286" cy="523220"/>
+          </a:xfrm>
+          <a:prstGeom prst="rect">
+            <a:avLst/>
+          </a:prstGeom>
+          <a:noFill/>
+        </p:spPr>
+        <p:txBody>
+          <a:bodyPr wrap="square" rtlCol="0">
+            <a:spAutoFit/>
+          </a:bodyPr>
+          <a:lstStyle/>
+          <a:p>
+            <a:pPr algn="ctr"/>
+            <a:r>
+              <a:rPr lang="en-US" sz="2800" b="1" dirty="0">
+                <a:solidFill>
+                  <a:srgbClr val="000090"/>
+                </a:solidFill>
+              </a:rPr>
+              <a:t>Rotating Tensors</a:t>
+            </a:r>
+            <a:endParaRPr lang="en-US" sz="2400" b="1" dirty="0">
+              <a:solidFill>
+                <a:srgbClr val="008000"/>
+              </a:solidFill>
+            </a:endParaRPr>
+          </a:p>
+        </p:txBody>
+      </p:sp>
+      <p:pic>
+        <p:nvPicPr>
+          <p:cNvPr id="5" name="Picture 4">
+            <a:extLst>
+              <a:ext uri="{FF2B5EF4-FFF2-40B4-BE49-F238E27FC236}">
+                <a16:creationId xmlns:a16="http://schemas.microsoft.com/office/drawing/2014/main" id="{E05CD2B0-90EC-944B-8EE4-8CD7261C729D}"/>
+              </a:ext>
+            </a:extLst>
+          </p:cNvPr>
+          <p:cNvPicPr>
+            <a:picLocks noChangeAspect="1"/>
+          </p:cNvPicPr>
+          <p:nvPr/>
+        </p:nvPicPr>
+        <p:blipFill>
+          <a:blip r:embed="rId2"/>
+          <a:stretch>
+            <a:fillRect/>
+          </a:stretch>
+        </p:blipFill>
+        <p:spPr>
+          <a:xfrm>
+            <a:off x="472825" y="1964940"/>
+            <a:ext cx="1668707" cy="897051"/>
+          </a:xfrm>
+          <a:prstGeom prst="rect">
+            <a:avLst/>
+          </a:prstGeom>
+        </p:spPr>
+      </p:pic>
+      <p:pic>
+        <p:nvPicPr>
+          <p:cNvPr id="6" name="Picture 5">
+            <a:extLst>
+              <a:ext uri="{FF2B5EF4-FFF2-40B4-BE49-F238E27FC236}">
+                <a16:creationId xmlns:a16="http://schemas.microsoft.com/office/drawing/2014/main" id="{67489392-5E6F-444D-8D4C-4219726C3F73}"/>
+              </a:ext>
+            </a:extLst>
+          </p:cNvPr>
+          <p:cNvPicPr>
+            <a:picLocks noChangeAspect="1"/>
+          </p:cNvPicPr>
+          <p:nvPr/>
+        </p:nvPicPr>
+        <p:blipFill rotWithShape="1">
+          <a:blip r:embed="rId3"/>
+          <a:srcRect t="47005"/>
+          <a:stretch/>
+        </p:blipFill>
+        <p:spPr>
+          <a:xfrm>
+            <a:off x="472825" y="2942047"/>
+            <a:ext cx="1900365" cy="486953"/>
+          </a:xfrm>
+          <a:prstGeom prst="rect">
+            <a:avLst/>
+          </a:prstGeom>
+        </p:spPr>
+      </p:pic>
+      <p:pic>
+        <p:nvPicPr>
+          <p:cNvPr id="11" name="Picture 10">
+            <a:extLst>
+              <a:ext uri="{FF2B5EF4-FFF2-40B4-BE49-F238E27FC236}">
+                <a16:creationId xmlns:a16="http://schemas.microsoft.com/office/drawing/2014/main" id="{A001E90C-41C0-EC45-B3A0-4623299B8414}"/>
+              </a:ext>
+            </a:extLst>
+          </p:cNvPr>
+          <p:cNvPicPr>
+            <a:picLocks noChangeAspect="1"/>
+          </p:cNvPicPr>
+          <p:nvPr/>
+        </p:nvPicPr>
+        <p:blipFill rotWithShape="1">
+          <a:blip r:embed="rId4"/>
+          <a:srcRect t="3798" r="38999"/>
+          <a:stretch/>
+        </p:blipFill>
+        <p:spPr>
+          <a:xfrm>
+            <a:off x="3527427" y="3842535"/>
+            <a:ext cx="4965908" cy="476490"/>
+          </a:xfrm>
+          <a:prstGeom prst="rect">
+            <a:avLst/>
+          </a:prstGeom>
+        </p:spPr>
+      </p:pic>
+      <p:pic>
+        <p:nvPicPr>
+          <p:cNvPr id="12" name="Picture 11">
+            <a:extLst>
+              <a:ext uri="{FF2B5EF4-FFF2-40B4-BE49-F238E27FC236}">
+                <a16:creationId xmlns:a16="http://schemas.microsoft.com/office/drawing/2014/main" id="{E27F1E18-E0ED-1F42-B17E-1F4AE2E3F3F0}"/>
+              </a:ext>
+            </a:extLst>
+          </p:cNvPr>
+          <p:cNvPicPr>
+            <a:picLocks noChangeAspect="1"/>
+          </p:cNvPicPr>
+          <p:nvPr/>
+        </p:nvPicPr>
+        <p:blipFill rotWithShape="1">
+          <a:blip r:embed="rId3"/>
+          <a:srcRect b="50000"/>
+          <a:stretch/>
+        </p:blipFill>
+        <p:spPr>
+          <a:xfrm>
+            <a:off x="5152303" y="2161311"/>
+            <a:ext cx="2498053" cy="603925"/>
+          </a:xfrm>
+          <a:prstGeom prst="rect">
+            <a:avLst/>
+          </a:prstGeom>
+        </p:spPr>
+      </p:pic>
+      <p:pic>
+        <p:nvPicPr>
+          <p:cNvPr id="13" name="Picture 12">
+            <a:extLst>
+              <a:ext uri="{FF2B5EF4-FFF2-40B4-BE49-F238E27FC236}">
+                <a16:creationId xmlns:a16="http://schemas.microsoft.com/office/drawing/2014/main" id="{0E79C6A6-63D5-0D45-AC11-B46BC136547E}"/>
+              </a:ext>
+            </a:extLst>
+          </p:cNvPr>
+          <p:cNvPicPr>
+            <a:picLocks noChangeAspect="1"/>
+          </p:cNvPicPr>
+          <p:nvPr/>
+        </p:nvPicPr>
+        <p:blipFill>
+          <a:blip r:embed="rId5"/>
+          <a:stretch>
+            <a:fillRect/>
+          </a:stretch>
+        </p:blipFill>
+        <p:spPr>
+          <a:xfrm>
+            <a:off x="6247217" y="5463547"/>
+            <a:ext cx="1879600" cy="495300"/>
+          </a:xfrm>
+          <a:prstGeom prst="rect">
+            <a:avLst/>
+          </a:prstGeom>
+        </p:spPr>
+      </p:pic>
+      <p:pic>
+        <p:nvPicPr>
+          <p:cNvPr id="16" name="Picture 15">
+            <a:extLst>
+              <a:ext uri="{FF2B5EF4-FFF2-40B4-BE49-F238E27FC236}">
+                <a16:creationId xmlns:a16="http://schemas.microsoft.com/office/drawing/2014/main" id="{45A4F704-B5F0-CD4A-BCA8-41451954BC72}"/>
+              </a:ext>
+            </a:extLst>
+          </p:cNvPr>
+          <p:cNvPicPr>
+            <a:picLocks noChangeAspect="1"/>
+          </p:cNvPicPr>
+          <p:nvPr/>
+        </p:nvPicPr>
+        <p:blipFill rotWithShape="1">
+          <a:blip r:embed="rId4"/>
+          <a:srcRect l="60896" t="1532"/>
+          <a:stretch/>
+        </p:blipFill>
+        <p:spPr>
+          <a:xfrm>
+            <a:off x="5904566" y="4525617"/>
+            <a:ext cx="3183355" cy="487710"/>
+          </a:xfrm>
+          <a:prstGeom prst="rect">
+            <a:avLst/>
+          </a:prstGeom>
+        </p:spPr>
+      </p:pic>
+      <p:cxnSp>
+        <p:nvCxnSpPr>
+          <p:cNvPr id="9" name="Straight Connector 8">
+            <a:extLst>
+              <a:ext uri="{FF2B5EF4-FFF2-40B4-BE49-F238E27FC236}">
+                <a16:creationId xmlns:a16="http://schemas.microsoft.com/office/drawing/2014/main" id="{99F05FE0-4C5A-C547-AE9E-7330262E2EE6}"/>
+              </a:ext>
+            </a:extLst>
+          </p:cNvPr>
+          <p:cNvCxnSpPr/>
+          <p:nvPr/>
+        </p:nvCxnSpPr>
+        <p:spPr>
+          <a:xfrm>
+            <a:off x="6534364" y="5116530"/>
+            <a:ext cx="2085654" cy="0"/>
+          </a:xfrm>
+          <a:prstGeom prst="line">
+            <a:avLst/>
+          </a:prstGeom>
+          <a:ln w="28575">
+            <a:solidFill>
+              <a:schemeClr val="tx1"/>
+            </a:solidFill>
+          </a:ln>
+          <a:effectLst/>
+        </p:spPr>
+        <p:style>
+          <a:lnRef idx="2">
+            <a:schemeClr val="accent1"/>
+          </a:lnRef>
+          <a:fillRef idx="0">
+            <a:schemeClr val="accent1"/>
+          </a:fillRef>
+          <a:effectRef idx="1">
+            <a:schemeClr val="accent1"/>
+          </a:effectRef>
+          <a:fontRef idx="minor">
+            <a:schemeClr val="tx1"/>
+          </a:fontRef>
+        </p:style>
+      </p:cxnSp>
+      <p:sp>
+        <p:nvSpPr>
+          <p:cNvPr id="18" name="TextBox 17">
+            <a:extLst>
+              <a:ext uri="{FF2B5EF4-FFF2-40B4-BE49-F238E27FC236}">
+                <a16:creationId xmlns:a16="http://schemas.microsoft.com/office/drawing/2014/main" id="{9864F092-1F5C-F043-ABB9-5BEE5C650B46}"/>
+              </a:ext>
+            </a:extLst>
+          </p:cNvPr>
+          <p:cNvSpPr txBox="1"/>
+          <p:nvPr/>
+        </p:nvSpPr>
+        <p:spPr>
+          <a:xfrm>
+            <a:off x="38022" y="1392094"/>
+            <a:ext cx="3068977" cy="461665"/>
+          </a:xfrm>
+          <a:prstGeom prst="rect">
+            <a:avLst/>
+          </a:prstGeom>
+          <a:noFill/>
+        </p:spPr>
+        <p:txBody>
+          <a:bodyPr wrap="square" rtlCol="0">
+            <a:spAutoFit/>
+          </a:bodyPr>
+          <a:lstStyle/>
+          <a:p>
+            <a:pPr algn="ctr"/>
+            <a:r>
+              <a:rPr lang="en-US" sz="2400" dirty="0"/>
+              <a:t>Vector rotations</a:t>
+            </a:r>
+          </a:p>
+        </p:txBody>
+      </p:sp>
+      <p:sp>
+        <p:nvSpPr>
+          <p:cNvPr id="20" name="TextBox 19">
+            <a:extLst>
+              <a:ext uri="{FF2B5EF4-FFF2-40B4-BE49-F238E27FC236}">
+                <a16:creationId xmlns:a16="http://schemas.microsoft.com/office/drawing/2014/main" id="{E5EE6522-398C-0B4A-BC9F-F1A8E910CC48}"/>
+              </a:ext>
+            </a:extLst>
+          </p:cNvPr>
+          <p:cNvSpPr txBox="1"/>
+          <p:nvPr/>
+        </p:nvSpPr>
+        <p:spPr>
+          <a:xfrm>
+            <a:off x="3769667" y="1596443"/>
+            <a:ext cx="5529394" cy="461665"/>
+          </a:xfrm>
+          <a:prstGeom prst="rect">
+            <a:avLst/>
+          </a:prstGeom>
+          <a:noFill/>
+        </p:spPr>
+        <p:txBody>
+          <a:bodyPr wrap="square" rtlCol="0">
+            <a:spAutoFit/>
+          </a:bodyPr>
+          <a:lstStyle/>
+          <a:p>
+            <a:pPr algn="ctr"/>
+            <a:r>
+              <a:rPr lang="en-US" sz="2400" dirty="0"/>
+              <a:t>For a tensor transformation from </a:t>
+            </a:r>
+            <a:r>
+              <a:rPr lang="en-US" sz="2400" b="1" dirty="0"/>
+              <a:t>u</a:t>
+            </a:r>
+            <a:r>
+              <a:rPr lang="en-US" sz="2400" dirty="0"/>
+              <a:t> -&gt; </a:t>
+            </a:r>
+            <a:r>
+              <a:rPr lang="en-US" sz="2400" b="1" dirty="0"/>
+              <a:t>v</a:t>
+            </a:r>
+          </a:p>
+        </p:txBody>
+      </p:sp>
+      <p:sp>
+        <p:nvSpPr>
+          <p:cNvPr id="21" name="TextBox 20">
+            <a:extLst>
+              <a:ext uri="{FF2B5EF4-FFF2-40B4-BE49-F238E27FC236}">
+                <a16:creationId xmlns:a16="http://schemas.microsoft.com/office/drawing/2014/main" id="{5A66D5C2-67B9-BA46-AD6F-85F46050AE5E}"/>
+              </a:ext>
+            </a:extLst>
+          </p:cNvPr>
+          <p:cNvSpPr txBox="1"/>
+          <p:nvPr/>
+        </p:nvSpPr>
+        <p:spPr>
+          <a:xfrm>
+            <a:off x="3027023" y="3290517"/>
+            <a:ext cx="3068977" cy="461665"/>
+          </a:xfrm>
+          <a:prstGeom prst="rect">
+            <a:avLst/>
+          </a:prstGeom>
+          <a:noFill/>
+        </p:spPr>
+        <p:txBody>
+          <a:bodyPr wrap="square" rtlCol="0">
+            <a:spAutoFit/>
+          </a:bodyPr>
+          <a:lstStyle/>
+          <a:p>
+            <a:pPr algn="ctr"/>
+            <a:r>
+              <a:rPr lang="en-US" sz="2400" dirty="0"/>
+              <a:t>Let’s rotate </a:t>
+            </a:r>
+            <a:r>
+              <a:rPr lang="en-US" sz="2400" b="1" dirty="0"/>
+              <a:t>v</a:t>
+            </a:r>
+          </a:p>
+        </p:txBody>
+      </p:sp>
+    </p:spTree>
+    <p:extLst>
+      <p:ext uri="{BB962C8B-B14F-4D97-AF65-F5344CB8AC3E}">
+        <p14:creationId xmlns:p14="http://schemas.microsoft.com/office/powerpoint/2010/main" val="3073363471"/>
+      </p:ext>
+    </p:extLst>
+  </p:cSld>
+  <p:clrMapOvr>
+    <a:masterClrMapping/>
+  </p:clrMapOvr>
+</p:sld>
+</file>
+
+<file path=ppt/slides/slide13.xml><?xml version="1.0" encoding="utf-8"?>
+<p:sld xmlns:a="http://schemas.openxmlformats.org/drawingml/2006/main" xmlns:r="http://schemas.openxmlformats.org/officeDocument/2006/relationships" xmlns:p="http://schemas.openxmlformats.org/presentationml/2006/main">
+  <p:cSld>
+    <p:spTree>
+      <p:nvGrpSpPr>
+        <p:cNvPr id="1" name=""/>
+        <p:cNvGrpSpPr/>
+        <p:nvPr/>
+      </p:nvGrpSpPr>
+      <p:grpSpPr>
+        <a:xfrm>
+          <a:off x="0" y="0"/>
+          <a:ext cx="0" cy="0"/>
+          <a:chOff x="0" y="0"/>
+          <a:chExt cx="0" cy="0"/>
+        </a:xfrm>
+      </p:grpSpPr>
+      <p:sp>
+        <p:nvSpPr>
+          <p:cNvPr id="4" name="TextBox 3">
+            <a:extLst>
+              <a:ext uri="{FF2B5EF4-FFF2-40B4-BE49-F238E27FC236}">
+                <a16:creationId xmlns:a16="http://schemas.microsoft.com/office/drawing/2014/main" id="{9AA6C45C-0F20-1449-9E00-4313FB8370BB}"/>
+              </a:ext>
+            </a:extLst>
+          </p:cNvPr>
+          <p:cNvSpPr txBox="1"/>
+          <p:nvPr/>
+        </p:nvSpPr>
+        <p:spPr>
+          <a:xfrm>
+            <a:off x="2280857" y="433544"/>
+            <a:ext cx="7630286" cy="523220"/>
+          </a:xfrm>
+          <a:prstGeom prst="rect">
+            <a:avLst/>
+          </a:prstGeom>
+          <a:noFill/>
+        </p:spPr>
+        <p:txBody>
+          <a:bodyPr wrap="square" rtlCol="0">
+            <a:spAutoFit/>
+          </a:bodyPr>
+          <a:lstStyle/>
+          <a:p>
+            <a:pPr algn="ctr"/>
+            <a:r>
+              <a:rPr lang="en-US" sz="2800" b="1" dirty="0">
+                <a:solidFill>
+                  <a:srgbClr val="000090"/>
+                </a:solidFill>
+              </a:rPr>
+              <a:t>Rotating vectors</a:t>
+            </a:r>
+            <a:endParaRPr lang="en-US" sz="2400" b="1" dirty="0">
+              <a:solidFill>
+                <a:srgbClr val="008000"/>
+              </a:solidFill>
+            </a:endParaRPr>
+          </a:p>
+        </p:txBody>
+      </p:sp>
+      <p:sp>
+        <p:nvSpPr>
+          <p:cNvPr id="7" name="TextBox 6">
+            <a:extLst>
+              <a:ext uri="{FF2B5EF4-FFF2-40B4-BE49-F238E27FC236}">
+                <a16:creationId xmlns:a16="http://schemas.microsoft.com/office/drawing/2014/main" id="{739034B9-65F7-5145-AD16-E30AE1212F75}"/>
+              </a:ext>
+            </a:extLst>
+          </p:cNvPr>
+          <p:cNvSpPr txBox="1"/>
+          <p:nvPr/>
+        </p:nvSpPr>
+        <p:spPr>
+          <a:xfrm>
+            <a:off x="3927724" y="1503275"/>
+            <a:ext cx="4336551" cy="461665"/>
+          </a:xfrm>
+          <a:prstGeom prst="rect">
+            <a:avLst/>
+          </a:prstGeom>
+          <a:noFill/>
+        </p:spPr>
+        <p:txBody>
+          <a:bodyPr wrap="square" rtlCol="0">
+            <a:spAutoFit/>
+          </a:bodyPr>
+          <a:lstStyle/>
+          <a:p>
+            <a:pPr algn="ctr"/>
+            <a:r>
+              <a:rPr lang="en-US" sz="2400" dirty="0"/>
+              <a:t>Coordinate transformations</a:t>
+            </a:r>
+          </a:p>
+        </p:txBody>
+      </p:sp>
+      <p:pic>
+        <p:nvPicPr>
+          <p:cNvPr id="6" name="Picture 5">
+            <a:extLst>
+              <a:ext uri="{FF2B5EF4-FFF2-40B4-BE49-F238E27FC236}">
+                <a16:creationId xmlns:a16="http://schemas.microsoft.com/office/drawing/2014/main" id="{701C9CFD-7A18-B84E-A6C9-1344583CCA0D}"/>
+              </a:ext>
+            </a:extLst>
+          </p:cNvPr>
+          <p:cNvPicPr>
+            <a:picLocks noChangeAspect="1"/>
+          </p:cNvPicPr>
+          <p:nvPr/>
+        </p:nvPicPr>
+        <p:blipFill>
+          <a:blip r:embed="rId2"/>
+          <a:stretch>
+            <a:fillRect/>
+          </a:stretch>
+        </p:blipFill>
+        <p:spPr>
+          <a:xfrm>
+            <a:off x="2197768" y="2649471"/>
+            <a:ext cx="8264275" cy="779529"/>
+          </a:xfrm>
+          <a:prstGeom prst="rect">
+            <a:avLst/>
+          </a:prstGeom>
+        </p:spPr>
+      </p:pic>
+      <p:pic>
+        <p:nvPicPr>
+          <p:cNvPr id="11" name="Picture 10">
+            <a:extLst>
+              <a:ext uri="{FF2B5EF4-FFF2-40B4-BE49-F238E27FC236}">
+                <a16:creationId xmlns:a16="http://schemas.microsoft.com/office/drawing/2014/main" id="{1A00667B-130D-2244-A6E1-5078ACBB525A}"/>
+              </a:ext>
+            </a:extLst>
+          </p:cNvPr>
+          <p:cNvPicPr>
+            <a:picLocks noChangeAspect="1"/>
+          </p:cNvPicPr>
+          <p:nvPr/>
+        </p:nvPicPr>
+        <p:blipFill>
+          <a:blip r:embed="rId3"/>
+          <a:stretch>
+            <a:fillRect/>
+          </a:stretch>
+        </p:blipFill>
+        <p:spPr>
+          <a:xfrm>
+            <a:off x="2197768" y="3686910"/>
+            <a:ext cx="6938211" cy="426621"/>
+          </a:xfrm>
+          <a:prstGeom prst="rect">
+            <a:avLst/>
+          </a:prstGeom>
+        </p:spPr>
+      </p:pic>
+    </p:spTree>
+    <p:extLst>
+      <p:ext uri="{BB962C8B-B14F-4D97-AF65-F5344CB8AC3E}">
+        <p14:creationId xmlns:p14="http://schemas.microsoft.com/office/powerpoint/2010/main" val="2043864866"/>
+      </p:ext>
+    </p:extLst>
+  </p:cSld>
+  <p:clrMapOvr>
+    <a:masterClrMapping/>
+  </p:clrMapOvr>
+</p:sld>
+</file>
+
+<file path=ppt/slides/slide14.xml><?xml version="1.0" encoding="utf-8"?>
+<p:sld xmlns:a="http://schemas.openxmlformats.org/drawingml/2006/main" xmlns:r="http://schemas.openxmlformats.org/officeDocument/2006/relationships" xmlns:p="http://schemas.openxmlformats.org/presentationml/2006/main">
+  <p:cSld>
+    <p:spTree>
+      <p:nvGrpSpPr>
+        <p:cNvPr id="1" name=""/>
+        <p:cNvGrpSpPr/>
+        <p:nvPr/>
+      </p:nvGrpSpPr>
+      <p:grpSpPr>
+        <a:xfrm>
+          <a:off x="0" y="0"/>
+          <a:ext cx="0" cy="0"/>
+          <a:chOff x="0" y="0"/>
+          <a:chExt cx="0" cy="0"/>
+        </a:xfrm>
+      </p:grpSpPr>
+      <p:sp>
+        <p:nvSpPr>
+          <p:cNvPr id="4" name="TextBox 3">
+            <a:extLst>
+              <a:ext uri="{FF2B5EF4-FFF2-40B4-BE49-F238E27FC236}">
+                <a16:creationId xmlns:a16="http://schemas.microsoft.com/office/drawing/2014/main" id="{9AA6C45C-0F20-1449-9E00-4313FB8370BB}"/>
+              </a:ext>
+            </a:extLst>
+          </p:cNvPr>
+          <p:cNvSpPr txBox="1"/>
+          <p:nvPr/>
+        </p:nvSpPr>
+        <p:spPr>
+          <a:xfrm>
             <a:off x="2280856" y="450635"/>
             <a:ext cx="7630286" cy="523220"/>
           </a:xfrm>
@@ -3285,15 +4430,15 @@
             </a:pPr>
             <a:r>
               <a:rPr lang="en-US" sz="2400" dirty="0"/>
-              <a:t>First derive a linear operation that allows you to rotate the given velocity vectors to any coordinate system, and then do it for the India-fixed reference frame given an </a:t>
-            </a:r>
-            <a:r>
-              <a:rPr lang="en-US" sz="2400" dirty="0" err="1"/>
-              <a:t>euler</a:t>
+              <a:t>First derive a linear operation that allows you to rotate the given velocity vectors to any coordinate system, and then do it for the India-fixed reference frame given </a:t>
+            </a:r>
+            <a:r>
+              <a:rPr lang="en-US" sz="2400"/>
+              <a:t>an Euler </a:t>
             </a:r>
             <a:r>
               <a:rPr lang="en-US" sz="2400" dirty="0"/>
-              <a:t> pole (N – 51.42º, E – 2.10º, rotation rate – 0.5146 º/</a:t>
+              <a:t>pole (N – 51.42º, E – 2.10º, rotation rate – 0.5146 º/</a:t>
             </a:r>
             <a:r>
               <a:rPr lang="en-US" sz="2400" dirty="0" err="1"/>
@@ -3320,8 +4465,8 @@
         </p:nvSpPr>
         <p:spPr>
           <a:xfrm>
-            <a:off x="2097866" y="3945153"/>
-            <a:ext cx="7996263" cy="1569660"/>
+            <a:off x="2097866" y="4705440"/>
+            <a:ext cx="7996263" cy="461665"/>
           </a:xfrm>
           <a:prstGeom prst="rect">
             <a:avLst/>
@@ -3337,33 +4482,7 @@
             <a:pPr algn="ctr"/>
             <a:r>
               <a:rPr lang="en-US" sz="2400" dirty="0"/>
-              <a:t>Reading Assignment</a:t>
-            </a:r>
-          </a:p>
-          <a:p>
-            <a:pPr algn="ctr"/>
-            <a:endParaRPr lang="en-US" sz="2400" dirty="0"/>
-          </a:p>
-          <a:p>
-            <a:pPr marL="457200" indent="-457200">
-              <a:buAutoNum type="arabicPeriod"/>
-            </a:pPr>
-            <a:r>
-              <a:rPr lang="en-US" sz="2400" dirty="0" err="1"/>
-              <a:t>Goudarzi</a:t>
-            </a:r>
-            <a:r>
-              <a:rPr lang="en-US" sz="2400" dirty="0"/>
-              <a:t> et al., (2014), GPS Solutions</a:t>
-            </a:r>
-          </a:p>
-          <a:p>
-            <a:pPr marL="457200" indent="-457200">
-              <a:buAutoNum type="arabicPeriod"/>
-            </a:pPr>
-            <a:r>
-              <a:rPr lang="en-US" sz="2400" dirty="0"/>
-              <a:t>Meade and Loveless, (2009), BSSA</a:t>
+              <a:t>Reading Assignment: Meade and Loveless, (2009), BSSA</a:t>
             </a:r>
           </a:p>
         </p:txBody>
@@ -5165,7 +6284,7 @@
         </p:nvSpPr>
         <p:spPr>
           <a:xfrm>
-            <a:off x="2280857" y="433544"/>
+            <a:off x="2280857" y="459741"/>
             <a:ext cx="7630286" cy="523220"/>
           </a:xfrm>
           <a:prstGeom prst="rect">
@@ -5186,7 +6305,7 @@
                   <a:srgbClr val="000090"/>
                 </a:solidFill>
               </a:rPr>
-              <a:t>Rotating vectors</a:t>
+              <a:t>Vector calculus</a:t>
             </a:r>
             <a:endParaRPr lang="en-US" sz="2400" b="1" dirty="0">
               <a:solidFill>
@@ -5196,12 +6315,48 @@
           </a:p>
         </p:txBody>
       </p:sp>
+      <p:sp>
+        <p:nvSpPr>
+          <p:cNvPr id="3" name="TextBox 2">
+            <a:extLst>
+              <a:ext uri="{FF2B5EF4-FFF2-40B4-BE49-F238E27FC236}">
+                <a16:creationId xmlns:a16="http://schemas.microsoft.com/office/drawing/2014/main" id="{7B2AE9B1-2879-5E41-A166-070841D06EC5}"/>
+              </a:ext>
+            </a:extLst>
+          </p:cNvPr>
+          <p:cNvSpPr txBox="1"/>
+          <p:nvPr/>
+        </p:nvSpPr>
+        <p:spPr>
+          <a:xfrm>
+            <a:off x="1056097" y="1519301"/>
+            <a:ext cx="10079805" cy="461665"/>
+          </a:xfrm>
+          <a:prstGeom prst="rect">
+            <a:avLst/>
+          </a:prstGeom>
+          <a:noFill/>
+        </p:spPr>
+        <p:txBody>
+          <a:bodyPr wrap="square" rtlCol="0">
+            <a:spAutoFit/>
+          </a:bodyPr>
+          <a:lstStyle/>
+          <a:p>
+            <a:pPr algn="ctr"/>
+            <a:r>
+              <a:rPr lang="en-US" sz="2400" dirty="0"/>
+              <a:t>Problem sets for differentiation and integration (analytically and numerically)</a:t>
+            </a:r>
+          </a:p>
+        </p:txBody>
+      </p:sp>
       <p:pic>
         <p:nvPicPr>
-          <p:cNvPr id="3" name="Picture 2">
-            <a:extLst>
-              <a:ext uri="{FF2B5EF4-FFF2-40B4-BE49-F238E27FC236}">
-                <a16:creationId xmlns:a16="http://schemas.microsoft.com/office/drawing/2014/main" id="{ADA8B6D2-6DB8-0442-BCE1-94436D6ECCE8}"/>
+          <p:cNvPr id="12" name="Picture 11">
+            <a:extLst>
+              <a:ext uri="{FF2B5EF4-FFF2-40B4-BE49-F238E27FC236}">
+                <a16:creationId xmlns:a16="http://schemas.microsoft.com/office/drawing/2014/main" id="{4C7F6942-EA2D-7A42-B2E6-667F00890946}"/>
               </a:ext>
             </a:extLst>
           </p:cNvPr>
@@ -5218,154 +6373,18 @@
         </p:blipFill>
         <p:spPr>
           <a:xfrm>
-            <a:off x="1624888" y="1964940"/>
-            <a:ext cx="3302000" cy="2159000"/>
+            <a:off x="1623317" y="2517306"/>
+            <a:ext cx="8945366" cy="2063738"/>
           </a:xfrm>
           <a:prstGeom prst="rect">
             <a:avLst/>
           </a:prstGeom>
         </p:spPr>
       </p:pic>
-      <p:sp>
-        <p:nvSpPr>
-          <p:cNvPr id="7" name="TextBox 6">
-            <a:extLst>
-              <a:ext uri="{FF2B5EF4-FFF2-40B4-BE49-F238E27FC236}">
-                <a16:creationId xmlns:a16="http://schemas.microsoft.com/office/drawing/2014/main" id="{739034B9-65F7-5145-AD16-E30AE1212F75}"/>
-              </a:ext>
-            </a:extLst>
-          </p:cNvPr>
-          <p:cNvSpPr txBox="1"/>
-          <p:nvPr/>
-        </p:nvSpPr>
-        <p:spPr>
-          <a:xfrm>
-            <a:off x="3927724" y="1503275"/>
-            <a:ext cx="4336551" cy="461665"/>
-          </a:xfrm>
-          <a:prstGeom prst="rect">
-            <a:avLst/>
-          </a:prstGeom>
-          <a:noFill/>
-        </p:spPr>
-        <p:txBody>
-          <a:bodyPr wrap="square" rtlCol="0">
-            <a:spAutoFit/>
-          </a:bodyPr>
-          <a:lstStyle/>
-          <a:p>
-            <a:pPr algn="ctr"/>
-            <a:r>
-              <a:rPr lang="en-US" sz="2400" dirty="0"/>
-              <a:t>Coordinate transformations</a:t>
-            </a:r>
-          </a:p>
-        </p:txBody>
-      </p:sp>
-      <p:pic>
-        <p:nvPicPr>
-          <p:cNvPr id="8" name="Picture 7">
-            <a:extLst>
-              <a:ext uri="{FF2B5EF4-FFF2-40B4-BE49-F238E27FC236}">
-                <a16:creationId xmlns:a16="http://schemas.microsoft.com/office/drawing/2014/main" id="{71F1FC2E-636F-D841-8561-596C4E09BDC8}"/>
-              </a:ext>
-            </a:extLst>
-          </p:cNvPr>
-          <p:cNvPicPr>
-            <a:picLocks noChangeAspect="1"/>
-          </p:cNvPicPr>
-          <p:nvPr/>
-        </p:nvPicPr>
-        <p:blipFill>
-          <a:blip r:embed="rId3"/>
-          <a:stretch>
-            <a:fillRect/>
-          </a:stretch>
-        </p:blipFill>
-        <p:spPr>
-          <a:xfrm>
-            <a:off x="4926888" y="2660189"/>
-            <a:ext cx="4336551" cy="871316"/>
-          </a:xfrm>
-          <a:prstGeom prst="rect">
-            <a:avLst/>
-          </a:prstGeom>
-        </p:spPr>
-      </p:pic>
-      <p:sp>
-        <p:nvSpPr>
-          <p:cNvPr id="9" name="TextBox 8">
-            <a:extLst>
-              <a:ext uri="{FF2B5EF4-FFF2-40B4-BE49-F238E27FC236}">
-                <a16:creationId xmlns:a16="http://schemas.microsoft.com/office/drawing/2014/main" id="{9F64CFC7-F55D-C142-90A7-16D16D026A1C}"/>
-              </a:ext>
-            </a:extLst>
-          </p:cNvPr>
-          <p:cNvSpPr txBox="1"/>
-          <p:nvPr/>
-        </p:nvSpPr>
-        <p:spPr>
-          <a:xfrm>
-            <a:off x="2036685" y="4314454"/>
-            <a:ext cx="8118630" cy="830997"/>
-          </a:xfrm>
-          <a:prstGeom prst="rect">
-            <a:avLst/>
-          </a:prstGeom>
-          <a:noFill/>
-        </p:spPr>
-        <p:txBody>
-          <a:bodyPr wrap="square" rtlCol="0">
-            <a:spAutoFit/>
-          </a:bodyPr>
-          <a:lstStyle/>
-          <a:p>
-            <a:r>
-              <a:rPr lang="en-US" sz="2400" dirty="0"/>
-              <a:t>Derive the individual components of the rotation matrix using the dot product of the rotated and original coordinate systems</a:t>
-            </a:r>
-          </a:p>
-        </p:txBody>
-      </p:sp>
-      <p:sp>
-        <p:nvSpPr>
-          <p:cNvPr id="10" name="TextBox 9">
-            <a:extLst>
-              <a:ext uri="{FF2B5EF4-FFF2-40B4-BE49-F238E27FC236}">
-                <a16:creationId xmlns:a16="http://schemas.microsoft.com/office/drawing/2014/main" id="{9D6B56D2-8D2F-9A44-96A4-9C7E99C1B03D}"/>
-              </a:ext>
-            </a:extLst>
-          </p:cNvPr>
-          <p:cNvSpPr txBox="1"/>
-          <p:nvPr/>
-        </p:nvSpPr>
-        <p:spPr>
-          <a:xfrm>
-            <a:off x="2036685" y="5361871"/>
-            <a:ext cx="8118630" cy="461665"/>
-          </a:xfrm>
-          <a:prstGeom prst="rect">
-            <a:avLst/>
-          </a:prstGeom>
-          <a:noFill/>
-        </p:spPr>
-        <p:txBody>
-          <a:bodyPr wrap="square" rtlCol="0">
-            <a:spAutoFit/>
-          </a:bodyPr>
-          <a:lstStyle/>
-          <a:p>
-            <a:r>
-              <a:rPr lang="en-US" sz="2400" dirty="0"/>
-              <a:t>How do we rotate tensors?</a:t>
-            </a:r>
-          </a:p>
-        </p:txBody>
-      </p:sp>
     </p:spTree>
     <p:extLst>
       <p:ext uri="{BB962C8B-B14F-4D97-AF65-F5344CB8AC3E}">
-        <p14:creationId xmlns:p14="http://schemas.microsoft.com/office/powerpoint/2010/main" val="405589029"/>
+        <p14:creationId xmlns:p14="http://schemas.microsoft.com/office/powerpoint/2010/main" val="1866669247"/>
       </p:ext>
     </p:extLst>
   </p:cSld>

--- a/week1/week1_vectorcalculus.pptx
+++ b/week1/week1_vectorcalculus.pptx
@@ -5,7 +5,7 @@
     <p:sldMasterId id="2147483648" r:id="rId1"/>
   </p:sldMasterIdLst>
   <p:notesMasterIdLst>
-    <p:notesMasterId r:id="rId31"/>
+    <p:notesMasterId r:id="rId21"/>
   </p:notesMasterIdLst>
   <p:sldIdLst>
     <p:sldId id="256" r:id="rId2"/>
@@ -27,16 +27,6 @@
     <p:sldId id="269" r:id="rId18"/>
     <p:sldId id="267" r:id="rId19"/>
     <p:sldId id="265" r:id="rId20"/>
-    <p:sldId id="276" r:id="rId21"/>
-    <p:sldId id="277" r:id="rId22"/>
-    <p:sldId id="278" r:id="rId23"/>
-    <p:sldId id="279" r:id="rId24"/>
-    <p:sldId id="280" r:id="rId25"/>
-    <p:sldId id="281" r:id="rId26"/>
-    <p:sldId id="282" r:id="rId27"/>
-    <p:sldId id="283" r:id="rId28"/>
-    <p:sldId id="275" r:id="rId29"/>
-    <p:sldId id="270" r:id="rId30"/>
   </p:sldIdLst>
   <p:sldSz cx="12192000" cy="6858000"/>
   <p:notesSz cx="6858000" cy="9144000"/>
@@ -236,7 +226,7 @@
           <a:p>
             <a:fld id="{F57527CB-4302-F742-95A3-2014BA0830DE}" type="datetimeFigureOut">
               <a:rPr lang="en-US" smtClean="0"/>
-              <a:t>5/3/21</a:t>
+              <a:t>5/6/21</a:t>
             </a:fld>
             <a:endParaRPr lang="en-US"/>
           </a:p>
@@ -965,183 +955,6 @@
 </p:notes>
 </file>
 
-<file path=ppt/notesSlides/notesSlide14.xml><?xml version="1.0" encoding="utf-8"?>
-<p:notes xmlns:a="http://schemas.openxmlformats.org/drawingml/2006/main" xmlns:r="http://schemas.openxmlformats.org/officeDocument/2006/relationships" xmlns:p="http://schemas.openxmlformats.org/presentationml/2006/main">
-  <p:cSld>
-    <p:spTree>
-      <p:nvGrpSpPr>
-        <p:cNvPr id="1" name=""/>
-        <p:cNvGrpSpPr/>
-        <p:nvPr/>
-      </p:nvGrpSpPr>
-      <p:grpSpPr>
-        <a:xfrm>
-          <a:off x="0" y="0"/>
-          <a:ext cx="0" cy="0"/>
-          <a:chOff x="0" y="0"/>
-          <a:chExt cx="0" cy="0"/>
-        </a:xfrm>
-      </p:grpSpPr>
-      <p:sp>
-        <p:nvSpPr>
-          <p:cNvPr id="2" name="Slide Image Placeholder 1"/>
-          <p:cNvSpPr>
-            <a:spLocks noGrp="1" noRot="1" noChangeAspect="1"/>
-          </p:cNvSpPr>
-          <p:nvPr>
-            <p:ph type="sldImg"/>
-          </p:nvPr>
-        </p:nvSpPr>
-        <p:spPr/>
-      </p:sp>
-      <p:sp>
-        <p:nvSpPr>
-          <p:cNvPr id="3" name="Notes Placeholder 2"/>
-          <p:cNvSpPr>
-            <a:spLocks noGrp="1"/>
-          </p:cNvSpPr>
-          <p:nvPr>
-            <p:ph type="body" idx="1"/>
-          </p:nvPr>
-        </p:nvSpPr>
-        <p:spPr/>
-        <p:txBody>
-          <a:bodyPr/>
-          <a:lstStyle/>
-          <a:p>
-            <a:endParaRPr lang="en-US" dirty="0"/>
-          </a:p>
-        </p:txBody>
-      </p:sp>
-      <p:sp>
-        <p:nvSpPr>
-          <p:cNvPr id="4" name="Slide Number Placeholder 3"/>
-          <p:cNvSpPr>
-            <a:spLocks noGrp="1"/>
-          </p:cNvSpPr>
-          <p:nvPr>
-            <p:ph type="sldNum" sz="quarter" idx="5"/>
-          </p:nvPr>
-        </p:nvSpPr>
-        <p:spPr/>
-        <p:txBody>
-          <a:bodyPr/>
-          <a:lstStyle/>
-          <a:p>
-            <a:fld id="{038EC515-8893-214A-AB5B-C17EE8C79197}" type="slidenum">
-              <a:rPr lang="en-US" smtClean="0"/>
-              <a:t>20</a:t>
-            </a:fld>
-            <a:endParaRPr lang="en-US"/>
-          </a:p>
-        </p:txBody>
-      </p:sp>
-    </p:spTree>
-    <p:extLst>
-      <p:ext uri="{BB962C8B-B14F-4D97-AF65-F5344CB8AC3E}">
-        <p14:creationId xmlns:p14="http://schemas.microsoft.com/office/powerpoint/2010/main" val="1229744498"/>
-      </p:ext>
-    </p:extLst>
-  </p:cSld>
-  <p:clrMapOvr>
-    <a:masterClrMapping/>
-  </p:clrMapOvr>
-</p:notes>
-</file>
-
-<file path=ppt/notesSlides/notesSlide15.xml><?xml version="1.0" encoding="utf-8"?>
-<p:notes xmlns:a="http://schemas.openxmlformats.org/drawingml/2006/main" xmlns:r="http://schemas.openxmlformats.org/officeDocument/2006/relationships" xmlns:p="http://schemas.openxmlformats.org/presentationml/2006/main">
-  <p:cSld>
-    <p:spTree>
-      <p:nvGrpSpPr>
-        <p:cNvPr id="1" name=""/>
-        <p:cNvGrpSpPr/>
-        <p:nvPr/>
-      </p:nvGrpSpPr>
-      <p:grpSpPr>
-        <a:xfrm>
-          <a:off x="0" y="0"/>
-          <a:ext cx="0" cy="0"/>
-          <a:chOff x="0" y="0"/>
-          <a:chExt cx="0" cy="0"/>
-        </a:xfrm>
-      </p:grpSpPr>
-      <p:sp>
-        <p:nvSpPr>
-          <p:cNvPr id="2" name="Slide Image Placeholder 1"/>
-          <p:cNvSpPr>
-            <a:spLocks noGrp="1" noRot="1" noChangeAspect="1"/>
-          </p:cNvSpPr>
-          <p:nvPr>
-            <p:ph type="sldImg"/>
-          </p:nvPr>
-        </p:nvSpPr>
-        <p:spPr/>
-      </p:sp>
-      <p:sp>
-        <p:nvSpPr>
-          <p:cNvPr id="3" name="Notes Placeholder 2"/>
-          <p:cNvSpPr>
-            <a:spLocks noGrp="1"/>
-          </p:cNvSpPr>
-          <p:nvPr>
-            <p:ph type="body" idx="1"/>
-          </p:nvPr>
-        </p:nvSpPr>
-        <p:spPr/>
-        <p:txBody>
-          <a:bodyPr/>
-          <a:lstStyle/>
-          <a:p>
-            <a:r>
-              <a:rPr lang="en-US" dirty="0"/>
-              <a:t>Shift assignment part 2 to next week</a:t>
-            </a:r>
-          </a:p>
-          <a:p>
-            <a:r>
-              <a:rPr lang="en-US" dirty="0"/>
-              <a:t>Introduce rotations on a sphere</a:t>
-            </a:r>
-          </a:p>
-        </p:txBody>
-      </p:sp>
-      <p:sp>
-        <p:nvSpPr>
-          <p:cNvPr id="4" name="Slide Number Placeholder 3"/>
-          <p:cNvSpPr>
-            <a:spLocks noGrp="1"/>
-          </p:cNvSpPr>
-          <p:nvPr>
-            <p:ph type="sldNum" sz="quarter" idx="5"/>
-          </p:nvPr>
-        </p:nvSpPr>
-        <p:spPr/>
-        <p:txBody>
-          <a:bodyPr/>
-          <a:lstStyle/>
-          <a:p>
-            <a:fld id="{038EC515-8893-214A-AB5B-C17EE8C79197}" type="slidenum">
-              <a:rPr lang="en-US" smtClean="0"/>
-              <a:t>28</a:t>
-            </a:fld>
-            <a:endParaRPr lang="en-US"/>
-          </a:p>
-        </p:txBody>
-      </p:sp>
-    </p:spTree>
-    <p:extLst>
-      <p:ext uri="{BB962C8B-B14F-4D97-AF65-F5344CB8AC3E}">
-        <p14:creationId xmlns:p14="http://schemas.microsoft.com/office/powerpoint/2010/main" val="389046951"/>
-      </p:ext>
-    </p:extLst>
-  </p:cSld>
-  <p:clrMapOvr>
-    <a:masterClrMapping/>
-  </p:clrMapOvr>
-</p:notes>
-</file>
-
 <file path=ppt/notesSlides/notesSlide2.xml><?xml version="1.0" encoding="utf-8"?>
 <p:notes xmlns:a="http://schemas.openxmlformats.org/drawingml/2006/main" xmlns:r="http://schemas.openxmlformats.org/officeDocument/2006/relationships" xmlns:p="http://schemas.openxmlformats.org/presentationml/2006/main">
   <p:cSld>
@@ -2069,7 +1882,7 @@
             <a:fld id="{B1F62F99-EC1A-0449-A74E-A6D89C7B7276}" type="datetimeFigureOut">
               <a:rPr lang="en-US" smtClean="0"/>
               <a:pPr/>
-              <a:t>5/3/21</a:t>
+              <a:t>5/6/21</a:t>
             </a:fld>
             <a:endParaRPr lang="en-US"/>
           </a:p>
@@ -2234,7 +2047,7 @@
             <a:fld id="{B1F62F99-EC1A-0449-A74E-A6D89C7B7276}" type="datetimeFigureOut">
               <a:rPr lang="en-US" smtClean="0"/>
               <a:pPr/>
-              <a:t>5/3/21</a:t>
+              <a:t>5/6/21</a:t>
             </a:fld>
             <a:endParaRPr lang="en-US"/>
           </a:p>
@@ -2409,7 +2222,7 @@
             <a:fld id="{B1F62F99-EC1A-0449-A74E-A6D89C7B7276}" type="datetimeFigureOut">
               <a:rPr lang="en-US" smtClean="0"/>
               <a:pPr/>
-              <a:t>5/3/21</a:t>
+              <a:t>5/6/21</a:t>
             </a:fld>
             <a:endParaRPr lang="en-US"/>
           </a:p>
@@ -2574,7 +2387,7 @@
             <a:fld id="{B1F62F99-EC1A-0449-A74E-A6D89C7B7276}" type="datetimeFigureOut">
               <a:rPr lang="en-US" smtClean="0"/>
               <a:pPr/>
-              <a:t>5/3/21</a:t>
+              <a:t>5/6/21</a:t>
             </a:fld>
             <a:endParaRPr lang="en-US"/>
           </a:p>
@@ -2816,7 +2629,7 @@
             <a:fld id="{B1F62F99-EC1A-0449-A74E-A6D89C7B7276}" type="datetimeFigureOut">
               <a:rPr lang="en-US" smtClean="0"/>
               <a:pPr/>
-              <a:t>5/3/21</a:t>
+              <a:t>5/6/21</a:t>
             </a:fld>
             <a:endParaRPr lang="en-US"/>
           </a:p>
@@ -3098,7 +2911,7 @@
             <a:fld id="{B1F62F99-EC1A-0449-A74E-A6D89C7B7276}" type="datetimeFigureOut">
               <a:rPr lang="en-US" smtClean="0"/>
               <a:pPr/>
-              <a:t>5/3/21</a:t>
+              <a:t>5/6/21</a:t>
             </a:fld>
             <a:endParaRPr lang="en-US"/>
           </a:p>
@@ -3514,7 +3327,7 @@
             <a:fld id="{B1F62F99-EC1A-0449-A74E-A6D89C7B7276}" type="datetimeFigureOut">
               <a:rPr lang="en-US" smtClean="0"/>
               <a:pPr/>
-              <a:t>5/3/21</a:t>
+              <a:t>5/6/21</a:t>
             </a:fld>
             <a:endParaRPr lang="en-US"/>
           </a:p>
@@ -3628,7 +3441,7 @@
             <a:fld id="{B1F62F99-EC1A-0449-A74E-A6D89C7B7276}" type="datetimeFigureOut">
               <a:rPr lang="en-US" smtClean="0"/>
               <a:pPr/>
-              <a:t>5/3/21</a:t>
+              <a:t>5/6/21</a:t>
             </a:fld>
             <a:endParaRPr lang="en-US"/>
           </a:p>
@@ -3720,7 +3533,7 @@
             <a:fld id="{B1F62F99-EC1A-0449-A74E-A6D89C7B7276}" type="datetimeFigureOut">
               <a:rPr lang="en-US" smtClean="0"/>
               <a:pPr/>
-              <a:t>5/3/21</a:t>
+              <a:t>5/6/21</a:t>
             </a:fld>
             <a:endParaRPr lang="en-US"/>
           </a:p>
@@ -3992,7 +3805,7 @@
             <a:fld id="{B1F62F99-EC1A-0449-A74E-A6D89C7B7276}" type="datetimeFigureOut">
               <a:rPr lang="en-US" smtClean="0"/>
               <a:pPr/>
-              <a:t>5/3/21</a:t>
+              <a:t>5/6/21</a:t>
             </a:fld>
             <a:endParaRPr lang="en-US"/>
           </a:p>
@@ -4241,7 +4054,7 @@
             <a:fld id="{B1F62F99-EC1A-0449-A74E-A6D89C7B7276}" type="datetimeFigureOut">
               <a:rPr lang="en-US" smtClean="0"/>
               <a:pPr/>
-              <a:t>5/3/21</a:t>
+              <a:t>5/6/21</a:t>
             </a:fld>
             <a:endParaRPr lang="en-US"/>
           </a:p>
@@ -4449,7 +4262,7 @@
             <a:fld id="{B1F62F99-EC1A-0449-A74E-A6D89C7B7276}" type="datetimeFigureOut">
               <a:rPr lang="en-US" smtClean="0"/>
               <a:pPr/>
-              <a:t>5/3/21</a:t>
+              <a:t>5/6/21</a:t>
             </a:fld>
             <a:endParaRPr lang="en-US"/>
           </a:p>
@@ -7239,7 +7052,7 @@
                   <a:srgbClr val="000090"/>
                 </a:solidFill>
               </a:rPr>
-              <a:t>Rotating Tensors</a:t>
+              <a:t>Rotating tensors</a:t>
             </a:r>
             <a:endParaRPr lang="en-US" sz="2400" b="1" dirty="0">
               <a:solidFill>
@@ -8303,7412 +8116,6 @@
     <p:extLst>
       <p:ext uri="{BB962C8B-B14F-4D97-AF65-F5344CB8AC3E}">
         <p14:creationId xmlns:p14="http://schemas.microsoft.com/office/powerpoint/2010/main" val="1214204522"/>
-      </p:ext>
-    </p:extLst>
-  </p:cSld>
-  <p:clrMapOvr>
-    <a:masterClrMapping/>
-  </p:clrMapOvr>
-</p:sld>
-</file>
-
-<file path=ppt/slides/slide20.xml><?xml version="1.0" encoding="utf-8"?>
-<p:sld xmlns:a="http://schemas.openxmlformats.org/drawingml/2006/main" xmlns:r="http://schemas.openxmlformats.org/officeDocument/2006/relationships" xmlns:p="http://schemas.openxmlformats.org/presentationml/2006/main">
-  <p:cSld>
-    <p:spTree>
-      <p:nvGrpSpPr>
-        <p:cNvPr id="1" name=""/>
-        <p:cNvGrpSpPr/>
-        <p:nvPr/>
-      </p:nvGrpSpPr>
-      <p:grpSpPr>
-        <a:xfrm>
-          <a:off x="0" y="0"/>
-          <a:ext cx="0" cy="0"/>
-          <a:chOff x="0" y="0"/>
-          <a:chExt cx="0" cy="0"/>
-        </a:xfrm>
-      </p:grpSpPr>
-      <p:sp>
-        <p:nvSpPr>
-          <p:cNvPr id="4" name="TextBox 3">
-            <a:extLst>
-              <a:ext uri="{FF2B5EF4-FFF2-40B4-BE49-F238E27FC236}">
-                <a16:creationId xmlns:a16="http://schemas.microsoft.com/office/drawing/2014/main" id="{9AA6C45C-0F20-1449-9E00-4313FB8370BB}"/>
-              </a:ext>
-            </a:extLst>
-          </p:cNvPr>
-          <p:cNvSpPr txBox="1"/>
-          <p:nvPr/>
-        </p:nvSpPr>
-        <p:spPr>
-          <a:xfrm>
-            <a:off x="2280856" y="450635"/>
-            <a:ext cx="7630286" cy="523220"/>
-          </a:xfrm>
-          <a:prstGeom prst="rect">
-            <a:avLst/>
-          </a:prstGeom>
-          <a:noFill/>
-        </p:spPr>
-        <p:txBody>
-          <a:bodyPr wrap="square" rtlCol="0">
-            <a:spAutoFit/>
-          </a:bodyPr>
-          <a:lstStyle/>
-          <a:p>
-            <a:pPr algn="ctr"/>
-            <a:r>
-              <a:rPr lang="en-US" sz="2800" b="1" dirty="0">
-                <a:solidFill>
-                  <a:srgbClr val="000090"/>
-                </a:solidFill>
-              </a:rPr>
-              <a:t>Vector calculus and plate tectonics</a:t>
-            </a:r>
-            <a:endParaRPr lang="en-US" sz="2400" b="1" dirty="0">
-              <a:solidFill>
-                <a:srgbClr val="008000"/>
-              </a:solidFill>
-            </a:endParaRPr>
-          </a:p>
-        </p:txBody>
-      </p:sp>
-      <p:sp>
-        <p:nvSpPr>
-          <p:cNvPr id="28" name="Shape 139">
-            <a:extLst>
-              <a:ext uri="{FF2B5EF4-FFF2-40B4-BE49-F238E27FC236}">
-                <a16:creationId xmlns:a16="http://schemas.microsoft.com/office/drawing/2014/main" id="{22838304-FEDA-6046-8AB9-645B5E7D1FA8}"/>
-              </a:ext>
-            </a:extLst>
-          </p:cNvPr>
-          <p:cNvSpPr txBox="1">
-            <a:spLocks/>
-          </p:cNvSpPr>
-          <p:nvPr/>
-        </p:nvSpPr>
-        <p:spPr>
-          <a:xfrm>
-            <a:off x="543860" y="2178124"/>
-            <a:ext cx="5969466" cy="1901221"/>
-          </a:xfrm>
-          <a:prstGeom prst="rect">
-            <a:avLst/>
-          </a:prstGeom>
-        </p:spPr>
-        <p:txBody>
-          <a:bodyPr vert="horz" lIns="91440" tIns="45720" rIns="91440" bIns="45720" rtlCol="0">
-            <a:normAutofit/>
-          </a:bodyPr>
-          <a:lstStyle>
-            <a:lvl1pPr marL="342900" indent="-342900" algn="l" defTabSz="457200" rtl="0" eaLnBrk="1" latinLnBrk="0" hangingPunct="1">
-              <a:spcBef>
-                <a:spcPct val="20000"/>
-              </a:spcBef>
-              <a:buFont typeface="Arial"/>
-              <a:buChar char="•"/>
-              <a:defRPr sz="3200" kern="1200">
-                <a:solidFill>
-                  <a:schemeClr val="tx1"/>
-                </a:solidFill>
-                <a:latin typeface="+mn-lt"/>
-                <a:ea typeface="+mn-ea"/>
-                <a:cs typeface="+mn-cs"/>
-              </a:defRPr>
-            </a:lvl1pPr>
-            <a:lvl2pPr marL="742950" indent="-285750" algn="l" defTabSz="457200" rtl="0" eaLnBrk="1" latinLnBrk="0" hangingPunct="1">
-              <a:spcBef>
-                <a:spcPct val="20000"/>
-              </a:spcBef>
-              <a:buFont typeface="Arial"/>
-              <a:buChar char="–"/>
-              <a:defRPr sz="2800" kern="1200">
-                <a:solidFill>
-                  <a:schemeClr val="tx1"/>
-                </a:solidFill>
-                <a:latin typeface="+mn-lt"/>
-                <a:ea typeface="+mn-ea"/>
-                <a:cs typeface="+mn-cs"/>
-              </a:defRPr>
-            </a:lvl2pPr>
-            <a:lvl3pPr marL="1143000" indent="-228600" algn="l" defTabSz="457200" rtl="0" eaLnBrk="1" latinLnBrk="0" hangingPunct="1">
-              <a:spcBef>
-                <a:spcPct val="20000"/>
-              </a:spcBef>
-              <a:buFont typeface="Arial"/>
-              <a:buChar char="•"/>
-              <a:defRPr sz="2400" kern="1200">
-                <a:solidFill>
-                  <a:schemeClr val="tx1"/>
-                </a:solidFill>
-                <a:latin typeface="+mn-lt"/>
-                <a:ea typeface="+mn-ea"/>
-                <a:cs typeface="+mn-cs"/>
-              </a:defRPr>
-            </a:lvl3pPr>
-            <a:lvl4pPr marL="1600200" indent="-228600" algn="l" defTabSz="457200" rtl="0" eaLnBrk="1" latinLnBrk="0" hangingPunct="1">
-              <a:spcBef>
-                <a:spcPct val="20000"/>
-              </a:spcBef>
-              <a:buFont typeface="Arial"/>
-              <a:buChar char="–"/>
-              <a:defRPr sz="2000" kern="1200">
-                <a:solidFill>
-                  <a:schemeClr val="tx1"/>
-                </a:solidFill>
-                <a:latin typeface="+mn-lt"/>
-                <a:ea typeface="+mn-ea"/>
-                <a:cs typeface="+mn-cs"/>
-              </a:defRPr>
-            </a:lvl4pPr>
-            <a:lvl5pPr marL="2057400" indent="-228600" algn="l" defTabSz="457200" rtl="0" eaLnBrk="1" latinLnBrk="0" hangingPunct="1">
-              <a:spcBef>
-                <a:spcPct val="20000"/>
-              </a:spcBef>
-              <a:buFont typeface="Arial"/>
-              <a:buChar char="»"/>
-              <a:defRPr sz="2000" kern="1200">
-                <a:solidFill>
-                  <a:schemeClr val="tx1"/>
-                </a:solidFill>
-                <a:latin typeface="+mn-lt"/>
-                <a:ea typeface="+mn-ea"/>
-                <a:cs typeface="+mn-cs"/>
-              </a:defRPr>
-            </a:lvl5pPr>
-            <a:lvl6pPr marL="2514600" indent="-228600" algn="l" defTabSz="457200" rtl="0" eaLnBrk="1" latinLnBrk="0" hangingPunct="1">
-              <a:spcBef>
-                <a:spcPct val="20000"/>
-              </a:spcBef>
-              <a:buFont typeface="Arial"/>
-              <a:buChar char="•"/>
-              <a:defRPr sz="2000" kern="1200">
-                <a:solidFill>
-                  <a:schemeClr val="tx1"/>
-                </a:solidFill>
-                <a:latin typeface="+mn-lt"/>
-                <a:ea typeface="+mn-ea"/>
-                <a:cs typeface="+mn-cs"/>
-              </a:defRPr>
-            </a:lvl6pPr>
-            <a:lvl7pPr marL="2971800" indent="-228600" algn="l" defTabSz="457200" rtl="0" eaLnBrk="1" latinLnBrk="0" hangingPunct="1">
-              <a:spcBef>
-                <a:spcPct val="20000"/>
-              </a:spcBef>
-              <a:buFont typeface="Arial"/>
-              <a:buChar char="•"/>
-              <a:defRPr sz="2000" kern="1200">
-                <a:solidFill>
-                  <a:schemeClr val="tx1"/>
-                </a:solidFill>
-                <a:latin typeface="+mn-lt"/>
-                <a:ea typeface="+mn-ea"/>
-                <a:cs typeface="+mn-cs"/>
-              </a:defRPr>
-            </a:lvl7pPr>
-            <a:lvl8pPr marL="3429000" indent="-228600" algn="l" defTabSz="457200" rtl="0" eaLnBrk="1" latinLnBrk="0" hangingPunct="1">
-              <a:spcBef>
-                <a:spcPct val="20000"/>
-              </a:spcBef>
-              <a:buFont typeface="Arial"/>
-              <a:buChar char="•"/>
-              <a:defRPr sz="2000" kern="1200">
-                <a:solidFill>
-                  <a:schemeClr val="tx1"/>
-                </a:solidFill>
-                <a:latin typeface="+mn-lt"/>
-                <a:ea typeface="+mn-ea"/>
-                <a:cs typeface="+mn-cs"/>
-              </a:defRPr>
-            </a:lvl8pPr>
-            <a:lvl9pPr marL="3886200" indent="-228600" algn="l" defTabSz="457200" rtl="0" eaLnBrk="1" latinLnBrk="0" hangingPunct="1">
-              <a:spcBef>
-                <a:spcPct val="20000"/>
-              </a:spcBef>
-              <a:buFont typeface="Arial"/>
-              <a:buChar char="•"/>
-              <a:defRPr sz="2000" kern="1200">
-                <a:solidFill>
-                  <a:schemeClr val="tx1"/>
-                </a:solidFill>
-                <a:latin typeface="+mn-lt"/>
-                <a:ea typeface="+mn-ea"/>
-                <a:cs typeface="+mn-cs"/>
-              </a:defRPr>
-            </a:lvl9pPr>
-          </a:lstStyle>
-          <a:p>
-            <a:pPr>
-              <a:defRPr>
-                <a:latin typeface="Helvetica Neue"/>
-                <a:ea typeface="Helvetica Neue"/>
-                <a:cs typeface="Helvetica Neue"/>
-                <a:sym typeface="Helvetica Neue"/>
-              </a:defRPr>
-            </a:pPr>
-            <a:r>
-              <a:rPr lang="en-SG" sz="2400" dirty="0">
-                <a:ea typeface="Helvetica Neue"/>
-                <a:cs typeface="Helvetica Neue"/>
-                <a:sym typeface="Helvetica Neue"/>
-              </a:rPr>
-              <a:t>Motion is a vector quantity</a:t>
-            </a:r>
-          </a:p>
-          <a:p>
-            <a:pPr>
-              <a:defRPr>
-                <a:latin typeface="Helvetica Neue"/>
-                <a:ea typeface="Helvetica Neue"/>
-                <a:cs typeface="Helvetica Neue"/>
-                <a:sym typeface="Helvetica Neue"/>
-              </a:defRPr>
-            </a:pPr>
-            <a:r>
-              <a:rPr lang="en-SG" sz="2400" dirty="0">
-                <a:ea typeface="Helvetica Neue"/>
-                <a:cs typeface="Helvetica Neue"/>
-                <a:sym typeface="Helvetica Neue"/>
-              </a:rPr>
-              <a:t>All motion is with respect to an origin</a:t>
-            </a:r>
-          </a:p>
-          <a:p>
-            <a:pPr>
-              <a:defRPr>
-                <a:latin typeface="Helvetica Neue"/>
-                <a:ea typeface="Helvetica Neue"/>
-                <a:cs typeface="Helvetica Neue"/>
-                <a:sym typeface="Helvetica Neue"/>
-              </a:defRPr>
-            </a:pPr>
-            <a:r>
-              <a:rPr lang="en-SG" sz="2400" dirty="0">
-                <a:ea typeface="Helvetica Neue"/>
-                <a:cs typeface="Helvetica Neue"/>
-                <a:sym typeface="Helvetica Neue"/>
-              </a:rPr>
-              <a:t>Velocity is the time derivative of the displacement vector</a:t>
-            </a:r>
-          </a:p>
-        </p:txBody>
-      </p:sp>
-      <p:pic>
-        <p:nvPicPr>
-          <p:cNvPr id="29" name="pasted-image.pdf">
-            <a:extLst>
-              <a:ext uri="{FF2B5EF4-FFF2-40B4-BE49-F238E27FC236}">
-                <a16:creationId xmlns:a16="http://schemas.microsoft.com/office/drawing/2014/main" id="{48707EC7-C68C-E748-AF1D-4583AA616EC7}"/>
-              </a:ext>
-            </a:extLst>
-          </p:cNvPr>
-          <p:cNvPicPr>
-            <a:picLocks noChangeAspect="1"/>
-          </p:cNvPicPr>
-          <p:nvPr/>
-        </p:nvPicPr>
-        <p:blipFill>
-          <a:blip r:embed="rId3"/>
-          <a:stretch>
-            <a:fillRect/>
-          </a:stretch>
-        </p:blipFill>
-        <p:spPr>
-          <a:xfrm>
-            <a:off x="6972495" y="3810815"/>
-            <a:ext cx="1139436" cy="268530"/>
-          </a:xfrm>
-          <a:prstGeom prst="rect">
-            <a:avLst/>
-          </a:prstGeom>
-          <a:ln w="12700">
-            <a:miter lim="400000"/>
-          </a:ln>
-        </p:spPr>
-      </p:pic>
-      <p:sp>
-        <p:nvSpPr>
-          <p:cNvPr id="30" name="Shape 141">
-            <a:extLst>
-              <a:ext uri="{FF2B5EF4-FFF2-40B4-BE49-F238E27FC236}">
-                <a16:creationId xmlns:a16="http://schemas.microsoft.com/office/drawing/2014/main" id="{37144AF5-BF62-3949-97ED-02DAC641592A}"/>
-              </a:ext>
-            </a:extLst>
-          </p:cNvPr>
-          <p:cNvSpPr/>
-          <p:nvPr/>
-        </p:nvSpPr>
-        <p:spPr>
-          <a:xfrm flipV="1">
-            <a:off x="7289052" y="2113018"/>
-            <a:ext cx="1" cy="1451062"/>
-          </a:xfrm>
-          <a:prstGeom prst="line">
-            <a:avLst/>
-          </a:prstGeom>
-          <a:ln w="38100">
-            <a:solidFill>
-              <a:srgbClr val="6F6A5A"/>
-            </a:solidFill>
-            <a:prstDash val="sysDot"/>
-            <a:miter lim="400000"/>
-            <a:tailEnd type="triangle"/>
-          </a:ln>
-        </p:spPr>
-        <p:txBody>
-          <a:bodyPr lIns="50800" tIns="50800" rIns="50800" bIns="50800" anchor="ctr"/>
-          <a:lstStyle/>
-          <a:p>
-            <a:pPr>
-              <a:defRPr sz="3000"/>
-            </a:pPr>
-            <a:endParaRPr/>
-          </a:p>
-        </p:txBody>
-      </p:sp>
-      <p:sp>
-        <p:nvSpPr>
-          <p:cNvPr id="31" name="Shape 142">
-            <a:extLst>
-              <a:ext uri="{FF2B5EF4-FFF2-40B4-BE49-F238E27FC236}">
-                <a16:creationId xmlns:a16="http://schemas.microsoft.com/office/drawing/2014/main" id="{04AD3666-DC79-344A-BAE9-04300285F38A}"/>
-              </a:ext>
-            </a:extLst>
-          </p:cNvPr>
-          <p:cNvSpPr/>
-          <p:nvPr/>
-        </p:nvSpPr>
-        <p:spPr>
-          <a:xfrm flipV="1">
-            <a:off x="6476252" y="3525363"/>
-            <a:ext cx="807791" cy="1040197"/>
-          </a:xfrm>
-          <a:prstGeom prst="line">
-            <a:avLst/>
-          </a:prstGeom>
-          <a:ln w="38100">
-            <a:solidFill>
-              <a:srgbClr val="6F6A5A"/>
-            </a:solidFill>
-            <a:prstDash val="sysDot"/>
-            <a:miter lim="400000"/>
-            <a:headEnd type="triangle"/>
-          </a:ln>
-        </p:spPr>
-        <p:txBody>
-          <a:bodyPr lIns="50800" tIns="50800" rIns="50800" bIns="50800" anchor="ctr"/>
-          <a:lstStyle/>
-          <a:p>
-            <a:pPr>
-              <a:defRPr sz="3000"/>
-            </a:pPr>
-            <a:endParaRPr/>
-          </a:p>
-        </p:txBody>
-      </p:sp>
-      <p:sp>
-        <p:nvSpPr>
-          <p:cNvPr id="32" name="Shape 143">
-            <a:extLst>
-              <a:ext uri="{FF2B5EF4-FFF2-40B4-BE49-F238E27FC236}">
-                <a16:creationId xmlns:a16="http://schemas.microsoft.com/office/drawing/2014/main" id="{D8739BE8-9E06-CA45-A1B5-499C72531C0F}"/>
-              </a:ext>
-            </a:extLst>
-          </p:cNvPr>
-          <p:cNvSpPr/>
-          <p:nvPr/>
-        </p:nvSpPr>
-        <p:spPr>
-          <a:xfrm flipH="1">
-            <a:off x="7284042" y="3551778"/>
-            <a:ext cx="1416600" cy="1"/>
-          </a:xfrm>
-          <a:prstGeom prst="line">
-            <a:avLst/>
-          </a:prstGeom>
-          <a:ln w="38100">
-            <a:solidFill>
-              <a:srgbClr val="6F6A5A"/>
-            </a:solidFill>
-            <a:prstDash val="sysDot"/>
-            <a:miter lim="400000"/>
-            <a:headEnd type="triangle"/>
-          </a:ln>
-        </p:spPr>
-        <p:txBody>
-          <a:bodyPr lIns="50800" tIns="50800" rIns="50800" bIns="50800" anchor="ctr"/>
-          <a:lstStyle/>
-          <a:p>
-            <a:pPr>
-              <a:defRPr sz="3000"/>
-            </a:pPr>
-            <a:endParaRPr/>
-          </a:p>
-        </p:txBody>
-      </p:sp>
-      <p:sp>
-        <p:nvSpPr>
-          <p:cNvPr id="33" name="Shape 144">
-            <a:extLst>
-              <a:ext uri="{FF2B5EF4-FFF2-40B4-BE49-F238E27FC236}">
-                <a16:creationId xmlns:a16="http://schemas.microsoft.com/office/drawing/2014/main" id="{530E347B-6CFC-B141-B5C0-EBC91BD17305}"/>
-              </a:ext>
-            </a:extLst>
-          </p:cNvPr>
-          <p:cNvSpPr/>
-          <p:nvPr/>
-        </p:nvSpPr>
-        <p:spPr>
-          <a:xfrm>
-            <a:off x="7205233" y="3467958"/>
-            <a:ext cx="167641" cy="167641"/>
-          </a:xfrm>
-          <a:prstGeom prst="ellipse">
-            <a:avLst/>
-          </a:prstGeom>
-          <a:blipFill>
-            <a:blip r:embed="rId4"/>
-          </a:blipFill>
-          <a:ln w="12700">
-            <a:miter lim="400000"/>
-          </a:ln>
-        </p:spPr>
-        <p:txBody>
-          <a:bodyPr lIns="50800" tIns="50800" rIns="50800" bIns="50800" anchor="ctr"/>
-          <a:lstStyle/>
-          <a:p>
-            <a:pPr>
-              <a:defRPr sz="3000">
-                <a:solidFill>
-                  <a:srgbClr val="FFFFFF"/>
-                </a:solidFill>
-                <a:effectLst>
-                  <a:outerShdw blurRad="25400" dist="12700" dir="5400000" rotWithShape="0">
-                    <a:srgbClr val="000000">
-                      <a:alpha val="50000"/>
-                    </a:srgbClr>
-                  </a:outerShdw>
-                </a:effectLst>
-              </a:defRPr>
-            </a:pPr>
-            <a:endParaRPr/>
-          </a:p>
-        </p:txBody>
-      </p:sp>
-      <p:grpSp>
-        <p:nvGrpSpPr>
-          <p:cNvPr id="34" name="Group 150">
-            <a:extLst>
-              <a:ext uri="{FF2B5EF4-FFF2-40B4-BE49-F238E27FC236}">
-                <a16:creationId xmlns:a16="http://schemas.microsoft.com/office/drawing/2014/main" id="{EC443612-106E-A947-BC4A-0B84D075FE6C}"/>
-              </a:ext>
-            </a:extLst>
-          </p:cNvPr>
-          <p:cNvGrpSpPr/>
-          <p:nvPr/>
-        </p:nvGrpSpPr>
-        <p:grpSpPr>
-          <a:xfrm>
-            <a:off x="9359152" y="1620980"/>
-            <a:ext cx="2224390" cy="2452542"/>
-            <a:chOff x="0" y="0"/>
-            <a:chExt cx="2224388" cy="2452541"/>
-          </a:xfrm>
-        </p:grpSpPr>
-        <p:sp>
-          <p:nvSpPr>
-            <p:cNvPr id="35" name="Shape 145">
-              <a:extLst>
-                <a:ext uri="{FF2B5EF4-FFF2-40B4-BE49-F238E27FC236}">
-                  <a16:creationId xmlns:a16="http://schemas.microsoft.com/office/drawing/2014/main" id="{25667949-CFD7-E74C-9A5A-35B11B8B5599}"/>
-                </a:ext>
-              </a:extLst>
-            </p:cNvPr>
-            <p:cNvSpPr/>
-            <p:nvPr/>
-          </p:nvSpPr>
-          <p:spPr>
-            <a:xfrm flipV="1">
-              <a:off x="812800" y="0"/>
-              <a:ext cx="1" cy="1451062"/>
-            </a:xfrm>
-            <a:prstGeom prst="line">
-              <a:avLst/>
-            </a:prstGeom>
-            <a:noFill/>
-            <a:ln w="38100" cap="flat">
-              <a:solidFill>
-                <a:srgbClr val="6F6A5A"/>
-              </a:solidFill>
-              <a:prstDash val="sysDot"/>
-              <a:miter lim="400000"/>
-              <a:tailEnd type="triangle" w="med" len="med"/>
-            </a:ln>
-            <a:effectLst/>
-          </p:spPr>
-          <p:txBody>
-            <a:bodyPr wrap="square" lIns="50800" tIns="50800" rIns="50800" bIns="50800" numCol="1" anchor="ctr">
-              <a:noAutofit/>
-            </a:bodyPr>
-            <a:lstStyle/>
-            <a:p>
-              <a:pPr>
-                <a:defRPr sz="3000"/>
-              </a:pPr>
-              <a:endParaRPr/>
-            </a:p>
-          </p:txBody>
-        </p:sp>
-        <p:sp>
-          <p:nvSpPr>
-            <p:cNvPr id="36" name="Shape 146">
-              <a:extLst>
-                <a:ext uri="{FF2B5EF4-FFF2-40B4-BE49-F238E27FC236}">
-                  <a16:creationId xmlns:a16="http://schemas.microsoft.com/office/drawing/2014/main" id="{F490A6BA-3B20-C843-830E-51E7D2F43F30}"/>
-                </a:ext>
-              </a:extLst>
-            </p:cNvPr>
-            <p:cNvSpPr/>
-            <p:nvPr/>
-          </p:nvSpPr>
-          <p:spPr>
-            <a:xfrm flipV="1">
-              <a:off x="-1" y="1412344"/>
-              <a:ext cx="807791" cy="1040198"/>
-            </a:xfrm>
-            <a:prstGeom prst="line">
-              <a:avLst/>
-            </a:prstGeom>
-            <a:noFill/>
-            <a:ln w="38100" cap="flat">
-              <a:solidFill>
-                <a:srgbClr val="6F6A5A"/>
-              </a:solidFill>
-              <a:prstDash val="sysDot"/>
-              <a:miter lim="400000"/>
-              <a:headEnd type="triangle" w="med" len="med"/>
-            </a:ln>
-            <a:effectLst/>
-          </p:spPr>
-          <p:txBody>
-            <a:bodyPr wrap="square" lIns="50800" tIns="50800" rIns="50800" bIns="50800" numCol="1" anchor="ctr">
-              <a:noAutofit/>
-            </a:bodyPr>
-            <a:lstStyle/>
-            <a:p>
-              <a:pPr>
-                <a:defRPr sz="3000"/>
-              </a:pPr>
-              <a:endParaRPr/>
-            </a:p>
-          </p:txBody>
-        </p:sp>
-        <p:sp>
-          <p:nvSpPr>
-            <p:cNvPr id="37" name="Shape 147">
-              <a:extLst>
-                <a:ext uri="{FF2B5EF4-FFF2-40B4-BE49-F238E27FC236}">
-                  <a16:creationId xmlns:a16="http://schemas.microsoft.com/office/drawing/2014/main" id="{060C502E-7206-CD44-B41B-79EED4730A40}"/>
-                </a:ext>
-              </a:extLst>
-            </p:cNvPr>
-            <p:cNvSpPr/>
-            <p:nvPr/>
-          </p:nvSpPr>
-          <p:spPr>
-            <a:xfrm flipH="1" flipV="1">
-              <a:off x="807789" y="1438760"/>
-              <a:ext cx="1416600" cy="1"/>
-            </a:xfrm>
-            <a:prstGeom prst="line">
-              <a:avLst/>
-            </a:prstGeom>
-            <a:noFill/>
-            <a:ln w="38100" cap="flat">
-              <a:solidFill>
-                <a:srgbClr val="6F6A5A"/>
-              </a:solidFill>
-              <a:prstDash val="sysDot"/>
-              <a:miter lim="400000"/>
-              <a:headEnd type="triangle" w="med" len="med"/>
-            </a:ln>
-            <a:effectLst/>
-          </p:spPr>
-          <p:txBody>
-            <a:bodyPr wrap="square" lIns="50800" tIns="50800" rIns="50800" bIns="50800" numCol="1" anchor="ctr">
-              <a:noAutofit/>
-            </a:bodyPr>
-            <a:lstStyle/>
-            <a:p>
-              <a:pPr>
-                <a:defRPr sz="3000"/>
-              </a:pPr>
-              <a:endParaRPr/>
-            </a:p>
-          </p:txBody>
-        </p:sp>
-        <p:sp>
-          <p:nvSpPr>
-            <p:cNvPr id="38" name="Shape 148">
-              <a:extLst>
-                <a:ext uri="{FF2B5EF4-FFF2-40B4-BE49-F238E27FC236}">
-                  <a16:creationId xmlns:a16="http://schemas.microsoft.com/office/drawing/2014/main" id="{9710EF5A-15F2-7547-94E4-54E610781825}"/>
-                </a:ext>
-              </a:extLst>
-            </p:cNvPr>
-            <p:cNvSpPr/>
-            <p:nvPr/>
-          </p:nvSpPr>
-          <p:spPr>
-            <a:xfrm>
-              <a:off x="728980" y="1354940"/>
-              <a:ext cx="167641" cy="167641"/>
-            </a:xfrm>
-            <a:prstGeom prst="ellipse">
-              <a:avLst/>
-            </a:prstGeom>
-            <a:blipFill rotWithShape="1">
-              <a:blip r:embed="rId4"/>
-              <a:srcRect/>
-              <a:tile tx="0" ty="0" sx="100000" sy="100000" flip="none" algn="tl"/>
-            </a:blipFill>
-            <a:ln w="12700" cap="flat">
-              <a:noFill/>
-              <a:miter lim="400000"/>
-            </a:ln>
-            <a:effectLst/>
-          </p:spPr>
-          <p:txBody>
-            <a:bodyPr wrap="square" lIns="50800" tIns="50800" rIns="50800" bIns="50800" numCol="1" anchor="ctr">
-              <a:noAutofit/>
-            </a:bodyPr>
-            <a:lstStyle/>
-            <a:p>
-              <a:pPr>
-                <a:defRPr sz="3000">
-                  <a:solidFill>
-                    <a:srgbClr val="FFFFFF"/>
-                  </a:solidFill>
-                  <a:effectLst>
-                    <a:outerShdw blurRad="25400" dist="12700" dir="5400000" rotWithShape="0">
-                      <a:srgbClr val="000000">
-                        <a:alpha val="50000"/>
-                      </a:srgbClr>
-                    </a:outerShdw>
-                  </a:effectLst>
-                </a:defRPr>
-              </a:pPr>
-              <a:endParaRPr/>
-            </a:p>
-          </p:txBody>
-        </p:sp>
-        <p:pic>
-          <p:nvPicPr>
-            <p:cNvPr id="39" name="pasted-image.pdf">
-              <a:extLst>
-                <a:ext uri="{FF2B5EF4-FFF2-40B4-BE49-F238E27FC236}">
-                  <a16:creationId xmlns:a16="http://schemas.microsoft.com/office/drawing/2014/main" id="{42B0C32C-3114-614A-8DBB-1B37E3476F49}"/>
-                </a:ext>
-              </a:extLst>
-            </p:cNvPr>
-            <p:cNvPicPr>
-              <a:picLocks noChangeAspect="1"/>
-            </p:cNvPicPr>
-            <p:nvPr/>
-          </p:nvPicPr>
-          <p:blipFill>
-            <a:blip r:embed="rId5"/>
-            <a:stretch>
-              <a:fillRect/>
-            </a:stretch>
-          </p:blipFill>
-          <p:spPr>
-            <a:xfrm>
-              <a:off x="632767" y="1577038"/>
-              <a:ext cx="1139436" cy="268530"/>
-            </a:xfrm>
-            <a:prstGeom prst="rect">
-              <a:avLst/>
-            </a:prstGeom>
-            <a:ln w="12700" cap="flat">
-              <a:noFill/>
-              <a:miter lim="400000"/>
-            </a:ln>
-            <a:effectLst/>
-          </p:spPr>
-        </p:pic>
-      </p:grpSp>
-      <p:grpSp>
-        <p:nvGrpSpPr>
-          <p:cNvPr id="40" name="Group 153">
-            <a:extLst>
-              <a:ext uri="{FF2B5EF4-FFF2-40B4-BE49-F238E27FC236}">
-                <a16:creationId xmlns:a16="http://schemas.microsoft.com/office/drawing/2014/main" id="{33263563-343C-894D-9E54-F0166B261DAD}"/>
-              </a:ext>
-            </a:extLst>
-          </p:cNvPr>
-          <p:cNvGrpSpPr/>
-          <p:nvPr/>
-        </p:nvGrpSpPr>
-        <p:grpSpPr>
-          <a:xfrm>
-            <a:off x="7289053" y="2925475"/>
-            <a:ext cx="2888966" cy="613205"/>
-            <a:chOff x="0" y="0"/>
-            <a:chExt cx="2888965" cy="613204"/>
-          </a:xfrm>
-        </p:grpSpPr>
-        <p:sp>
-          <p:nvSpPr>
-            <p:cNvPr id="41" name="Shape 151">
-              <a:extLst>
-                <a:ext uri="{FF2B5EF4-FFF2-40B4-BE49-F238E27FC236}">
-                  <a16:creationId xmlns:a16="http://schemas.microsoft.com/office/drawing/2014/main" id="{46CAC570-BE09-4C4C-B8AF-2AFE2ADE8341}"/>
-                </a:ext>
-              </a:extLst>
-            </p:cNvPr>
-            <p:cNvSpPr/>
-            <p:nvPr/>
-          </p:nvSpPr>
-          <p:spPr>
-            <a:xfrm flipV="1">
-              <a:off x="0" y="112893"/>
-              <a:ext cx="2888966" cy="500312"/>
-            </a:xfrm>
-            <a:prstGeom prst="line">
-              <a:avLst/>
-            </a:prstGeom>
-            <a:noFill/>
-            <a:ln w="38100" cap="flat">
-              <a:solidFill>
-                <a:srgbClr val="6F6A5A"/>
-              </a:solidFill>
-              <a:prstDash val="solid"/>
-              <a:miter lim="400000"/>
-              <a:tailEnd type="triangle" w="med" len="med"/>
-            </a:ln>
-            <a:effectLst/>
-          </p:spPr>
-          <p:txBody>
-            <a:bodyPr wrap="square" lIns="50800" tIns="50800" rIns="50800" bIns="50800" numCol="1" anchor="ctr">
-              <a:noAutofit/>
-            </a:bodyPr>
-            <a:lstStyle/>
-            <a:p>
-              <a:pPr>
-                <a:defRPr sz="3000"/>
-              </a:pPr>
-              <a:endParaRPr/>
-            </a:p>
-          </p:txBody>
-        </p:sp>
-        <p:pic>
-          <p:nvPicPr>
-            <p:cNvPr id="42" name="pasted-image.pdf">
-              <a:extLst>
-                <a:ext uri="{FF2B5EF4-FFF2-40B4-BE49-F238E27FC236}">
-                  <a16:creationId xmlns:a16="http://schemas.microsoft.com/office/drawing/2014/main" id="{05B0C590-906E-F346-AD4C-D71D427C8353}"/>
-                </a:ext>
-              </a:extLst>
-            </p:cNvPr>
-            <p:cNvPicPr>
-              <a:picLocks noChangeAspect="1"/>
-            </p:cNvPicPr>
-            <p:nvPr/>
-          </p:nvPicPr>
-          <p:blipFill>
-            <a:blip r:embed="rId6"/>
-            <a:stretch>
-              <a:fillRect/>
-            </a:stretch>
-          </p:blipFill>
-          <p:spPr>
-            <a:xfrm>
-              <a:off x="1355252" y="0"/>
-              <a:ext cx="251206" cy="268530"/>
-            </a:xfrm>
-            <a:prstGeom prst="rect">
-              <a:avLst/>
-            </a:prstGeom>
-            <a:ln w="12700" cap="flat">
-              <a:noFill/>
-              <a:miter lim="400000"/>
-            </a:ln>
-            <a:effectLst/>
-          </p:spPr>
-        </p:pic>
-      </p:grpSp>
-      <p:grpSp>
-        <p:nvGrpSpPr>
-          <p:cNvPr id="43" name="Group 156">
-            <a:extLst>
-              <a:ext uri="{FF2B5EF4-FFF2-40B4-BE49-F238E27FC236}">
-                <a16:creationId xmlns:a16="http://schemas.microsoft.com/office/drawing/2014/main" id="{E94A4FA1-91BA-DB46-BD60-EB2BBB8026C2}"/>
-              </a:ext>
-            </a:extLst>
-          </p:cNvPr>
-          <p:cNvGrpSpPr/>
-          <p:nvPr/>
-        </p:nvGrpSpPr>
-        <p:grpSpPr>
-          <a:xfrm>
-            <a:off x="3062741" y="5108423"/>
-            <a:ext cx="3909754" cy="1338390"/>
-            <a:chOff x="0" y="0"/>
-            <a:chExt cx="4822495" cy="1650840"/>
-          </a:xfrm>
-        </p:grpSpPr>
-        <p:pic>
-          <p:nvPicPr>
-            <p:cNvPr id="44" name="pasted-image.pdf">
-              <a:extLst>
-                <a:ext uri="{FF2B5EF4-FFF2-40B4-BE49-F238E27FC236}">
-                  <a16:creationId xmlns:a16="http://schemas.microsoft.com/office/drawing/2014/main" id="{BE5EE122-E4E3-5F44-A6A2-865BC2837137}"/>
-                </a:ext>
-              </a:extLst>
-            </p:cNvPr>
-            <p:cNvPicPr>
-              <a:picLocks noChangeAspect="1"/>
-            </p:cNvPicPr>
-            <p:nvPr/>
-          </p:nvPicPr>
-          <p:blipFill>
-            <a:blip r:embed="rId7"/>
-            <a:stretch>
-              <a:fillRect/>
-            </a:stretch>
-          </p:blipFill>
-          <p:spPr>
-            <a:xfrm>
-              <a:off x="0" y="843999"/>
-              <a:ext cx="4822496" cy="806842"/>
-            </a:xfrm>
-            <a:prstGeom prst="rect">
-              <a:avLst/>
-            </a:prstGeom>
-            <a:ln w="12700" cap="flat">
-              <a:noFill/>
-              <a:miter lim="400000"/>
-            </a:ln>
-            <a:effectLst/>
-          </p:spPr>
-        </p:pic>
-        <p:pic>
-          <p:nvPicPr>
-            <p:cNvPr id="45" name="pasted-image.pdf">
-              <a:extLst>
-                <a:ext uri="{FF2B5EF4-FFF2-40B4-BE49-F238E27FC236}">
-                  <a16:creationId xmlns:a16="http://schemas.microsoft.com/office/drawing/2014/main" id="{036B6C8C-E5AF-7847-A1B7-454FD02EF189}"/>
-                </a:ext>
-              </a:extLst>
-            </p:cNvPr>
-            <p:cNvPicPr>
-              <a:picLocks noChangeAspect="1"/>
-            </p:cNvPicPr>
-            <p:nvPr/>
-          </p:nvPicPr>
-          <p:blipFill>
-            <a:blip r:embed="rId8"/>
-            <a:stretch>
-              <a:fillRect/>
-            </a:stretch>
-          </p:blipFill>
-          <p:spPr>
-            <a:xfrm>
-              <a:off x="1706593" y="0"/>
-              <a:ext cx="1206109" cy="718344"/>
-            </a:xfrm>
-            <a:prstGeom prst="rect">
-              <a:avLst/>
-            </a:prstGeom>
-            <a:ln w="12700" cap="flat">
-              <a:noFill/>
-              <a:miter lim="400000"/>
-            </a:ln>
-            <a:effectLst/>
-          </p:spPr>
-        </p:pic>
-      </p:grpSp>
-      <p:sp>
-        <p:nvSpPr>
-          <p:cNvPr id="46" name="Shape 157">
-            <a:extLst>
-              <a:ext uri="{FF2B5EF4-FFF2-40B4-BE49-F238E27FC236}">
-                <a16:creationId xmlns:a16="http://schemas.microsoft.com/office/drawing/2014/main" id="{03C3B328-DC2C-C44D-A3D3-2E4D08709064}"/>
-              </a:ext>
-            </a:extLst>
-          </p:cNvPr>
-          <p:cNvSpPr/>
-          <p:nvPr/>
-        </p:nvSpPr>
-        <p:spPr>
-          <a:xfrm>
-            <a:off x="8660128" y="3389523"/>
-            <a:ext cx="219559" cy="324512"/>
-          </a:xfrm>
-          <a:prstGeom prst="rect">
-            <a:avLst/>
-          </a:prstGeom>
-          <a:ln w="12700">
-            <a:miter lim="400000"/>
-          </a:ln>
-          <a:extLst>
-            <a:ext uri="{C572A759-6A51-4108-AA02-DFA0A04FC94B}">
-              <ma14:wrappingTextBoxFlag xmlns:ma14="http://schemas.microsoft.com/office/mac/drawingml/2011/main" xmlns="" val="1"/>
-            </a:ext>
-          </a:extLst>
-        </p:spPr>
-        <p:txBody>
-          <a:bodyPr wrap="none" lIns="50800" tIns="50800" rIns="50800" bIns="50800" anchor="ctr">
-            <a:spAutoFit/>
-          </a:bodyPr>
-          <a:lstStyle>
-            <a:lvl1pPr>
-              <a:defRPr sz="1600">
-                <a:latin typeface="Helvetica Neue"/>
-                <a:ea typeface="Helvetica Neue"/>
-                <a:cs typeface="Helvetica Neue"/>
-                <a:sym typeface="Helvetica Neue"/>
-              </a:defRPr>
-            </a:lvl1pPr>
-          </a:lstStyle>
-          <a:p>
-            <a:r>
-              <a:t>x</a:t>
-            </a:r>
-          </a:p>
-        </p:txBody>
-      </p:sp>
-      <p:sp>
-        <p:nvSpPr>
-          <p:cNvPr id="47" name="Shape 158">
-            <a:extLst>
-              <a:ext uri="{FF2B5EF4-FFF2-40B4-BE49-F238E27FC236}">
-                <a16:creationId xmlns:a16="http://schemas.microsoft.com/office/drawing/2014/main" id="{7160E00D-D7A8-4148-B8FD-48D34D1A4712}"/>
-              </a:ext>
-            </a:extLst>
-          </p:cNvPr>
-          <p:cNvSpPr/>
-          <p:nvPr/>
-        </p:nvSpPr>
-        <p:spPr>
-          <a:xfrm>
-            <a:off x="6426757" y="4545223"/>
-            <a:ext cx="215901" cy="324512"/>
-          </a:xfrm>
-          <a:prstGeom prst="rect">
-            <a:avLst/>
-          </a:prstGeom>
-          <a:ln w="12700">
-            <a:miter lim="400000"/>
-          </a:ln>
-          <a:extLst>
-            <a:ext uri="{C572A759-6A51-4108-AA02-DFA0A04FC94B}">
-              <ma14:wrappingTextBoxFlag xmlns:ma14="http://schemas.microsoft.com/office/mac/drawingml/2011/main" xmlns="" val="1"/>
-            </a:ext>
-          </a:extLst>
-        </p:spPr>
-        <p:txBody>
-          <a:bodyPr wrap="none" lIns="50800" tIns="50800" rIns="50800" bIns="50800" anchor="ctr">
-            <a:spAutoFit/>
-          </a:bodyPr>
-          <a:lstStyle>
-            <a:lvl1pPr>
-              <a:defRPr sz="1600">
-                <a:latin typeface="Helvetica Neue"/>
-                <a:ea typeface="Helvetica Neue"/>
-                <a:cs typeface="Helvetica Neue"/>
-                <a:sym typeface="Helvetica Neue"/>
-              </a:defRPr>
-            </a:lvl1pPr>
-          </a:lstStyle>
-          <a:p>
-            <a:r>
-              <a:t>y</a:t>
-            </a:r>
-          </a:p>
-        </p:txBody>
-      </p:sp>
-      <p:sp>
-        <p:nvSpPr>
-          <p:cNvPr id="48" name="Shape 159">
-            <a:extLst>
-              <a:ext uri="{FF2B5EF4-FFF2-40B4-BE49-F238E27FC236}">
-                <a16:creationId xmlns:a16="http://schemas.microsoft.com/office/drawing/2014/main" id="{F3196534-DA62-1F48-8D52-DFBE4DAB49DB}"/>
-              </a:ext>
-            </a:extLst>
-          </p:cNvPr>
-          <p:cNvSpPr/>
-          <p:nvPr/>
-        </p:nvSpPr>
-        <p:spPr>
-          <a:xfrm>
-            <a:off x="7183134" y="1776623"/>
-            <a:ext cx="211837" cy="324512"/>
-          </a:xfrm>
-          <a:prstGeom prst="rect">
-            <a:avLst/>
-          </a:prstGeom>
-          <a:ln w="12700">
-            <a:miter lim="400000"/>
-          </a:ln>
-          <a:extLst>
-            <a:ext uri="{C572A759-6A51-4108-AA02-DFA0A04FC94B}">
-              <ma14:wrappingTextBoxFlag xmlns:ma14="http://schemas.microsoft.com/office/mac/drawingml/2011/main" xmlns="" val="1"/>
-            </a:ext>
-          </a:extLst>
-        </p:spPr>
-        <p:txBody>
-          <a:bodyPr wrap="none" lIns="50800" tIns="50800" rIns="50800" bIns="50800" anchor="ctr">
-            <a:spAutoFit/>
-          </a:bodyPr>
-          <a:lstStyle>
-            <a:lvl1pPr>
-              <a:defRPr sz="1600">
-                <a:latin typeface="Helvetica Neue"/>
-                <a:ea typeface="Helvetica Neue"/>
-                <a:cs typeface="Helvetica Neue"/>
-                <a:sym typeface="Helvetica Neue"/>
-              </a:defRPr>
-            </a:lvl1pPr>
-          </a:lstStyle>
-          <a:p>
-            <a:r>
-              <a:t>z</a:t>
-            </a:r>
-          </a:p>
-        </p:txBody>
-      </p:sp>
-      <p:pic>
-        <p:nvPicPr>
-          <p:cNvPr id="49" name="pasted-image.pdf">
-            <a:extLst>
-              <a:ext uri="{FF2B5EF4-FFF2-40B4-BE49-F238E27FC236}">
-                <a16:creationId xmlns:a16="http://schemas.microsoft.com/office/drawing/2014/main" id="{BB6D2121-948C-B04B-B90F-026323001FB3}"/>
-              </a:ext>
-            </a:extLst>
-          </p:cNvPr>
-          <p:cNvPicPr>
-            <a:picLocks noChangeAspect="1"/>
-          </p:cNvPicPr>
-          <p:nvPr/>
-        </p:nvPicPr>
-        <p:blipFill>
-          <a:blip r:embed="rId9"/>
-          <a:stretch>
-            <a:fillRect/>
-          </a:stretch>
-        </p:blipFill>
-        <p:spPr>
-          <a:xfrm>
-            <a:off x="7284042" y="5204040"/>
-            <a:ext cx="4256525" cy="368960"/>
-          </a:xfrm>
-          <a:prstGeom prst="rect">
-            <a:avLst/>
-          </a:prstGeom>
-          <a:ln w="12700">
-            <a:miter lim="400000"/>
-          </a:ln>
-        </p:spPr>
-      </p:pic>
-    </p:spTree>
-    <p:extLst>
-      <p:ext uri="{BB962C8B-B14F-4D97-AF65-F5344CB8AC3E}">
-        <p14:creationId xmlns:p14="http://schemas.microsoft.com/office/powerpoint/2010/main" val="2783311392"/>
-      </p:ext>
-    </p:extLst>
-  </p:cSld>
-  <p:clrMapOvr>
-    <a:masterClrMapping/>
-  </p:clrMapOvr>
-  <p:timing>
-    <p:tnLst>
-      <p:par>
-        <p:cTn id="1" dur="indefinite" restart="never" nodeType="tmRoot">
-          <p:childTnLst>
-            <p:seq concurrent="1" nextAc="seek">
-              <p:cTn id="2" dur="indefinite" nodeType="mainSeq">
-                <p:childTnLst>
-                  <p:par>
-                    <p:cTn id="3" fill="hold">
-                      <p:stCondLst>
-                        <p:cond delay="indefinite"/>
-                      </p:stCondLst>
-                      <p:childTnLst>
-                        <p:par>
-                          <p:cTn id="4" fill="hold">
-                            <p:stCondLst>
-                              <p:cond delay="0"/>
-                            </p:stCondLst>
-                            <p:childTnLst>
-                              <p:par>
-                                <p:cTn id="5" presetID="1" presetClass="entr" presetSubtype="0" fill="hold" grpId="0" nodeType="clickEffect">
-                                  <p:stCondLst>
-                                    <p:cond delay="0"/>
-                                  </p:stCondLst>
-                                  <p:iterate>
-                                    <p:tmAbs val="0"/>
-                                  </p:iterate>
-                                  <p:childTnLst>
-                                    <p:set>
-                                      <p:cBhvr>
-                                        <p:cTn id="6" fill="hold"/>
-                                        <p:tgtEl>
-                                          <p:spTgt spid="34"/>
-                                        </p:tgtEl>
-                                        <p:attrNameLst>
-                                          <p:attrName>style.visibility</p:attrName>
-                                        </p:attrNameLst>
-                                      </p:cBhvr>
-                                      <p:to>
-                                        <p:strVal val="visible"/>
-                                      </p:to>
-                                    </p:set>
-                                  </p:childTnLst>
-                                </p:cTn>
-                              </p:par>
-                            </p:childTnLst>
-                          </p:cTn>
-                        </p:par>
-                      </p:childTnLst>
-                    </p:cTn>
-                  </p:par>
-                  <p:par>
-                    <p:cTn id="7" fill="hold">
-                      <p:stCondLst>
-                        <p:cond delay="indefinite"/>
-                      </p:stCondLst>
-                      <p:childTnLst>
-                        <p:par>
-                          <p:cTn id="8" fill="hold">
-                            <p:stCondLst>
-                              <p:cond delay="0"/>
-                            </p:stCondLst>
-                            <p:childTnLst>
-                              <p:par>
-                                <p:cTn id="9" presetID="1" presetClass="entr" presetSubtype="0" fill="hold" grpId="0" nodeType="clickEffect">
-                                  <p:stCondLst>
-                                    <p:cond delay="0"/>
-                                  </p:stCondLst>
-                                  <p:iterate>
-                                    <p:tmAbs val="0"/>
-                                  </p:iterate>
-                                  <p:childTnLst>
-                                    <p:set>
-                                      <p:cBhvr>
-                                        <p:cTn id="10" fill="hold"/>
-                                        <p:tgtEl>
-                                          <p:spTgt spid="40"/>
-                                        </p:tgtEl>
-                                        <p:attrNameLst>
-                                          <p:attrName>style.visibility</p:attrName>
-                                        </p:attrNameLst>
-                                      </p:cBhvr>
-                                      <p:to>
-                                        <p:strVal val="visible"/>
-                                      </p:to>
-                                    </p:set>
-                                  </p:childTnLst>
-                                </p:cTn>
-                              </p:par>
-                            </p:childTnLst>
-                          </p:cTn>
-                        </p:par>
-                      </p:childTnLst>
-                    </p:cTn>
-                  </p:par>
-                  <p:par>
-                    <p:cTn id="11" fill="hold">
-                      <p:stCondLst>
-                        <p:cond delay="indefinite"/>
-                      </p:stCondLst>
-                      <p:childTnLst>
-                        <p:par>
-                          <p:cTn id="12" fill="hold">
-                            <p:stCondLst>
-                              <p:cond delay="0"/>
-                            </p:stCondLst>
-                            <p:childTnLst>
-                              <p:par>
-                                <p:cTn id="13" presetID="1" presetClass="entr" presetSubtype="0" fill="hold" grpId="0" nodeType="clickEffect">
-                                  <p:stCondLst>
-                                    <p:cond delay="0"/>
-                                  </p:stCondLst>
-                                  <p:iterate>
-                                    <p:tmAbs val="0"/>
-                                  </p:iterate>
-                                  <p:childTnLst>
-                                    <p:set>
-                                      <p:cBhvr>
-                                        <p:cTn id="14" fill="hold"/>
-                                        <p:tgtEl>
-                                          <p:spTgt spid="49"/>
-                                        </p:tgtEl>
-                                        <p:attrNameLst>
-                                          <p:attrName>style.visibility</p:attrName>
-                                        </p:attrNameLst>
-                                      </p:cBhvr>
-                                      <p:to>
-                                        <p:strVal val="visible"/>
-                                      </p:to>
-                                    </p:set>
-                                  </p:childTnLst>
-                                </p:cTn>
-                              </p:par>
-                            </p:childTnLst>
-                          </p:cTn>
-                        </p:par>
-                      </p:childTnLst>
-                    </p:cTn>
-                  </p:par>
-                  <p:par>
-                    <p:cTn id="15" fill="hold">
-                      <p:stCondLst>
-                        <p:cond delay="indefinite"/>
-                      </p:stCondLst>
-                      <p:childTnLst>
-                        <p:par>
-                          <p:cTn id="16" fill="hold">
-                            <p:stCondLst>
-                              <p:cond delay="0"/>
-                            </p:stCondLst>
-                            <p:childTnLst>
-                              <p:par>
-                                <p:cTn id="17" presetID="1" presetClass="entr" presetSubtype="0" fill="hold" grpId="0" nodeType="clickEffect">
-                                  <p:stCondLst>
-                                    <p:cond delay="0"/>
-                                  </p:stCondLst>
-                                  <p:iterate>
-                                    <p:tmAbs val="0"/>
-                                  </p:iterate>
-                                  <p:childTnLst>
-                                    <p:set>
-                                      <p:cBhvr>
-                                        <p:cTn id="18" fill="hold"/>
-                                        <p:tgtEl>
-                                          <p:spTgt spid="43"/>
-                                        </p:tgtEl>
-                                        <p:attrNameLst>
-                                          <p:attrName>style.visibility</p:attrName>
-                                        </p:attrNameLst>
-                                      </p:cBhvr>
-                                      <p:to>
-                                        <p:strVal val="visible"/>
-                                      </p:to>
-                                    </p:set>
-                                  </p:childTnLst>
-                                </p:cTn>
-                              </p:par>
-                            </p:childTnLst>
-                          </p:cTn>
-                        </p:par>
-                      </p:childTnLst>
-                    </p:cTn>
-                  </p:par>
-                </p:childTnLst>
-              </p:cTn>
-              <p:prevCondLst>
-                <p:cond evt="onPrev" delay="0">
-                  <p:tgtEl>
-                    <p:sldTgt/>
-                  </p:tgtEl>
-                </p:cond>
-              </p:prevCondLst>
-              <p:nextCondLst>
-                <p:cond evt="onNext" delay="0">
-                  <p:tgtEl>
-                    <p:sldTgt/>
-                  </p:tgtEl>
-                </p:cond>
-              </p:nextCondLst>
-            </p:seq>
-          </p:childTnLst>
-        </p:cTn>
-      </p:par>
-    </p:tnLst>
-    <p:bldLst>
-      <p:bldP spid="34" grpId="0" animBg="1" advAuto="0"/>
-      <p:bldP spid="40" grpId="0" animBg="1" advAuto="0"/>
-      <p:bldP spid="43" grpId="0" animBg="1" advAuto="0"/>
-      <p:bldP spid="49" grpId="0" animBg="1" advAuto="0"/>
-    </p:bldLst>
-  </p:timing>
-</p:sld>
-</file>
-
-<file path=ppt/slides/slide21.xml><?xml version="1.0" encoding="utf-8"?>
-<p:sld xmlns:a="http://schemas.openxmlformats.org/drawingml/2006/main" xmlns:r="http://schemas.openxmlformats.org/officeDocument/2006/relationships" xmlns:p="http://schemas.openxmlformats.org/presentationml/2006/main">
-  <p:cSld>
-    <p:spTree>
-      <p:nvGrpSpPr>
-        <p:cNvPr id="1" name=""/>
-        <p:cNvGrpSpPr/>
-        <p:nvPr/>
-      </p:nvGrpSpPr>
-      <p:grpSpPr>
-        <a:xfrm>
-          <a:off x="0" y="0"/>
-          <a:ext cx="0" cy="0"/>
-          <a:chOff x="0" y="0"/>
-          <a:chExt cx="0" cy="0"/>
-        </a:xfrm>
-      </p:grpSpPr>
-      <p:sp>
-        <p:nvSpPr>
-          <p:cNvPr id="4" name="TextBox 3">
-            <a:extLst>
-              <a:ext uri="{FF2B5EF4-FFF2-40B4-BE49-F238E27FC236}">
-                <a16:creationId xmlns:a16="http://schemas.microsoft.com/office/drawing/2014/main" id="{2385AFDC-2DD6-454F-8BBE-87C95E83241D}"/>
-              </a:ext>
-            </a:extLst>
-          </p:cNvPr>
-          <p:cNvSpPr txBox="1"/>
-          <p:nvPr/>
-        </p:nvSpPr>
-        <p:spPr>
-          <a:xfrm>
-            <a:off x="4351703" y="332350"/>
-            <a:ext cx="7630286" cy="523220"/>
-          </a:xfrm>
-          <a:prstGeom prst="rect">
-            <a:avLst/>
-          </a:prstGeom>
-          <a:noFill/>
-        </p:spPr>
-        <p:txBody>
-          <a:bodyPr wrap="square" rtlCol="0">
-            <a:spAutoFit/>
-          </a:bodyPr>
-          <a:lstStyle/>
-          <a:p>
-            <a:pPr algn="ctr"/>
-            <a:r>
-              <a:rPr lang="en-US" sz="2800" b="1" dirty="0">
-                <a:solidFill>
-                  <a:srgbClr val="000090"/>
-                </a:solidFill>
-              </a:rPr>
-              <a:t>Reference frames and relative motion</a:t>
-            </a:r>
-            <a:endParaRPr lang="en-US" sz="2400" b="1" dirty="0">
-              <a:solidFill>
-                <a:srgbClr val="008000"/>
-              </a:solidFill>
-            </a:endParaRPr>
-          </a:p>
-        </p:txBody>
-      </p:sp>
-      <p:grpSp>
-        <p:nvGrpSpPr>
-          <p:cNvPr id="79" name="Group 190">
-            <a:extLst>
-              <a:ext uri="{FF2B5EF4-FFF2-40B4-BE49-F238E27FC236}">
-                <a16:creationId xmlns:a16="http://schemas.microsoft.com/office/drawing/2014/main" id="{DA10F8CE-9B34-7D4A-9591-B541DE943CC7}"/>
-              </a:ext>
-            </a:extLst>
-          </p:cNvPr>
-          <p:cNvGrpSpPr/>
-          <p:nvPr/>
-        </p:nvGrpSpPr>
-        <p:grpSpPr>
-          <a:xfrm>
-            <a:off x="907676" y="694765"/>
-            <a:ext cx="2956311" cy="1585342"/>
-            <a:chOff x="0" y="0"/>
-            <a:chExt cx="2956310" cy="1585341"/>
-          </a:xfrm>
-        </p:grpSpPr>
-        <p:sp>
-          <p:nvSpPr>
-            <p:cNvPr id="80" name="Shape 188">
-              <a:extLst>
-                <a:ext uri="{FF2B5EF4-FFF2-40B4-BE49-F238E27FC236}">
-                  <a16:creationId xmlns:a16="http://schemas.microsoft.com/office/drawing/2014/main" id="{E758E32C-E2B8-004F-A720-5C27CD40F04C}"/>
-                </a:ext>
-              </a:extLst>
-            </p:cNvPr>
-            <p:cNvSpPr/>
-            <p:nvPr/>
-          </p:nvSpPr>
-          <p:spPr>
-            <a:xfrm>
-              <a:off x="0" y="0"/>
-              <a:ext cx="1476404" cy="1347636"/>
-            </a:xfrm>
-            <a:prstGeom prst="rect">
-              <a:avLst/>
-            </a:prstGeom>
-            <a:solidFill>
-              <a:schemeClr val="accent4">
-                <a:hueOff val="-165171"/>
-                <a:satOff val="-13982"/>
-                <a:lumOff val="-10016"/>
-              </a:schemeClr>
-            </a:solidFill>
-            <a:ln w="12700" cap="flat">
-              <a:noFill/>
-              <a:miter lim="400000"/>
-            </a:ln>
-            <a:effectLst/>
-          </p:spPr>
-          <p:txBody>
-            <a:bodyPr wrap="square" lIns="50800" tIns="50800" rIns="50800" bIns="50800" numCol="1" anchor="ctr">
-              <a:noAutofit/>
-            </a:bodyPr>
-            <a:lstStyle/>
-            <a:p>
-              <a:pPr>
-                <a:defRPr sz="3000">
-                  <a:solidFill>
-                    <a:srgbClr val="FFFFFF"/>
-                  </a:solidFill>
-                  <a:effectLst>
-                    <a:outerShdw blurRad="25400" dist="12700" dir="5400000" rotWithShape="0">
-                      <a:srgbClr val="000000">
-                        <a:alpha val="50000"/>
-                      </a:srgbClr>
-                    </a:outerShdw>
-                  </a:effectLst>
-                </a:defRPr>
-              </a:pPr>
-              <a:endParaRPr/>
-            </a:p>
-          </p:txBody>
-        </p:sp>
-        <p:sp>
-          <p:nvSpPr>
-            <p:cNvPr id="81" name="Shape 189">
-              <a:extLst>
-                <a:ext uri="{FF2B5EF4-FFF2-40B4-BE49-F238E27FC236}">
-                  <a16:creationId xmlns:a16="http://schemas.microsoft.com/office/drawing/2014/main" id="{6A42995E-C00D-2849-943D-FFDEF143B6ED}"/>
-                </a:ext>
-              </a:extLst>
-            </p:cNvPr>
-            <p:cNvSpPr/>
-            <p:nvPr/>
-          </p:nvSpPr>
-          <p:spPr>
-            <a:xfrm>
-              <a:off x="1479907" y="237705"/>
-              <a:ext cx="1476404" cy="1347637"/>
-            </a:xfrm>
-            <a:prstGeom prst="rect">
-              <a:avLst/>
-            </a:prstGeom>
-            <a:blipFill rotWithShape="1">
-              <a:blip r:embed="rId2"/>
-              <a:srcRect/>
-              <a:tile tx="0" ty="0" sx="100000" sy="100000" flip="none" algn="tl"/>
-            </a:blipFill>
-            <a:ln w="12700" cap="flat">
-              <a:noFill/>
-              <a:miter lim="400000"/>
-            </a:ln>
-            <a:effectLst/>
-          </p:spPr>
-          <p:txBody>
-            <a:bodyPr wrap="square" lIns="50800" tIns="50800" rIns="50800" bIns="50800" numCol="1" anchor="ctr">
-              <a:noAutofit/>
-            </a:bodyPr>
-            <a:lstStyle/>
-            <a:p>
-              <a:pPr>
-                <a:defRPr sz="3000">
-                  <a:solidFill>
-                    <a:srgbClr val="FFFFFF"/>
-                  </a:solidFill>
-                  <a:effectLst>
-                    <a:outerShdw blurRad="25400" dist="12700" dir="5400000" rotWithShape="0">
-                      <a:srgbClr val="000000">
-                        <a:alpha val="50000"/>
-                      </a:srgbClr>
-                    </a:outerShdw>
-                  </a:effectLst>
-                </a:defRPr>
-              </a:pPr>
-              <a:endParaRPr/>
-            </a:p>
-          </p:txBody>
-        </p:sp>
-      </p:grpSp>
-      <p:grpSp>
-        <p:nvGrpSpPr>
-          <p:cNvPr id="82" name="Group 193">
-            <a:extLst>
-              <a:ext uri="{FF2B5EF4-FFF2-40B4-BE49-F238E27FC236}">
-                <a16:creationId xmlns:a16="http://schemas.microsoft.com/office/drawing/2014/main" id="{4A0EDF6E-EE10-6B48-B188-3F1F2C181C8E}"/>
-              </a:ext>
-            </a:extLst>
-          </p:cNvPr>
-          <p:cNvGrpSpPr/>
-          <p:nvPr/>
-        </p:nvGrpSpPr>
-        <p:grpSpPr>
-          <a:xfrm>
-            <a:off x="907676" y="2873893"/>
-            <a:ext cx="2956311" cy="1585342"/>
-            <a:chOff x="0" y="0"/>
-            <a:chExt cx="2956310" cy="1585341"/>
-          </a:xfrm>
-        </p:grpSpPr>
-        <p:sp>
-          <p:nvSpPr>
-            <p:cNvPr id="83" name="Shape 191">
-              <a:extLst>
-                <a:ext uri="{FF2B5EF4-FFF2-40B4-BE49-F238E27FC236}">
-                  <a16:creationId xmlns:a16="http://schemas.microsoft.com/office/drawing/2014/main" id="{0DA7158E-D534-0249-A4B7-925EDB1E906F}"/>
-                </a:ext>
-              </a:extLst>
-            </p:cNvPr>
-            <p:cNvSpPr/>
-            <p:nvPr/>
-          </p:nvSpPr>
-          <p:spPr>
-            <a:xfrm>
-              <a:off x="0" y="0"/>
-              <a:ext cx="1476404" cy="1347636"/>
-            </a:xfrm>
-            <a:prstGeom prst="rect">
-              <a:avLst/>
-            </a:prstGeom>
-            <a:solidFill>
-              <a:schemeClr val="accent4">
-                <a:hueOff val="-165171"/>
-                <a:satOff val="-13982"/>
-                <a:lumOff val="-10016"/>
-              </a:schemeClr>
-            </a:solidFill>
-            <a:ln w="12700" cap="flat">
-              <a:noFill/>
-              <a:miter lim="400000"/>
-            </a:ln>
-            <a:effectLst/>
-          </p:spPr>
-          <p:txBody>
-            <a:bodyPr wrap="square" lIns="50800" tIns="50800" rIns="50800" bIns="50800" numCol="1" anchor="ctr">
-              <a:noAutofit/>
-            </a:bodyPr>
-            <a:lstStyle/>
-            <a:p>
-              <a:pPr>
-                <a:defRPr sz="3000">
-                  <a:solidFill>
-                    <a:srgbClr val="FFFFFF"/>
-                  </a:solidFill>
-                  <a:effectLst>
-                    <a:outerShdw blurRad="25400" dist="12700" dir="5400000" rotWithShape="0">
-                      <a:srgbClr val="000000">
-                        <a:alpha val="50000"/>
-                      </a:srgbClr>
-                    </a:outerShdw>
-                  </a:effectLst>
-                </a:defRPr>
-              </a:pPr>
-              <a:endParaRPr/>
-            </a:p>
-          </p:txBody>
-        </p:sp>
-        <p:sp>
-          <p:nvSpPr>
-            <p:cNvPr id="84" name="Shape 192">
-              <a:extLst>
-                <a:ext uri="{FF2B5EF4-FFF2-40B4-BE49-F238E27FC236}">
-                  <a16:creationId xmlns:a16="http://schemas.microsoft.com/office/drawing/2014/main" id="{9F814E34-3F14-0941-9A6A-8B44483BB4FF}"/>
-                </a:ext>
-              </a:extLst>
-            </p:cNvPr>
-            <p:cNvSpPr/>
-            <p:nvPr/>
-          </p:nvSpPr>
-          <p:spPr>
-            <a:xfrm>
-              <a:off x="1479907" y="237705"/>
-              <a:ext cx="1476404" cy="1347637"/>
-            </a:xfrm>
-            <a:prstGeom prst="rect">
-              <a:avLst/>
-            </a:prstGeom>
-            <a:blipFill rotWithShape="1">
-              <a:blip r:embed="rId2"/>
-              <a:srcRect/>
-              <a:tile tx="0" ty="0" sx="100000" sy="100000" flip="none" algn="tl"/>
-            </a:blipFill>
-            <a:ln w="12700" cap="flat">
-              <a:noFill/>
-              <a:miter lim="400000"/>
-            </a:ln>
-            <a:effectLst/>
-          </p:spPr>
-          <p:txBody>
-            <a:bodyPr wrap="square" lIns="50800" tIns="50800" rIns="50800" bIns="50800" numCol="1" anchor="ctr">
-              <a:noAutofit/>
-            </a:bodyPr>
-            <a:lstStyle/>
-            <a:p>
-              <a:pPr>
-                <a:defRPr sz="3000">
-                  <a:solidFill>
-                    <a:srgbClr val="FFFFFF"/>
-                  </a:solidFill>
-                  <a:effectLst>
-                    <a:outerShdw blurRad="25400" dist="12700" dir="5400000" rotWithShape="0">
-                      <a:srgbClr val="000000">
-                        <a:alpha val="50000"/>
-                      </a:srgbClr>
-                    </a:outerShdw>
-                  </a:effectLst>
-                </a:defRPr>
-              </a:pPr>
-              <a:endParaRPr/>
-            </a:p>
-          </p:txBody>
-        </p:sp>
-      </p:grpSp>
-      <p:grpSp>
-        <p:nvGrpSpPr>
-          <p:cNvPr id="85" name="Group 196">
-            <a:extLst>
-              <a:ext uri="{FF2B5EF4-FFF2-40B4-BE49-F238E27FC236}">
-                <a16:creationId xmlns:a16="http://schemas.microsoft.com/office/drawing/2014/main" id="{511D1D92-D1E9-ED48-A9FA-B7AEF1BF42A7}"/>
-              </a:ext>
-            </a:extLst>
-          </p:cNvPr>
-          <p:cNvGrpSpPr/>
-          <p:nvPr/>
-        </p:nvGrpSpPr>
-        <p:grpSpPr>
-          <a:xfrm>
-            <a:off x="907676" y="5053021"/>
-            <a:ext cx="2956311" cy="1585342"/>
-            <a:chOff x="0" y="0"/>
-            <a:chExt cx="2956310" cy="1585341"/>
-          </a:xfrm>
-        </p:grpSpPr>
-        <p:sp>
-          <p:nvSpPr>
-            <p:cNvPr id="86" name="Shape 194">
-              <a:extLst>
-                <a:ext uri="{FF2B5EF4-FFF2-40B4-BE49-F238E27FC236}">
-                  <a16:creationId xmlns:a16="http://schemas.microsoft.com/office/drawing/2014/main" id="{6A37375A-78EE-194A-BBF3-EAC4D2736DEF}"/>
-                </a:ext>
-              </a:extLst>
-            </p:cNvPr>
-            <p:cNvSpPr/>
-            <p:nvPr/>
-          </p:nvSpPr>
-          <p:spPr>
-            <a:xfrm>
-              <a:off x="0" y="0"/>
-              <a:ext cx="1476404" cy="1347636"/>
-            </a:xfrm>
-            <a:prstGeom prst="rect">
-              <a:avLst/>
-            </a:prstGeom>
-            <a:solidFill>
-              <a:schemeClr val="accent4">
-                <a:hueOff val="-165171"/>
-                <a:satOff val="-13982"/>
-                <a:lumOff val="-10016"/>
-              </a:schemeClr>
-            </a:solidFill>
-            <a:ln w="12700" cap="flat">
-              <a:noFill/>
-              <a:miter lim="400000"/>
-            </a:ln>
-            <a:effectLst/>
-          </p:spPr>
-          <p:txBody>
-            <a:bodyPr wrap="square" lIns="50800" tIns="50800" rIns="50800" bIns="50800" numCol="1" anchor="ctr">
-              <a:noAutofit/>
-            </a:bodyPr>
-            <a:lstStyle/>
-            <a:p>
-              <a:pPr>
-                <a:defRPr sz="3000">
-                  <a:solidFill>
-                    <a:srgbClr val="FFFFFF"/>
-                  </a:solidFill>
-                  <a:effectLst>
-                    <a:outerShdw blurRad="25400" dist="12700" dir="5400000" rotWithShape="0">
-                      <a:srgbClr val="000000">
-                        <a:alpha val="50000"/>
-                      </a:srgbClr>
-                    </a:outerShdw>
-                  </a:effectLst>
-                </a:defRPr>
-              </a:pPr>
-              <a:endParaRPr/>
-            </a:p>
-          </p:txBody>
-        </p:sp>
-        <p:sp>
-          <p:nvSpPr>
-            <p:cNvPr id="87" name="Shape 195">
-              <a:extLst>
-                <a:ext uri="{FF2B5EF4-FFF2-40B4-BE49-F238E27FC236}">
-                  <a16:creationId xmlns:a16="http://schemas.microsoft.com/office/drawing/2014/main" id="{160277D7-32B3-1947-9DB6-9E978ADEC8C5}"/>
-                </a:ext>
-              </a:extLst>
-            </p:cNvPr>
-            <p:cNvSpPr/>
-            <p:nvPr/>
-          </p:nvSpPr>
-          <p:spPr>
-            <a:xfrm>
-              <a:off x="1479907" y="237705"/>
-              <a:ext cx="1476404" cy="1347637"/>
-            </a:xfrm>
-            <a:prstGeom prst="rect">
-              <a:avLst/>
-            </a:prstGeom>
-            <a:blipFill rotWithShape="1">
-              <a:blip r:embed="rId2"/>
-              <a:srcRect/>
-              <a:tile tx="0" ty="0" sx="100000" sy="100000" flip="none" algn="tl"/>
-            </a:blipFill>
-            <a:ln w="12700" cap="flat">
-              <a:noFill/>
-              <a:miter lim="400000"/>
-            </a:ln>
-            <a:effectLst/>
-          </p:spPr>
-          <p:txBody>
-            <a:bodyPr wrap="square" lIns="50800" tIns="50800" rIns="50800" bIns="50800" numCol="1" anchor="ctr">
-              <a:noAutofit/>
-            </a:bodyPr>
-            <a:lstStyle/>
-            <a:p>
-              <a:pPr>
-                <a:defRPr sz="3000">
-                  <a:solidFill>
-                    <a:srgbClr val="FFFFFF"/>
-                  </a:solidFill>
-                  <a:effectLst>
-                    <a:outerShdw blurRad="25400" dist="12700" dir="5400000" rotWithShape="0">
-                      <a:srgbClr val="000000">
-                        <a:alpha val="50000"/>
-                      </a:srgbClr>
-                    </a:outerShdw>
-                  </a:effectLst>
-                </a:defRPr>
-              </a:pPr>
-              <a:endParaRPr/>
-            </a:p>
-          </p:txBody>
-        </p:sp>
-      </p:grpSp>
-      <p:sp>
-        <p:nvSpPr>
-          <p:cNvPr id="88" name="Shape 197">
-            <a:extLst>
-              <a:ext uri="{FF2B5EF4-FFF2-40B4-BE49-F238E27FC236}">
-                <a16:creationId xmlns:a16="http://schemas.microsoft.com/office/drawing/2014/main" id="{19382866-B492-A040-BE0D-0C3F1B5CF162}"/>
-              </a:ext>
-            </a:extLst>
-          </p:cNvPr>
-          <p:cNvSpPr/>
-          <p:nvPr/>
-        </p:nvSpPr>
-        <p:spPr>
-          <a:xfrm flipV="1">
-            <a:off x="1669676" y="1332323"/>
-            <a:ext cx="1" cy="310225"/>
-          </a:xfrm>
-          <a:prstGeom prst="line">
-            <a:avLst/>
-          </a:prstGeom>
-          <a:ln w="38100">
-            <a:solidFill>
-              <a:srgbClr val="000000"/>
-            </a:solidFill>
-            <a:miter lim="400000"/>
-            <a:tailEnd type="triangle"/>
-          </a:ln>
-        </p:spPr>
-        <p:txBody>
-          <a:bodyPr lIns="50800" tIns="50800" rIns="50800" bIns="50800" anchor="ctr"/>
-          <a:lstStyle/>
-          <a:p>
-            <a:pPr>
-              <a:defRPr sz="3000"/>
-            </a:pPr>
-            <a:endParaRPr/>
-          </a:p>
-        </p:txBody>
-      </p:sp>
-      <p:sp>
-        <p:nvSpPr>
-          <p:cNvPr id="89" name="Shape 198">
-            <a:extLst>
-              <a:ext uri="{FF2B5EF4-FFF2-40B4-BE49-F238E27FC236}">
-                <a16:creationId xmlns:a16="http://schemas.microsoft.com/office/drawing/2014/main" id="{ED3D8BAB-A0E5-3948-B6F6-D092B6EBA47B}"/>
-              </a:ext>
-            </a:extLst>
-          </p:cNvPr>
-          <p:cNvSpPr/>
-          <p:nvPr/>
-        </p:nvSpPr>
-        <p:spPr>
-          <a:xfrm flipV="1">
-            <a:off x="3079375" y="1534506"/>
-            <a:ext cx="1" cy="310225"/>
-          </a:xfrm>
-          <a:prstGeom prst="line">
-            <a:avLst/>
-          </a:prstGeom>
-          <a:ln w="38100">
-            <a:solidFill>
-              <a:srgbClr val="000000"/>
-            </a:solidFill>
-            <a:miter lim="400000"/>
-            <a:headEnd type="triangle"/>
-          </a:ln>
-        </p:spPr>
-        <p:txBody>
-          <a:bodyPr lIns="50800" tIns="50800" rIns="50800" bIns="50800" anchor="ctr"/>
-          <a:lstStyle/>
-          <a:p>
-            <a:pPr>
-              <a:defRPr sz="3000"/>
-            </a:pPr>
-            <a:endParaRPr/>
-          </a:p>
-        </p:txBody>
-      </p:sp>
-      <p:sp>
-        <p:nvSpPr>
-          <p:cNvPr id="90" name="Shape 199">
-            <a:extLst>
-              <a:ext uri="{FF2B5EF4-FFF2-40B4-BE49-F238E27FC236}">
-                <a16:creationId xmlns:a16="http://schemas.microsoft.com/office/drawing/2014/main" id="{1814D6CB-8E40-5F42-9900-11AD34DC956F}"/>
-              </a:ext>
-            </a:extLst>
-          </p:cNvPr>
-          <p:cNvSpPr/>
-          <p:nvPr/>
-        </p:nvSpPr>
-        <p:spPr>
-          <a:xfrm flipV="1">
-            <a:off x="3079375" y="3401715"/>
-            <a:ext cx="1" cy="618600"/>
-          </a:xfrm>
-          <a:prstGeom prst="line">
-            <a:avLst/>
-          </a:prstGeom>
-          <a:ln w="38100">
-            <a:solidFill>
-              <a:srgbClr val="000000"/>
-            </a:solidFill>
-            <a:miter lim="400000"/>
-            <a:headEnd type="triangle"/>
-          </a:ln>
-        </p:spPr>
-        <p:txBody>
-          <a:bodyPr lIns="50800" tIns="50800" rIns="50800" bIns="50800" anchor="ctr"/>
-          <a:lstStyle/>
-          <a:p>
-            <a:pPr>
-              <a:defRPr sz="3000"/>
-            </a:pPr>
-            <a:endParaRPr/>
-          </a:p>
-        </p:txBody>
-      </p:sp>
-      <p:sp>
-        <p:nvSpPr>
-          <p:cNvPr id="91" name="Shape 200">
-            <a:extLst>
-              <a:ext uri="{FF2B5EF4-FFF2-40B4-BE49-F238E27FC236}">
-                <a16:creationId xmlns:a16="http://schemas.microsoft.com/office/drawing/2014/main" id="{CCE3B049-57C1-2F4D-A3F4-57791DCFCC63}"/>
-              </a:ext>
-            </a:extLst>
-          </p:cNvPr>
-          <p:cNvSpPr/>
-          <p:nvPr/>
-        </p:nvSpPr>
-        <p:spPr>
-          <a:xfrm flipV="1">
-            <a:off x="1669675" y="5429998"/>
-            <a:ext cx="1" cy="618601"/>
-          </a:xfrm>
-          <a:prstGeom prst="line">
-            <a:avLst/>
-          </a:prstGeom>
-          <a:ln w="38100">
-            <a:solidFill>
-              <a:srgbClr val="000000"/>
-            </a:solidFill>
-            <a:miter lim="400000"/>
-            <a:tailEnd type="triangle"/>
-          </a:ln>
-        </p:spPr>
-        <p:txBody>
-          <a:bodyPr lIns="50800" tIns="50800" rIns="50800" bIns="50800" anchor="ctr"/>
-          <a:lstStyle/>
-          <a:p>
-            <a:pPr>
-              <a:defRPr sz="3000"/>
-            </a:pPr>
-            <a:endParaRPr/>
-          </a:p>
-        </p:txBody>
-      </p:sp>
-      <p:sp>
-        <p:nvSpPr>
-          <p:cNvPr id="92" name="Shape 201">
-            <a:extLst>
-              <a:ext uri="{FF2B5EF4-FFF2-40B4-BE49-F238E27FC236}">
-                <a16:creationId xmlns:a16="http://schemas.microsoft.com/office/drawing/2014/main" id="{EE5733DD-03D3-884F-A85A-42EB5DF0DBBD}"/>
-              </a:ext>
-            </a:extLst>
-          </p:cNvPr>
-          <p:cNvSpPr/>
-          <p:nvPr/>
-        </p:nvSpPr>
-        <p:spPr>
-          <a:xfrm>
-            <a:off x="930993" y="1297640"/>
-            <a:ext cx="410566" cy="379591"/>
-          </a:xfrm>
-          <a:prstGeom prst="rect">
-            <a:avLst/>
-          </a:prstGeom>
-          <a:ln w="12700">
-            <a:miter lim="400000"/>
-          </a:ln>
-          <a:extLst>
-            <a:ext uri="{C572A759-6A51-4108-AA02-DFA0A04FC94B}">
-              <ma14:wrappingTextBoxFlag xmlns:ma14="http://schemas.microsoft.com/office/mac/drawingml/2011/main" xmlns="" val="1"/>
-            </a:ext>
-          </a:extLst>
-        </p:spPr>
-        <p:txBody>
-          <a:bodyPr wrap="square" lIns="50800" tIns="50800" rIns="50800" bIns="50800" anchor="ctr">
-            <a:spAutoFit/>
-          </a:bodyPr>
-          <a:lstStyle>
-            <a:lvl1pPr>
-              <a:defRPr>
-                <a:solidFill>
-                  <a:srgbClr val="000000"/>
-                </a:solidFill>
-                <a:latin typeface="Helvetica Neue"/>
-                <a:ea typeface="Helvetica Neue"/>
-                <a:cs typeface="Helvetica Neue"/>
-                <a:sym typeface="Helvetica Neue"/>
-              </a:defRPr>
-            </a:lvl1pPr>
-          </a:lstStyle>
-          <a:p>
-            <a:r>
-              <a:t>A</a:t>
-            </a:r>
-          </a:p>
-        </p:txBody>
-      </p:sp>
-      <p:sp>
-        <p:nvSpPr>
-          <p:cNvPr id="93" name="Shape 202">
-            <a:extLst>
-              <a:ext uri="{FF2B5EF4-FFF2-40B4-BE49-F238E27FC236}">
-                <a16:creationId xmlns:a16="http://schemas.microsoft.com/office/drawing/2014/main" id="{4125D90F-C00C-314C-B984-1F5415659E99}"/>
-              </a:ext>
-            </a:extLst>
-          </p:cNvPr>
-          <p:cNvSpPr/>
-          <p:nvPr/>
-        </p:nvSpPr>
-        <p:spPr>
-          <a:xfrm>
-            <a:off x="3449834" y="1404033"/>
-            <a:ext cx="427483" cy="379591"/>
-          </a:xfrm>
-          <a:prstGeom prst="rect">
-            <a:avLst/>
-          </a:prstGeom>
-          <a:ln w="12700">
-            <a:miter lim="400000"/>
-          </a:ln>
-          <a:extLst>
-            <a:ext uri="{C572A759-6A51-4108-AA02-DFA0A04FC94B}">
-              <ma14:wrappingTextBoxFlag xmlns:ma14="http://schemas.microsoft.com/office/mac/drawingml/2011/main" xmlns="" val="1"/>
-            </a:ext>
-          </a:extLst>
-        </p:spPr>
-        <p:txBody>
-          <a:bodyPr wrap="square" lIns="50800" tIns="50800" rIns="50800" bIns="50800" anchor="ctr">
-            <a:spAutoFit/>
-          </a:bodyPr>
-          <a:lstStyle>
-            <a:lvl1pPr>
-              <a:defRPr>
-                <a:solidFill>
-                  <a:srgbClr val="000000"/>
-                </a:solidFill>
-                <a:latin typeface="Helvetica Neue"/>
-                <a:ea typeface="Helvetica Neue"/>
-                <a:cs typeface="Helvetica Neue"/>
-                <a:sym typeface="Helvetica Neue"/>
-              </a:defRPr>
-            </a:lvl1pPr>
-          </a:lstStyle>
-          <a:p>
-            <a:r>
-              <a:t>B</a:t>
-            </a:r>
-          </a:p>
-        </p:txBody>
-      </p:sp>
-      <p:sp>
-        <p:nvSpPr>
-          <p:cNvPr id="94" name="Shape 203">
-            <a:extLst>
-              <a:ext uri="{FF2B5EF4-FFF2-40B4-BE49-F238E27FC236}">
-                <a16:creationId xmlns:a16="http://schemas.microsoft.com/office/drawing/2014/main" id="{55EC9A64-968E-514C-8F1B-9673C9E9E1C7}"/>
-              </a:ext>
-            </a:extLst>
-          </p:cNvPr>
-          <p:cNvSpPr/>
-          <p:nvPr/>
-        </p:nvSpPr>
-        <p:spPr>
-          <a:xfrm>
-            <a:off x="930993" y="3239157"/>
-            <a:ext cx="410566" cy="379591"/>
-          </a:xfrm>
-          <a:prstGeom prst="rect">
-            <a:avLst/>
-          </a:prstGeom>
-          <a:ln w="12700">
-            <a:miter lim="400000"/>
-          </a:ln>
-          <a:extLst>
-            <a:ext uri="{C572A759-6A51-4108-AA02-DFA0A04FC94B}">
-              <ma14:wrappingTextBoxFlag xmlns:ma14="http://schemas.microsoft.com/office/mac/drawingml/2011/main" xmlns="" val="1"/>
-            </a:ext>
-          </a:extLst>
-        </p:spPr>
-        <p:txBody>
-          <a:bodyPr wrap="square" lIns="50800" tIns="50800" rIns="50800" bIns="50800" anchor="ctr">
-            <a:spAutoFit/>
-          </a:bodyPr>
-          <a:lstStyle>
-            <a:lvl1pPr>
-              <a:defRPr>
-                <a:solidFill>
-                  <a:srgbClr val="000000"/>
-                </a:solidFill>
-                <a:latin typeface="Helvetica Neue"/>
-                <a:ea typeface="Helvetica Neue"/>
-                <a:cs typeface="Helvetica Neue"/>
-                <a:sym typeface="Helvetica Neue"/>
-              </a:defRPr>
-            </a:lvl1pPr>
-          </a:lstStyle>
-          <a:p>
-            <a:r>
-              <a:t>A</a:t>
-            </a:r>
-          </a:p>
-        </p:txBody>
-      </p:sp>
-      <p:sp>
-        <p:nvSpPr>
-          <p:cNvPr id="95" name="Shape 204">
-            <a:extLst>
-              <a:ext uri="{FF2B5EF4-FFF2-40B4-BE49-F238E27FC236}">
-                <a16:creationId xmlns:a16="http://schemas.microsoft.com/office/drawing/2014/main" id="{D81E36BF-63C3-6842-94B0-361EBFCA9407}"/>
-              </a:ext>
-            </a:extLst>
-          </p:cNvPr>
-          <p:cNvSpPr/>
-          <p:nvPr/>
-        </p:nvSpPr>
-        <p:spPr>
-          <a:xfrm>
-            <a:off x="3449834" y="3476768"/>
-            <a:ext cx="427483" cy="379591"/>
-          </a:xfrm>
-          <a:prstGeom prst="rect">
-            <a:avLst/>
-          </a:prstGeom>
-          <a:ln w="12700">
-            <a:miter lim="400000"/>
-          </a:ln>
-          <a:extLst>
-            <a:ext uri="{C572A759-6A51-4108-AA02-DFA0A04FC94B}">
-              <ma14:wrappingTextBoxFlag xmlns:ma14="http://schemas.microsoft.com/office/mac/drawingml/2011/main" xmlns="" val="1"/>
-            </a:ext>
-          </a:extLst>
-        </p:spPr>
-        <p:txBody>
-          <a:bodyPr wrap="square" lIns="50800" tIns="50800" rIns="50800" bIns="50800" anchor="ctr">
-            <a:spAutoFit/>
-          </a:bodyPr>
-          <a:lstStyle>
-            <a:lvl1pPr>
-              <a:defRPr>
-                <a:solidFill>
-                  <a:srgbClr val="000000"/>
-                </a:solidFill>
-                <a:latin typeface="Helvetica Neue"/>
-                <a:ea typeface="Helvetica Neue"/>
-                <a:cs typeface="Helvetica Neue"/>
-                <a:sym typeface="Helvetica Neue"/>
-              </a:defRPr>
-            </a:lvl1pPr>
-          </a:lstStyle>
-          <a:p>
-            <a:r>
-              <a:t>B</a:t>
-            </a:r>
-          </a:p>
-        </p:txBody>
-      </p:sp>
-      <p:sp>
-        <p:nvSpPr>
-          <p:cNvPr id="96" name="Shape 205">
-            <a:extLst>
-              <a:ext uri="{FF2B5EF4-FFF2-40B4-BE49-F238E27FC236}">
-                <a16:creationId xmlns:a16="http://schemas.microsoft.com/office/drawing/2014/main" id="{FBBD39C5-1224-8641-BB50-6464E7074F50}"/>
-              </a:ext>
-            </a:extLst>
-          </p:cNvPr>
-          <p:cNvSpPr/>
-          <p:nvPr/>
-        </p:nvSpPr>
-        <p:spPr>
-          <a:xfrm>
-            <a:off x="912669" y="5430697"/>
-            <a:ext cx="410567" cy="379591"/>
-          </a:xfrm>
-          <a:prstGeom prst="rect">
-            <a:avLst/>
-          </a:prstGeom>
-          <a:ln w="12700">
-            <a:miter lim="400000"/>
-          </a:ln>
-          <a:extLst>
-            <a:ext uri="{C572A759-6A51-4108-AA02-DFA0A04FC94B}">
-              <ma14:wrappingTextBoxFlag xmlns:ma14="http://schemas.microsoft.com/office/mac/drawingml/2011/main" xmlns="" val="1"/>
-            </a:ext>
-          </a:extLst>
-        </p:spPr>
-        <p:txBody>
-          <a:bodyPr wrap="square" lIns="50800" tIns="50800" rIns="50800" bIns="50800" anchor="ctr">
-            <a:spAutoFit/>
-          </a:bodyPr>
-          <a:lstStyle>
-            <a:lvl1pPr>
-              <a:defRPr>
-                <a:solidFill>
-                  <a:srgbClr val="000000"/>
-                </a:solidFill>
-                <a:latin typeface="Helvetica Neue"/>
-                <a:ea typeface="Helvetica Neue"/>
-                <a:cs typeface="Helvetica Neue"/>
-                <a:sym typeface="Helvetica Neue"/>
-              </a:defRPr>
-            </a:lvl1pPr>
-          </a:lstStyle>
-          <a:p>
-            <a:r>
-              <a:t>A</a:t>
-            </a:r>
-          </a:p>
-        </p:txBody>
-      </p:sp>
-      <p:sp>
-        <p:nvSpPr>
-          <p:cNvPr id="97" name="Shape 206">
-            <a:extLst>
-              <a:ext uri="{FF2B5EF4-FFF2-40B4-BE49-F238E27FC236}">
-                <a16:creationId xmlns:a16="http://schemas.microsoft.com/office/drawing/2014/main" id="{D16EA40F-F0B2-A64E-AF83-03FAA9C898C9}"/>
-              </a:ext>
-            </a:extLst>
-          </p:cNvPr>
-          <p:cNvSpPr/>
-          <p:nvPr/>
-        </p:nvSpPr>
-        <p:spPr>
-          <a:xfrm>
-            <a:off x="3431511" y="5668308"/>
-            <a:ext cx="427483" cy="379591"/>
-          </a:xfrm>
-          <a:prstGeom prst="rect">
-            <a:avLst/>
-          </a:prstGeom>
-          <a:ln w="12700">
-            <a:miter lim="400000"/>
-          </a:ln>
-          <a:extLst>
-            <a:ext uri="{C572A759-6A51-4108-AA02-DFA0A04FC94B}">
-              <ma14:wrappingTextBoxFlag xmlns:ma14="http://schemas.microsoft.com/office/mac/drawingml/2011/main" xmlns="" val="1"/>
-            </a:ext>
-          </a:extLst>
-        </p:spPr>
-        <p:txBody>
-          <a:bodyPr wrap="square" lIns="50800" tIns="50800" rIns="50800" bIns="50800" anchor="ctr">
-            <a:spAutoFit/>
-          </a:bodyPr>
-          <a:lstStyle>
-            <a:lvl1pPr>
-              <a:defRPr>
-                <a:solidFill>
-                  <a:srgbClr val="000000"/>
-                </a:solidFill>
-                <a:latin typeface="Helvetica Neue"/>
-                <a:ea typeface="Helvetica Neue"/>
-                <a:cs typeface="Helvetica Neue"/>
-                <a:sym typeface="Helvetica Neue"/>
-              </a:defRPr>
-            </a:lvl1pPr>
-          </a:lstStyle>
-          <a:p>
-            <a:r>
-              <a:t>B</a:t>
-            </a:r>
-          </a:p>
-        </p:txBody>
-      </p:sp>
-      <p:sp>
-        <p:nvSpPr>
-          <p:cNvPr id="98" name="Shape 209">
-            <a:extLst>
-              <a:ext uri="{FF2B5EF4-FFF2-40B4-BE49-F238E27FC236}">
-                <a16:creationId xmlns:a16="http://schemas.microsoft.com/office/drawing/2014/main" id="{4C70ADD0-A216-A24B-9039-6AE8B87E104F}"/>
-              </a:ext>
-            </a:extLst>
-          </p:cNvPr>
-          <p:cNvSpPr/>
-          <p:nvPr/>
-        </p:nvSpPr>
-        <p:spPr>
-          <a:xfrm>
-            <a:off x="2311877" y="1510009"/>
-            <a:ext cx="167641" cy="167641"/>
-          </a:xfrm>
-          <a:prstGeom prst="ellipse">
-            <a:avLst/>
-          </a:prstGeom>
-          <a:solidFill>
-            <a:srgbClr val="000000"/>
-          </a:solidFill>
-          <a:ln w="12700">
-            <a:miter lim="400000"/>
-          </a:ln>
-        </p:spPr>
-        <p:txBody>
-          <a:bodyPr lIns="50800" tIns="50800" rIns="50800" bIns="50800" anchor="ctr"/>
-          <a:lstStyle/>
-          <a:p>
-            <a:pPr>
-              <a:defRPr sz="3000">
-                <a:solidFill>
-                  <a:srgbClr val="FFFFFF"/>
-                </a:solidFill>
-                <a:effectLst>
-                  <a:outerShdw blurRad="25400" dist="12700" dir="5400000" rotWithShape="0">
-                    <a:srgbClr val="000000">
-                      <a:alpha val="50000"/>
-                    </a:srgbClr>
-                  </a:outerShdw>
-                </a:effectLst>
-              </a:defRPr>
-            </a:pPr>
-            <a:endParaRPr/>
-          </a:p>
-        </p:txBody>
-      </p:sp>
-      <p:sp>
-        <p:nvSpPr>
-          <p:cNvPr id="99" name="Shape 210">
-            <a:extLst>
-              <a:ext uri="{FF2B5EF4-FFF2-40B4-BE49-F238E27FC236}">
-                <a16:creationId xmlns:a16="http://schemas.microsoft.com/office/drawing/2014/main" id="{62F29860-F714-3741-9133-BC04F538AB07}"/>
-              </a:ext>
-            </a:extLst>
-          </p:cNvPr>
-          <p:cNvSpPr/>
-          <p:nvPr/>
-        </p:nvSpPr>
-        <p:spPr>
-          <a:xfrm>
-            <a:off x="1585856" y="3578418"/>
-            <a:ext cx="167641" cy="167641"/>
-          </a:xfrm>
-          <a:prstGeom prst="ellipse">
-            <a:avLst/>
-          </a:prstGeom>
-          <a:solidFill>
-            <a:srgbClr val="000000"/>
-          </a:solidFill>
-          <a:ln w="12700">
-            <a:miter lim="400000"/>
-          </a:ln>
-        </p:spPr>
-        <p:txBody>
-          <a:bodyPr lIns="50800" tIns="50800" rIns="50800" bIns="50800" anchor="ctr"/>
-          <a:lstStyle/>
-          <a:p>
-            <a:pPr>
-              <a:defRPr sz="3000">
-                <a:solidFill>
-                  <a:srgbClr val="FFFFFF"/>
-                </a:solidFill>
-                <a:effectLst>
-                  <a:outerShdw blurRad="25400" dist="12700" dir="5400000" rotWithShape="0">
-                    <a:srgbClr val="000000">
-                      <a:alpha val="50000"/>
-                    </a:srgbClr>
-                  </a:outerShdw>
-                </a:effectLst>
-              </a:defRPr>
-            </a:pPr>
-            <a:endParaRPr/>
-          </a:p>
-        </p:txBody>
-      </p:sp>
-      <p:sp>
-        <p:nvSpPr>
-          <p:cNvPr id="100" name="Shape 211">
-            <a:extLst>
-              <a:ext uri="{FF2B5EF4-FFF2-40B4-BE49-F238E27FC236}">
-                <a16:creationId xmlns:a16="http://schemas.microsoft.com/office/drawing/2014/main" id="{D4FB0DB9-F96C-A946-B515-E2A8B3DFAF5E}"/>
-              </a:ext>
-            </a:extLst>
-          </p:cNvPr>
-          <p:cNvSpPr/>
-          <p:nvPr/>
-        </p:nvSpPr>
-        <p:spPr>
-          <a:xfrm>
-            <a:off x="2995555" y="5880958"/>
-            <a:ext cx="167641" cy="167641"/>
-          </a:xfrm>
-          <a:prstGeom prst="ellipse">
-            <a:avLst/>
-          </a:prstGeom>
-          <a:solidFill>
-            <a:srgbClr val="000000"/>
-          </a:solidFill>
-          <a:ln w="12700">
-            <a:miter lim="400000"/>
-          </a:ln>
-        </p:spPr>
-        <p:txBody>
-          <a:bodyPr lIns="50800" tIns="50800" rIns="50800" bIns="50800" anchor="ctr"/>
-          <a:lstStyle/>
-          <a:p>
-            <a:pPr>
-              <a:defRPr sz="3000">
-                <a:solidFill>
-                  <a:srgbClr val="FFFFFF"/>
-                </a:solidFill>
-                <a:effectLst>
-                  <a:outerShdw blurRad="25400" dist="12700" dir="5400000" rotWithShape="0">
-                    <a:srgbClr val="000000">
-                      <a:alpha val="50000"/>
-                    </a:srgbClr>
-                  </a:outerShdw>
-                </a:effectLst>
-              </a:defRPr>
-            </a:pPr>
-            <a:endParaRPr/>
-          </a:p>
-        </p:txBody>
-      </p:sp>
-      <p:sp>
-        <p:nvSpPr>
-          <p:cNvPr id="101" name="TextBox 100">
-            <a:extLst>
-              <a:ext uri="{FF2B5EF4-FFF2-40B4-BE49-F238E27FC236}">
-                <a16:creationId xmlns:a16="http://schemas.microsoft.com/office/drawing/2014/main" id="{AE985067-97F7-6241-9F68-4B5CF15E9B4D}"/>
-              </a:ext>
-            </a:extLst>
-          </p:cNvPr>
-          <p:cNvSpPr txBox="1"/>
-          <p:nvPr/>
-        </p:nvSpPr>
-        <p:spPr>
-          <a:xfrm>
-            <a:off x="4898007" y="2957028"/>
-            <a:ext cx="6860013" cy="707886"/>
-          </a:xfrm>
-          <a:prstGeom prst="rect">
-            <a:avLst/>
-          </a:prstGeom>
-          <a:noFill/>
-        </p:spPr>
-        <p:txBody>
-          <a:bodyPr wrap="square" rtlCol="0">
-            <a:spAutoFit/>
-          </a:bodyPr>
-          <a:lstStyle/>
-          <a:p>
-            <a:pPr marL="342900" indent="-342900">
-              <a:buFontTx/>
-              <a:buChar char="-"/>
-            </a:pPr>
-            <a:r>
-              <a:rPr lang="en-US" sz="2000" dirty="0"/>
-              <a:t>Blocks move relative to an origin/reference frame</a:t>
-            </a:r>
-          </a:p>
-          <a:p>
-            <a:pPr marL="342900" indent="-342900">
-              <a:buFontTx/>
-              <a:buChar char="-"/>
-            </a:pPr>
-            <a:r>
-              <a:rPr lang="en-US" sz="2000" dirty="0"/>
-              <a:t>You can decide where that origin is</a:t>
-            </a:r>
-          </a:p>
-        </p:txBody>
-      </p:sp>
-      <p:pic>
-        <p:nvPicPr>
-          <p:cNvPr id="102" name="pasted-image.pdf">
-            <a:extLst>
-              <a:ext uri="{FF2B5EF4-FFF2-40B4-BE49-F238E27FC236}">
-                <a16:creationId xmlns:a16="http://schemas.microsoft.com/office/drawing/2014/main" id="{ADBB4F0E-CE8A-1F4F-9923-AEF28C26B46C}"/>
-              </a:ext>
-            </a:extLst>
-          </p:cNvPr>
-          <p:cNvPicPr>
-            <a:picLocks noChangeAspect="1"/>
-          </p:cNvPicPr>
-          <p:nvPr/>
-        </p:nvPicPr>
-        <p:blipFill>
-          <a:blip r:embed="rId3"/>
-          <a:stretch>
-            <a:fillRect/>
-          </a:stretch>
-        </p:blipFill>
-        <p:spPr>
-          <a:xfrm>
-            <a:off x="5191054" y="1534506"/>
-            <a:ext cx="2755901" cy="393701"/>
-          </a:xfrm>
-          <a:prstGeom prst="rect">
-            <a:avLst/>
-          </a:prstGeom>
-          <a:ln w="12700">
-            <a:miter lim="400000"/>
-          </a:ln>
-        </p:spPr>
-      </p:pic>
-    </p:spTree>
-    <p:extLst>
-      <p:ext uri="{BB962C8B-B14F-4D97-AF65-F5344CB8AC3E}">
-        <p14:creationId xmlns:p14="http://schemas.microsoft.com/office/powerpoint/2010/main" val="1313856344"/>
-      </p:ext>
-    </p:extLst>
-  </p:cSld>
-  <p:clrMapOvr>
-    <a:masterClrMapping/>
-  </p:clrMapOvr>
-</p:sld>
-</file>
-
-<file path=ppt/slides/slide22.xml><?xml version="1.0" encoding="utf-8"?>
-<p:sld xmlns:a="http://schemas.openxmlformats.org/drawingml/2006/main" xmlns:r="http://schemas.openxmlformats.org/officeDocument/2006/relationships" xmlns:p="http://schemas.openxmlformats.org/presentationml/2006/main">
-  <p:cSld>
-    <p:spTree>
-      <p:nvGrpSpPr>
-        <p:cNvPr id="1" name=""/>
-        <p:cNvGrpSpPr/>
-        <p:nvPr/>
-      </p:nvGrpSpPr>
-      <p:grpSpPr>
-        <a:xfrm>
-          <a:off x="0" y="0"/>
-          <a:ext cx="0" cy="0"/>
-          <a:chOff x="0" y="0"/>
-          <a:chExt cx="0" cy="0"/>
-        </a:xfrm>
-      </p:grpSpPr>
-      <p:grpSp>
-        <p:nvGrpSpPr>
-          <p:cNvPr id="2" name="Group 222">
-            <a:extLst>
-              <a:ext uri="{FF2B5EF4-FFF2-40B4-BE49-F238E27FC236}">
-                <a16:creationId xmlns:a16="http://schemas.microsoft.com/office/drawing/2014/main" id="{D47891E6-D7D3-464E-9FCA-FAAFBBF8B06E}"/>
-              </a:ext>
-            </a:extLst>
-          </p:cNvPr>
-          <p:cNvGrpSpPr/>
-          <p:nvPr/>
-        </p:nvGrpSpPr>
-        <p:grpSpPr>
-          <a:xfrm>
-            <a:off x="7807251" y="1527820"/>
-            <a:ext cx="2956312" cy="3802359"/>
-            <a:chOff x="0" y="0"/>
-            <a:chExt cx="2956310" cy="3802358"/>
-          </a:xfrm>
-        </p:grpSpPr>
-        <p:grpSp>
-          <p:nvGrpSpPr>
-            <p:cNvPr id="3" name="Group 217">
-              <a:extLst>
-                <a:ext uri="{FF2B5EF4-FFF2-40B4-BE49-F238E27FC236}">
-                  <a16:creationId xmlns:a16="http://schemas.microsoft.com/office/drawing/2014/main" id="{D0E4E3CD-8559-2C47-AB40-DB22BB21A34A}"/>
-                </a:ext>
-              </a:extLst>
-            </p:cNvPr>
-            <p:cNvGrpSpPr/>
-            <p:nvPr/>
-          </p:nvGrpSpPr>
-          <p:grpSpPr>
-            <a:xfrm>
-              <a:off x="0" y="1534141"/>
-              <a:ext cx="2956311" cy="2233042"/>
-              <a:chOff x="0" y="0"/>
-              <a:chExt cx="2956310" cy="2233041"/>
-            </a:xfrm>
-          </p:grpSpPr>
-          <p:sp>
-            <p:nvSpPr>
-              <p:cNvPr id="8" name="Shape 213">
-                <a:extLst>
-                  <a:ext uri="{FF2B5EF4-FFF2-40B4-BE49-F238E27FC236}">
-                    <a16:creationId xmlns:a16="http://schemas.microsoft.com/office/drawing/2014/main" id="{0AC6D1F0-1990-C842-A162-8868272F01CF}"/>
-                  </a:ext>
-                </a:extLst>
-              </p:cNvPr>
-              <p:cNvSpPr/>
-              <p:nvPr/>
-            </p:nvSpPr>
-            <p:spPr>
-              <a:xfrm>
-                <a:off x="0" y="0"/>
-                <a:ext cx="1476404" cy="1347636"/>
-              </a:xfrm>
-              <a:prstGeom prst="rect">
-                <a:avLst/>
-              </a:prstGeom>
-              <a:solidFill>
-                <a:schemeClr val="accent4">
-                  <a:hueOff val="-165171"/>
-                  <a:satOff val="-13982"/>
-                  <a:lumOff val="-10016"/>
-                </a:schemeClr>
-              </a:solidFill>
-              <a:ln w="12700" cap="flat">
-                <a:noFill/>
-                <a:miter lim="400000"/>
-              </a:ln>
-              <a:effectLst/>
-            </p:spPr>
-            <p:txBody>
-              <a:bodyPr wrap="square" lIns="50800" tIns="50800" rIns="50800" bIns="50800" numCol="1" anchor="ctr">
-                <a:noAutofit/>
-              </a:bodyPr>
-              <a:lstStyle/>
-              <a:p>
-                <a:pPr>
-                  <a:defRPr sz="3000">
-                    <a:solidFill>
-                      <a:srgbClr val="FFFFFF"/>
-                    </a:solidFill>
-                    <a:effectLst>
-                      <a:outerShdw blurRad="25400" dist="12700" dir="5400000" rotWithShape="0">
-                        <a:srgbClr val="000000">
-                          <a:alpha val="50000"/>
-                        </a:srgbClr>
-                      </a:outerShdw>
-                    </a:effectLst>
-                  </a:defRPr>
-                </a:pPr>
-                <a:endParaRPr/>
-              </a:p>
-            </p:txBody>
-          </p:sp>
-          <p:sp>
-            <p:nvSpPr>
-              <p:cNvPr id="9" name="Shape 214">
-                <a:extLst>
-                  <a:ext uri="{FF2B5EF4-FFF2-40B4-BE49-F238E27FC236}">
-                    <a16:creationId xmlns:a16="http://schemas.microsoft.com/office/drawing/2014/main" id="{C36A164A-AD4E-1A45-94D2-EC07A0248D1E}"/>
-                  </a:ext>
-                </a:extLst>
-              </p:cNvPr>
-              <p:cNvSpPr/>
-              <p:nvPr/>
-            </p:nvSpPr>
-            <p:spPr>
-              <a:xfrm>
-                <a:off x="1479907" y="885405"/>
-                <a:ext cx="1476404" cy="1347637"/>
-              </a:xfrm>
-              <a:prstGeom prst="rect">
-                <a:avLst/>
-              </a:prstGeom>
-              <a:blipFill rotWithShape="1">
-                <a:blip r:embed="rId2"/>
-                <a:srcRect/>
-                <a:tile tx="0" ty="0" sx="100000" sy="100000" flip="none" algn="tl"/>
-              </a:blipFill>
-              <a:ln w="12700" cap="flat">
-                <a:noFill/>
-                <a:miter lim="400000"/>
-              </a:ln>
-              <a:effectLst/>
-            </p:spPr>
-            <p:txBody>
-              <a:bodyPr wrap="square" lIns="50800" tIns="50800" rIns="50800" bIns="50800" numCol="1" anchor="ctr">
-                <a:noAutofit/>
-              </a:bodyPr>
-              <a:lstStyle/>
-              <a:p>
-                <a:pPr>
-                  <a:defRPr sz="3000">
-                    <a:solidFill>
-                      <a:srgbClr val="FFFFFF"/>
-                    </a:solidFill>
-                    <a:effectLst>
-                      <a:outerShdw blurRad="25400" dist="12700" dir="5400000" rotWithShape="0">
-                        <a:srgbClr val="000000">
-                          <a:alpha val="50000"/>
-                        </a:srgbClr>
-                      </a:outerShdw>
-                    </a:effectLst>
-                  </a:defRPr>
-                </a:pPr>
-                <a:endParaRPr/>
-              </a:p>
-            </p:txBody>
-          </p:sp>
-          <p:sp>
-            <p:nvSpPr>
-              <p:cNvPr id="10" name="Shape 215">
-                <a:extLst>
-                  <a:ext uri="{FF2B5EF4-FFF2-40B4-BE49-F238E27FC236}">
-                    <a16:creationId xmlns:a16="http://schemas.microsoft.com/office/drawing/2014/main" id="{A4DB7303-E785-BF43-8F04-73D95ED247A2}"/>
-                  </a:ext>
-                </a:extLst>
-              </p:cNvPr>
-              <p:cNvSpPr/>
-              <p:nvPr/>
-            </p:nvSpPr>
-            <p:spPr>
-              <a:xfrm>
-                <a:off x="2134289" y="1475403"/>
-                <a:ext cx="167641" cy="167641"/>
-              </a:xfrm>
-              <a:prstGeom prst="ellipse">
-                <a:avLst/>
-              </a:prstGeom>
-              <a:solidFill>
-                <a:srgbClr val="000000"/>
-              </a:solidFill>
-              <a:ln w="12700" cap="flat">
-                <a:noFill/>
-                <a:miter lim="400000"/>
-              </a:ln>
-              <a:effectLst/>
-            </p:spPr>
-            <p:txBody>
-              <a:bodyPr wrap="square" lIns="50800" tIns="50800" rIns="50800" bIns="50800" numCol="1" anchor="ctr">
-                <a:noAutofit/>
-              </a:bodyPr>
-              <a:lstStyle/>
-              <a:p>
-                <a:pPr>
-                  <a:defRPr sz="3000">
-                    <a:solidFill>
-                      <a:srgbClr val="FFFFFF"/>
-                    </a:solidFill>
-                    <a:effectLst>
-                      <a:outerShdw blurRad="25400" dist="12700" dir="5400000" rotWithShape="0">
-                        <a:srgbClr val="000000">
-                          <a:alpha val="50000"/>
-                        </a:srgbClr>
-                      </a:outerShdw>
-                    </a:effectLst>
-                  </a:defRPr>
-                </a:pPr>
-                <a:endParaRPr/>
-              </a:p>
-            </p:txBody>
-          </p:sp>
-          <p:sp>
-            <p:nvSpPr>
-              <p:cNvPr id="11" name="Shape 216">
-                <a:extLst>
-                  <a:ext uri="{FF2B5EF4-FFF2-40B4-BE49-F238E27FC236}">
-                    <a16:creationId xmlns:a16="http://schemas.microsoft.com/office/drawing/2014/main" id="{A9DAB5E5-3139-104A-902B-7FE8E4C17C73}"/>
-                  </a:ext>
-                </a:extLst>
-              </p:cNvPr>
-              <p:cNvSpPr/>
-              <p:nvPr/>
-            </p:nvSpPr>
-            <p:spPr>
-              <a:xfrm>
-                <a:off x="654381" y="589998"/>
-                <a:ext cx="167641" cy="167641"/>
-              </a:xfrm>
-              <a:prstGeom prst="ellipse">
-                <a:avLst/>
-              </a:prstGeom>
-              <a:solidFill>
-                <a:srgbClr val="000000"/>
-              </a:solidFill>
-              <a:ln w="12700" cap="flat">
-                <a:noFill/>
-                <a:miter lim="400000"/>
-              </a:ln>
-              <a:effectLst/>
-            </p:spPr>
-            <p:txBody>
-              <a:bodyPr wrap="square" lIns="50800" tIns="50800" rIns="50800" bIns="50800" numCol="1" anchor="ctr">
-                <a:noAutofit/>
-              </a:bodyPr>
-              <a:lstStyle/>
-              <a:p>
-                <a:pPr>
-                  <a:defRPr sz="3000">
-                    <a:solidFill>
-                      <a:srgbClr val="FFFFFF"/>
-                    </a:solidFill>
-                    <a:effectLst>
-                      <a:outerShdw blurRad="25400" dist="12700" dir="5400000" rotWithShape="0">
-                        <a:srgbClr val="000000">
-                          <a:alpha val="50000"/>
-                        </a:srgbClr>
-                      </a:outerShdw>
-                    </a:effectLst>
-                  </a:defRPr>
-                </a:pPr>
-                <a:endParaRPr/>
-              </a:p>
-            </p:txBody>
-          </p:sp>
-        </p:grpSp>
-        <p:sp>
-          <p:nvSpPr>
-            <p:cNvPr id="4" name="Shape 218">
-              <a:extLst>
-                <a:ext uri="{FF2B5EF4-FFF2-40B4-BE49-F238E27FC236}">
-                  <a16:creationId xmlns:a16="http://schemas.microsoft.com/office/drawing/2014/main" id="{DE25C84D-4022-A142-A99B-C5DFA416FA55}"/>
-                </a:ext>
-              </a:extLst>
-            </p:cNvPr>
-            <p:cNvSpPr/>
-            <p:nvPr/>
-          </p:nvSpPr>
-          <p:spPr>
-            <a:xfrm flipV="1">
-              <a:off x="2424662" y="2173525"/>
-              <a:ext cx="1" cy="979674"/>
-            </a:xfrm>
-            <a:prstGeom prst="line">
-              <a:avLst/>
-            </a:prstGeom>
-            <a:noFill/>
-            <a:ln w="38100" cap="flat">
-              <a:solidFill>
-                <a:srgbClr val="000000"/>
-              </a:solidFill>
-              <a:prstDash val="solid"/>
-              <a:miter lim="400000"/>
-              <a:headEnd type="triangle" w="med" len="sm"/>
-              <a:tailEnd type="triangle" w="med" len="sm"/>
-            </a:ln>
-            <a:effectLst/>
-          </p:spPr>
-          <p:txBody>
-            <a:bodyPr wrap="square" lIns="50800" tIns="50800" rIns="50800" bIns="50800" numCol="1" anchor="ctr">
-              <a:noAutofit/>
-            </a:bodyPr>
-            <a:lstStyle/>
-            <a:p>
-              <a:pPr>
-                <a:defRPr sz="3000"/>
-              </a:pPr>
-              <a:endParaRPr/>
-            </a:p>
-          </p:txBody>
-        </p:sp>
-        <p:sp>
-          <p:nvSpPr>
-            <p:cNvPr id="5" name="Shape 219">
-              <a:extLst>
-                <a:ext uri="{FF2B5EF4-FFF2-40B4-BE49-F238E27FC236}">
-                  <a16:creationId xmlns:a16="http://schemas.microsoft.com/office/drawing/2014/main" id="{D5C95770-7899-6644-B766-AD26B385398D}"/>
-                </a:ext>
-              </a:extLst>
-            </p:cNvPr>
-            <p:cNvSpPr/>
-            <p:nvPr/>
-          </p:nvSpPr>
-          <p:spPr>
-            <a:xfrm>
-              <a:off x="714174" y="0"/>
-              <a:ext cx="1527963" cy="634899"/>
-            </a:xfrm>
-            <a:prstGeom prst="rect">
-              <a:avLst/>
-            </a:prstGeom>
-            <a:noFill/>
-            <a:ln w="12700" cap="flat">
-              <a:noFill/>
-              <a:miter lim="400000"/>
-            </a:ln>
-            <a:effectLst/>
-            <a:extLst>
-              <a:ext uri="{C572A759-6A51-4108-AA02-DFA0A04FC94B}">
-                <ma14:wrappingTextBoxFlag xmlns:ma14="http://schemas.microsoft.com/office/mac/drawingml/2011/main" xmlns="" val="1"/>
-              </a:ext>
-            </a:extLst>
-          </p:spPr>
-          <p:txBody>
-            <a:bodyPr wrap="none" lIns="50800" tIns="50800" rIns="50800" bIns="50800" numCol="1" anchor="ctr">
-              <a:spAutoFit/>
-            </a:bodyPr>
-            <a:lstStyle>
-              <a:lvl1pPr>
-                <a:defRPr>
-                  <a:latin typeface="Helvetica Neue"/>
-                  <a:ea typeface="Helvetica Neue"/>
-                  <a:cs typeface="Helvetica Neue"/>
-                  <a:sym typeface="Helvetica Neue"/>
-                </a:defRPr>
-              </a:lvl1pPr>
-            </a:lstStyle>
-            <a:p>
-              <a:r>
-                <a:t>A fixed</a:t>
-              </a:r>
-            </a:p>
-          </p:txBody>
-        </p:sp>
-        <p:sp>
-          <p:nvSpPr>
-            <p:cNvPr id="6" name="Shape 220">
-              <a:extLst>
-                <a:ext uri="{FF2B5EF4-FFF2-40B4-BE49-F238E27FC236}">
-                  <a16:creationId xmlns:a16="http://schemas.microsoft.com/office/drawing/2014/main" id="{F01D1554-AE5C-944E-9F4A-1667D9DE1192}"/>
-                </a:ext>
-              </a:extLst>
-            </p:cNvPr>
-            <p:cNvSpPr/>
-            <p:nvPr/>
-          </p:nvSpPr>
-          <p:spPr>
-            <a:xfrm>
-              <a:off x="4993" y="1422765"/>
-              <a:ext cx="410567" cy="634900"/>
-            </a:xfrm>
-            <a:prstGeom prst="rect">
-              <a:avLst/>
-            </a:prstGeom>
-            <a:noFill/>
-            <a:ln w="12700" cap="flat">
-              <a:noFill/>
-              <a:miter lim="400000"/>
-            </a:ln>
-            <a:effectLst/>
-            <a:extLst>
-              <a:ext uri="{C572A759-6A51-4108-AA02-DFA0A04FC94B}">
-                <ma14:wrappingTextBoxFlag xmlns:ma14="http://schemas.microsoft.com/office/mac/drawingml/2011/main" xmlns="" val="1"/>
-              </a:ext>
-            </a:extLst>
-          </p:spPr>
-          <p:txBody>
-            <a:bodyPr wrap="none" lIns="50800" tIns="50800" rIns="50800" bIns="50800" numCol="1" anchor="ctr">
-              <a:spAutoFit/>
-            </a:bodyPr>
-            <a:lstStyle>
-              <a:lvl1pPr>
-                <a:defRPr>
-                  <a:solidFill>
-                    <a:srgbClr val="000000"/>
-                  </a:solidFill>
-                  <a:latin typeface="Helvetica Neue"/>
-                  <a:ea typeface="Helvetica Neue"/>
-                  <a:cs typeface="Helvetica Neue"/>
-                  <a:sym typeface="Helvetica Neue"/>
-                </a:defRPr>
-              </a:lvl1pPr>
-            </a:lstStyle>
-            <a:p>
-              <a:r>
-                <a:t>A</a:t>
-              </a:r>
-            </a:p>
-          </p:txBody>
-        </p:sp>
-        <p:sp>
-          <p:nvSpPr>
-            <p:cNvPr id="7" name="Shape 221">
-              <a:extLst>
-                <a:ext uri="{FF2B5EF4-FFF2-40B4-BE49-F238E27FC236}">
-                  <a16:creationId xmlns:a16="http://schemas.microsoft.com/office/drawing/2014/main" id="{C8F0DE92-A894-844C-A6AB-80F2E3D3C207}"/>
-                </a:ext>
-              </a:extLst>
-            </p:cNvPr>
-            <p:cNvSpPr/>
-            <p:nvPr/>
-          </p:nvSpPr>
-          <p:spPr>
-            <a:xfrm>
-              <a:off x="2498435" y="3167459"/>
-              <a:ext cx="427483" cy="634900"/>
-            </a:xfrm>
-            <a:prstGeom prst="rect">
-              <a:avLst/>
-            </a:prstGeom>
-            <a:noFill/>
-            <a:ln w="12700" cap="flat">
-              <a:noFill/>
-              <a:miter lim="400000"/>
-            </a:ln>
-            <a:effectLst/>
-            <a:extLst>
-              <a:ext uri="{C572A759-6A51-4108-AA02-DFA0A04FC94B}">
-                <ma14:wrappingTextBoxFlag xmlns:ma14="http://schemas.microsoft.com/office/mac/drawingml/2011/main" xmlns="" val="1"/>
-              </a:ext>
-            </a:extLst>
-          </p:spPr>
-          <p:txBody>
-            <a:bodyPr wrap="none" lIns="50800" tIns="50800" rIns="50800" bIns="50800" numCol="1" anchor="ctr">
-              <a:spAutoFit/>
-            </a:bodyPr>
-            <a:lstStyle>
-              <a:lvl1pPr>
-                <a:defRPr>
-                  <a:solidFill>
-                    <a:srgbClr val="000000"/>
-                  </a:solidFill>
-                  <a:latin typeface="Helvetica Neue"/>
-                  <a:ea typeface="Helvetica Neue"/>
-                  <a:cs typeface="Helvetica Neue"/>
-                  <a:sym typeface="Helvetica Neue"/>
-                </a:defRPr>
-              </a:lvl1pPr>
-            </a:lstStyle>
-            <a:p>
-              <a:r>
-                <a:t>B</a:t>
-              </a:r>
-            </a:p>
-          </p:txBody>
-        </p:sp>
-      </p:grpSp>
-      <p:grpSp>
-        <p:nvGrpSpPr>
-          <p:cNvPr id="12" name="Group 233">
-            <a:extLst>
-              <a:ext uri="{FF2B5EF4-FFF2-40B4-BE49-F238E27FC236}">
-                <a16:creationId xmlns:a16="http://schemas.microsoft.com/office/drawing/2014/main" id="{0C638612-23C4-0C4C-A3D9-49963DFB8639}"/>
-              </a:ext>
-            </a:extLst>
-          </p:cNvPr>
-          <p:cNvGrpSpPr/>
-          <p:nvPr/>
-        </p:nvGrpSpPr>
-        <p:grpSpPr>
-          <a:xfrm>
-            <a:off x="4089506" y="1527820"/>
-            <a:ext cx="2964018" cy="3371780"/>
-            <a:chOff x="0" y="0"/>
-            <a:chExt cx="2964017" cy="3371778"/>
-          </a:xfrm>
-        </p:grpSpPr>
-        <p:grpSp>
-          <p:nvGrpSpPr>
-            <p:cNvPr id="13" name="Group 227">
-              <a:extLst>
-                <a:ext uri="{FF2B5EF4-FFF2-40B4-BE49-F238E27FC236}">
-                  <a16:creationId xmlns:a16="http://schemas.microsoft.com/office/drawing/2014/main" id="{600D4017-D10D-364E-8908-CCB0E1254896}"/>
-                </a:ext>
-              </a:extLst>
-            </p:cNvPr>
-            <p:cNvGrpSpPr/>
-            <p:nvPr/>
-          </p:nvGrpSpPr>
-          <p:grpSpPr>
-            <a:xfrm>
-              <a:off x="0" y="1091438"/>
-              <a:ext cx="2956311" cy="2233042"/>
-              <a:chOff x="0" y="0"/>
-              <a:chExt cx="2956310" cy="2233041"/>
-            </a:xfrm>
-          </p:grpSpPr>
-          <p:sp>
-            <p:nvSpPr>
-              <p:cNvPr id="19" name="Shape 223">
-                <a:extLst>
-                  <a:ext uri="{FF2B5EF4-FFF2-40B4-BE49-F238E27FC236}">
-                    <a16:creationId xmlns:a16="http://schemas.microsoft.com/office/drawing/2014/main" id="{E85C17D4-DB01-194F-B928-6A50CDCDE558}"/>
-                  </a:ext>
-                </a:extLst>
-              </p:cNvPr>
-              <p:cNvSpPr/>
-              <p:nvPr/>
-            </p:nvSpPr>
-            <p:spPr>
-              <a:xfrm>
-                <a:off x="0" y="0"/>
-                <a:ext cx="1476404" cy="1347636"/>
-              </a:xfrm>
-              <a:prstGeom prst="rect">
-                <a:avLst/>
-              </a:prstGeom>
-              <a:solidFill>
-                <a:schemeClr val="accent4">
-                  <a:hueOff val="-165171"/>
-                  <a:satOff val="-13982"/>
-                  <a:lumOff val="-10016"/>
-                </a:schemeClr>
-              </a:solidFill>
-              <a:ln w="12700" cap="flat">
-                <a:noFill/>
-                <a:miter lim="400000"/>
-              </a:ln>
-              <a:effectLst/>
-            </p:spPr>
-            <p:txBody>
-              <a:bodyPr wrap="square" lIns="50800" tIns="50800" rIns="50800" bIns="50800" numCol="1" anchor="ctr">
-                <a:noAutofit/>
-              </a:bodyPr>
-              <a:lstStyle/>
-              <a:p>
-                <a:pPr>
-                  <a:defRPr sz="3000">
-                    <a:solidFill>
-                      <a:srgbClr val="FFFFFF"/>
-                    </a:solidFill>
-                    <a:effectLst>
-                      <a:outerShdw blurRad="25400" dist="12700" dir="5400000" rotWithShape="0">
-                        <a:srgbClr val="000000">
-                          <a:alpha val="50000"/>
-                        </a:srgbClr>
-                      </a:outerShdw>
-                    </a:effectLst>
-                  </a:defRPr>
-                </a:pPr>
-                <a:endParaRPr/>
-              </a:p>
-            </p:txBody>
-          </p:sp>
-          <p:sp>
-            <p:nvSpPr>
-              <p:cNvPr id="20" name="Shape 224">
-                <a:extLst>
-                  <a:ext uri="{FF2B5EF4-FFF2-40B4-BE49-F238E27FC236}">
-                    <a16:creationId xmlns:a16="http://schemas.microsoft.com/office/drawing/2014/main" id="{47DC59A5-180B-7C45-BBB2-303B5887F05E}"/>
-                  </a:ext>
-                </a:extLst>
-              </p:cNvPr>
-              <p:cNvSpPr/>
-              <p:nvPr/>
-            </p:nvSpPr>
-            <p:spPr>
-              <a:xfrm>
-                <a:off x="1479907" y="885405"/>
-                <a:ext cx="1476404" cy="1347637"/>
-              </a:xfrm>
-              <a:prstGeom prst="rect">
-                <a:avLst/>
-              </a:prstGeom>
-              <a:blipFill rotWithShape="1">
-                <a:blip r:embed="rId2"/>
-                <a:srcRect/>
-                <a:tile tx="0" ty="0" sx="100000" sy="100000" flip="none" algn="tl"/>
-              </a:blipFill>
-              <a:ln w="12700" cap="flat">
-                <a:noFill/>
-                <a:miter lim="400000"/>
-              </a:ln>
-              <a:effectLst/>
-            </p:spPr>
-            <p:txBody>
-              <a:bodyPr wrap="square" lIns="50800" tIns="50800" rIns="50800" bIns="50800" numCol="1" anchor="ctr">
-                <a:noAutofit/>
-              </a:bodyPr>
-              <a:lstStyle/>
-              <a:p>
-                <a:pPr>
-                  <a:defRPr sz="3000">
-                    <a:solidFill>
-                      <a:srgbClr val="FFFFFF"/>
-                    </a:solidFill>
-                    <a:effectLst>
-                      <a:outerShdw blurRad="25400" dist="12700" dir="5400000" rotWithShape="0">
-                        <a:srgbClr val="000000">
-                          <a:alpha val="50000"/>
-                        </a:srgbClr>
-                      </a:outerShdw>
-                    </a:effectLst>
-                  </a:defRPr>
-                </a:pPr>
-                <a:endParaRPr/>
-              </a:p>
-            </p:txBody>
-          </p:sp>
-          <p:sp>
-            <p:nvSpPr>
-              <p:cNvPr id="21" name="Shape 225">
-                <a:extLst>
-                  <a:ext uri="{FF2B5EF4-FFF2-40B4-BE49-F238E27FC236}">
-                    <a16:creationId xmlns:a16="http://schemas.microsoft.com/office/drawing/2014/main" id="{C0C560A8-941C-AB4A-B357-0C26D99A9D66}"/>
-                  </a:ext>
-                </a:extLst>
-              </p:cNvPr>
-              <p:cNvSpPr/>
-              <p:nvPr/>
-            </p:nvSpPr>
-            <p:spPr>
-              <a:xfrm>
-                <a:off x="2134289" y="1475403"/>
-                <a:ext cx="167641" cy="167641"/>
-              </a:xfrm>
-              <a:prstGeom prst="ellipse">
-                <a:avLst/>
-              </a:prstGeom>
-              <a:solidFill>
-                <a:srgbClr val="000000"/>
-              </a:solidFill>
-              <a:ln w="12700" cap="flat">
-                <a:noFill/>
-                <a:miter lim="400000"/>
-              </a:ln>
-              <a:effectLst/>
-            </p:spPr>
-            <p:txBody>
-              <a:bodyPr wrap="square" lIns="50800" tIns="50800" rIns="50800" bIns="50800" numCol="1" anchor="ctr">
-                <a:noAutofit/>
-              </a:bodyPr>
-              <a:lstStyle/>
-              <a:p>
-                <a:pPr>
-                  <a:defRPr sz="3000">
-                    <a:solidFill>
-                      <a:srgbClr val="FFFFFF"/>
-                    </a:solidFill>
-                    <a:effectLst>
-                      <a:outerShdw blurRad="25400" dist="12700" dir="5400000" rotWithShape="0">
-                        <a:srgbClr val="000000">
-                          <a:alpha val="50000"/>
-                        </a:srgbClr>
-                      </a:outerShdw>
-                    </a:effectLst>
-                  </a:defRPr>
-                </a:pPr>
-                <a:endParaRPr/>
-              </a:p>
-            </p:txBody>
-          </p:sp>
-          <p:sp>
-            <p:nvSpPr>
-              <p:cNvPr id="22" name="Shape 226">
-                <a:extLst>
-                  <a:ext uri="{FF2B5EF4-FFF2-40B4-BE49-F238E27FC236}">
-                    <a16:creationId xmlns:a16="http://schemas.microsoft.com/office/drawing/2014/main" id="{B37AE548-DAC3-E849-88BE-30B8D30EEF17}"/>
-                  </a:ext>
-                </a:extLst>
-              </p:cNvPr>
-              <p:cNvSpPr/>
-              <p:nvPr/>
-            </p:nvSpPr>
-            <p:spPr>
-              <a:xfrm>
-                <a:off x="654381" y="589998"/>
-                <a:ext cx="167641" cy="167641"/>
-              </a:xfrm>
-              <a:prstGeom prst="ellipse">
-                <a:avLst/>
-              </a:prstGeom>
-              <a:solidFill>
-                <a:srgbClr val="000000"/>
-              </a:solidFill>
-              <a:ln w="12700" cap="flat">
-                <a:noFill/>
-                <a:miter lim="400000"/>
-              </a:ln>
-              <a:effectLst/>
-            </p:spPr>
-            <p:txBody>
-              <a:bodyPr wrap="square" lIns="50800" tIns="50800" rIns="50800" bIns="50800" numCol="1" anchor="ctr">
-                <a:noAutofit/>
-              </a:bodyPr>
-              <a:lstStyle/>
-              <a:p>
-                <a:pPr>
-                  <a:defRPr sz="3000">
-                    <a:solidFill>
-                      <a:srgbClr val="FFFFFF"/>
-                    </a:solidFill>
-                    <a:effectLst>
-                      <a:outerShdw blurRad="25400" dist="12700" dir="5400000" rotWithShape="0">
-                        <a:srgbClr val="000000">
-                          <a:alpha val="50000"/>
-                        </a:srgbClr>
-                      </a:outerShdw>
-                    </a:effectLst>
-                  </a:defRPr>
-                </a:pPr>
-                <a:endParaRPr/>
-              </a:p>
-            </p:txBody>
-          </p:sp>
-        </p:grpSp>
-        <p:sp>
-          <p:nvSpPr>
-            <p:cNvPr id="14" name="Shape 228">
-              <a:extLst>
-                <a:ext uri="{FF2B5EF4-FFF2-40B4-BE49-F238E27FC236}">
-                  <a16:creationId xmlns:a16="http://schemas.microsoft.com/office/drawing/2014/main" id="{9427899F-D986-CB48-A6F4-6F4C99BD7F4F}"/>
-                </a:ext>
-              </a:extLst>
-            </p:cNvPr>
-            <p:cNvSpPr/>
-            <p:nvPr/>
-          </p:nvSpPr>
-          <p:spPr>
-            <a:xfrm flipV="1">
-              <a:off x="512955" y="1722868"/>
-              <a:ext cx="1" cy="497074"/>
-            </a:xfrm>
-            <a:prstGeom prst="line">
-              <a:avLst/>
-            </a:prstGeom>
-            <a:noFill/>
-            <a:ln w="38100" cap="flat">
-              <a:solidFill>
-                <a:srgbClr val="FFFFFF"/>
-              </a:solidFill>
-              <a:prstDash val="solid"/>
-              <a:miter lim="400000"/>
-              <a:headEnd type="triangle" w="med" len="sm"/>
-              <a:tailEnd type="triangle" w="med" len="sm"/>
-            </a:ln>
-            <a:effectLst/>
-          </p:spPr>
-          <p:txBody>
-            <a:bodyPr wrap="square" lIns="50800" tIns="50800" rIns="50800" bIns="50800" numCol="1" anchor="ctr">
-              <a:noAutofit/>
-            </a:bodyPr>
-            <a:lstStyle/>
-            <a:p>
-              <a:pPr>
-                <a:defRPr sz="3000"/>
-              </a:pPr>
-              <a:endParaRPr/>
-            </a:p>
-          </p:txBody>
-        </p:sp>
-        <p:sp>
-          <p:nvSpPr>
-            <p:cNvPr id="15" name="Shape 229">
-              <a:extLst>
-                <a:ext uri="{FF2B5EF4-FFF2-40B4-BE49-F238E27FC236}">
-                  <a16:creationId xmlns:a16="http://schemas.microsoft.com/office/drawing/2014/main" id="{C164EF5E-BFF1-7541-AFEC-675BA7ADB7EA}"/>
-                </a:ext>
-              </a:extLst>
-            </p:cNvPr>
-            <p:cNvSpPr/>
-            <p:nvPr/>
-          </p:nvSpPr>
-          <p:spPr>
-            <a:xfrm flipV="1">
-              <a:off x="2452390" y="2192768"/>
-              <a:ext cx="1" cy="497074"/>
-            </a:xfrm>
-            <a:prstGeom prst="line">
-              <a:avLst/>
-            </a:prstGeom>
-            <a:noFill/>
-            <a:ln w="38100" cap="flat">
-              <a:solidFill>
-                <a:srgbClr val="FFFFFF"/>
-              </a:solidFill>
-              <a:prstDash val="solid"/>
-              <a:miter lim="400000"/>
-              <a:headEnd type="triangle" w="med" len="sm"/>
-              <a:tailEnd type="triangle" w="med" len="sm"/>
-            </a:ln>
-            <a:effectLst/>
-          </p:spPr>
-          <p:txBody>
-            <a:bodyPr wrap="square" lIns="50800" tIns="50800" rIns="50800" bIns="50800" numCol="1" anchor="ctr">
-              <a:noAutofit/>
-            </a:bodyPr>
-            <a:lstStyle/>
-            <a:p>
-              <a:pPr>
-                <a:defRPr sz="3000"/>
-              </a:pPr>
-              <a:endParaRPr/>
-            </a:p>
-          </p:txBody>
-        </p:sp>
-        <p:sp>
-          <p:nvSpPr>
-            <p:cNvPr id="16" name="Shape 230">
-              <a:extLst>
-                <a:ext uri="{FF2B5EF4-FFF2-40B4-BE49-F238E27FC236}">
-                  <a16:creationId xmlns:a16="http://schemas.microsoft.com/office/drawing/2014/main" id="{6F6B22C3-3863-AD4B-8BA6-22AEC5DC4092}"/>
-                </a:ext>
-              </a:extLst>
-            </p:cNvPr>
-            <p:cNvSpPr/>
-            <p:nvPr/>
-          </p:nvSpPr>
-          <p:spPr>
-            <a:xfrm>
-              <a:off x="252630" y="0"/>
-              <a:ext cx="2451050" cy="634899"/>
-            </a:xfrm>
-            <a:prstGeom prst="rect">
-              <a:avLst/>
-            </a:prstGeom>
-            <a:noFill/>
-            <a:ln w="12700" cap="flat">
-              <a:noFill/>
-              <a:miter lim="400000"/>
-            </a:ln>
-            <a:effectLst/>
-            <a:extLst>
-              <a:ext uri="{C572A759-6A51-4108-AA02-DFA0A04FC94B}">
-                <ma14:wrappingTextBoxFlag xmlns:ma14="http://schemas.microsoft.com/office/mac/drawingml/2011/main" xmlns="" val="1"/>
-              </a:ext>
-            </a:extLst>
-          </p:spPr>
-          <p:txBody>
-            <a:bodyPr wrap="none" lIns="50800" tIns="50800" rIns="50800" bIns="50800" numCol="1" anchor="ctr">
-              <a:spAutoFit/>
-            </a:bodyPr>
-            <a:lstStyle>
-              <a:lvl1pPr>
-                <a:defRPr>
-                  <a:latin typeface="Helvetica Neue"/>
-                  <a:ea typeface="Helvetica Neue"/>
-                  <a:cs typeface="Helvetica Neue"/>
-                  <a:sym typeface="Helvetica Neue"/>
-                </a:defRPr>
-              </a:lvl1pPr>
-            </a:lstStyle>
-            <a:p>
-              <a:r>
-                <a:t>Origin fixed</a:t>
-              </a:r>
-            </a:p>
-          </p:txBody>
-        </p:sp>
-        <p:sp>
-          <p:nvSpPr>
-            <p:cNvPr id="17" name="Shape 231">
-              <a:extLst>
-                <a:ext uri="{FF2B5EF4-FFF2-40B4-BE49-F238E27FC236}">
-                  <a16:creationId xmlns:a16="http://schemas.microsoft.com/office/drawing/2014/main" id="{41FB2BFA-AA28-BA4C-8634-213D605402B4}"/>
-                </a:ext>
-              </a:extLst>
-            </p:cNvPr>
-            <p:cNvSpPr/>
-            <p:nvPr/>
-          </p:nvSpPr>
-          <p:spPr>
-            <a:xfrm>
-              <a:off x="4993" y="1044139"/>
-              <a:ext cx="410566" cy="634900"/>
-            </a:xfrm>
-            <a:prstGeom prst="rect">
-              <a:avLst/>
-            </a:prstGeom>
-            <a:noFill/>
-            <a:ln w="12700" cap="flat">
-              <a:noFill/>
-              <a:miter lim="400000"/>
-            </a:ln>
-            <a:effectLst/>
-            <a:extLst>
-              <a:ext uri="{C572A759-6A51-4108-AA02-DFA0A04FC94B}">
-                <ma14:wrappingTextBoxFlag xmlns:ma14="http://schemas.microsoft.com/office/mac/drawingml/2011/main" xmlns="" val="1"/>
-              </a:ext>
-            </a:extLst>
-          </p:spPr>
-          <p:txBody>
-            <a:bodyPr wrap="none" lIns="50800" tIns="50800" rIns="50800" bIns="50800" numCol="1" anchor="ctr">
-              <a:spAutoFit/>
-            </a:bodyPr>
-            <a:lstStyle>
-              <a:lvl1pPr>
-                <a:defRPr>
-                  <a:solidFill>
-                    <a:srgbClr val="000000"/>
-                  </a:solidFill>
-                  <a:latin typeface="Helvetica Neue"/>
-                  <a:ea typeface="Helvetica Neue"/>
-                  <a:cs typeface="Helvetica Neue"/>
-                  <a:sym typeface="Helvetica Neue"/>
-                </a:defRPr>
-              </a:lvl1pPr>
-            </a:lstStyle>
-            <a:p>
-              <a:r>
-                <a:t>A</a:t>
-              </a:r>
-            </a:p>
-          </p:txBody>
-        </p:sp>
-        <p:sp>
-          <p:nvSpPr>
-            <p:cNvPr id="18" name="Shape 232">
-              <a:extLst>
-                <a:ext uri="{FF2B5EF4-FFF2-40B4-BE49-F238E27FC236}">
-                  <a16:creationId xmlns:a16="http://schemas.microsoft.com/office/drawing/2014/main" id="{4099D361-6E76-FD45-8BD0-8730E061731B}"/>
-                </a:ext>
-              </a:extLst>
-            </p:cNvPr>
-            <p:cNvSpPr/>
-            <p:nvPr/>
-          </p:nvSpPr>
-          <p:spPr>
-            <a:xfrm>
-              <a:off x="2536535" y="2736880"/>
-              <a:ext cx="427483" cy="634899"/>
-            </a:xfrm>
-            <a:prstGeom prst="rect">
-              <a:avLst/>
-            </a:prstGeom>
-            <a:noFill/>
-            <a:ln w="12700" cap="flat">
-              <a:noFill/>
-              <a:miter lim="400000"/>
-            </a:ln>
-            <a:effectLst/>
-            <a:extLst>
-              <a:ext uri="{C572A759-6A51-4108-AA02-DFA0A04FC94B}">
-                <ma14:wrappingTextBoxFlag xmlns:ma14="http://schemas.microsoft.com/office/mac/drawingml/2011/main" xmlns="" val="1"/>
-              </a:ext>
-            </a:extLst>
-          </p:spPr>
-          <p:txBody>
-            <a:bodyPr wrap="none" lIns="50800" tIns="50800" rIns="50800" bIns="50800" numCol="1" anchor="ctr">
-              <a:spAutoFit/>
-            </a:bodyPr>
-            <a:lstStyle>
-              <a:lvl1pPr>
-                <a:defRPr>
-                  <a:solidFill>
-                    <a:srgbClr val="000000"/>
-                  </a:solidFill>
-                  <a:latin typeface="Helvetica Neue"/>
-                  <a:ea typeface="Helvetica Neue"/>
-                  <a:cs typeface="Helvetica Neue"/>
-                  <a:sym typeface="Helvetica Neue"/>
-                </a:defRPr>
-              </a:lvl1pPr>
-            </a:lstStyle>
-            <a:p>
-              <a:r>
-                <a:t>B</a:t>
-              </a:r>
-            </a:p>
-          </p:txBody>
-        </p:sp>
-      </p:grpSp>
-      <p:grpSp>
-        <p:nvGrpSpPr>
-          <p:cNvPr id="23" name="Group 239">
-            <a:extLst>
-              <a:ext uri="{FF2B5EF4-FFF2-40B4-BE49-F238E27FC236}">
-                <a16:creationId xmlns:a16="http://schemas.microsoft.com/office/drawing/2014/main" id="{008A5F3E-590A-834B-BAEB-36CD572497FB}"/>
-              </a:ext>
-            </a:extLst>
-          </p:cNvPr>
-          <p:cNvGrpSpPr/>
-          <p:nvPr/>
-        </p:nvGrpSpPr>
-        <p:grpSpPr>
-          <a:xfrm>
-            <a:off x="258787" y="3061962"/>
-            <a:ext cx="2956311" cy="1347636"/>
-            <a:chOff x="0" y="0"/>
-            <a:chExt cx="2956310" cy="1347635"/>
-          </a:xfrm>
-        </p:grpSpPr>
-        <p:sp>
-          <p:nvSpPr>
-            <p:cNvPr id="24" name="Shape 234">
-              <a:extLst>
-                <a:ext uri="{FF2B5EF4-FFF2-40B4-BE49-F238E27FC236}">
-                  <a16:creationId xmlns:a16="http://schemas.microsoft.com/office/drawing/2014/main" id="{D3014F23-275D-0E47-97C7-F6DAC58E844D}"/>
-                </a:ext>
-              </a:extLst>
-            </p:cNvPr>
-            <p:cNvSpPr/>
-            <p:nvPr/>
-          </p:nvSpPr>
-          <p:spPr>
-            <a:xfrm>
-              <a:off x="0" y="0"/>
-              <a:ext cx="1476404" cy="1347636"/>
-            </a:xfrm>
-            <a:prstGeom prst="rect">
-              <a:avLst/>
-            </a:prstGeom>
-            <a:solidFill>
-              <a:schemeClr val="accent4">
-                <a:hueOff val="-165171"/>
-                <a:satOff val="-13982"/>
-                <a:lumOff val="-10016"/>
-              </a:schemeClr>
-            </a:solidFill>
-            <a:ln w="12700" cap="flat">
-              <a:noFill/>
-              <a:miter lim="400000"/>
-            </a:ln>
-            <a:effectLst/>
-          </p:spPr>
-          <p:txBody>
-            <a:bodyPr wrap="square" lIns="50800" tIns="50800" rIns="50800" bIns="50800" numCol="1" anchor="ctr">
-              <a:noAutofit/>
-            </a:bodyPr>
-            <a:lstStyle/>
-            <a:p>
-              <a:pPr>
-                <a:defRPr sz="3000">
-                  <a:solidFill>
-                    <a:srgbClr val="FFFFFF"/>
-                  </a:solidFill>
-                  <a:effectLst>
-                    <a:outerShdw blurRad="25400" dist="12700" dir="5400000" rotWithShape="0">
-                      <a:srgbClr val="000000">
-                        <a:alpha val="50000"/>
-                      </a:srgbClr>
-                    </a:outerShdw>
-                  </a:effectLst>
-                </a:defRPr>
-              </a:pPr>
-              <a:endParaRPr/>
-            </a:p>
-          </p:txBody>
-        </p:sp>
-        <p:sp>
-          <p:nvSpPr>
-            <p:cNvPr id="25" name="Shape 235">
-              <a:extLst>
-                <a:ext uri="{FF2B5EF4-FFF2-40B4-BE49-F238E27FC236}">
-                  <a16:creationId xmlns:a16="http://schemas.microsoft.com/office/drawing/2014/main" id="{CED73174-9199-F645-9C1C-4B69140970FF}"/>
-                </a:ext>
-              </a:extLst>
-            </p:cNvPr>
-            <p:cNvSpPr/>
-            <p:nvPr/>
-          </p:nvSpPr>
-          <p:spPr>
-            <a:xfrm>
-              <a:off x="1479907" y="0"/>
-              <a:ext cx="1476404" cy="1347636"/>
-            </a:xfrm>
-            <a:prstGeom prst="rect">
-              <a:avLst/>
-            </a:prstGeom>
-            <a:blipFill rotWithShape="1">
-              <a:blip r:embed="rId2"/>
-              <a:srcRect/>
-              <a:tile tx="0" ty="0" sx="100000" sy="100000" flip="none" algn="tl"/>
-            </a:blipFill>
-            <a:ln w="12700" cap="flat">
-              <a:noFill/>
-              <a:miter lim="400000"/>
-            </a:ln>
-            <a:effectLst/>
-          </p:spPr>
-          <p:txBody>
-            <a:bodyPr wrap="square" lIns="50800" tIns="50800" rIns="50800" bIns="50800" numCol="1" anchor="ctr">
-              <a:noAutofit/>
-            </a:bodyPr>
-            <a:lstStyle/>
-            <a:p>
-              <a:pPr>
-                <a:defRPr sz="3000">
-                  <a:solidFill>
-                    <a:srgbClr val="FFFFFF"/>
-                  </a:solidFill>
-                  <a:effectLst>
-                    <a:outerShdw blurRad="25400" dist="12700" dir="5400000" rotWithShape="0">
-                      <a:srgbClr val="000000">
-                        <a:alpha val="50000"/>
-                      </a:srgbClr>
-                    </a:outerShdw>
-                  </a:effectLst>
-                </a:defRPr>
-              </a:pPr>
-              <a:endParaRPr/>
-            </a:p>
-          </p:txBody>
-        </p:sp>
-        <p:sp>
-          <p:nvSpPr>
-            <p:cNvPr id="26" name="Shape 236">
-              <a:extLst>
-                <a:ext uri="{FF2B5EF4-FFF2-40B4-BE49-F238E27FC236}">
-                  <a16:creationId xmlns:a16="http://schemas.microsoft.com/office/drawing/2014/main" id="{3D924955-ADD0-174F-ADD6-8F0A65C93930}"/>
-                </a:ext>
-              </a:extLst>
-            </p:cNvPr>
-            <p:cNvSpPr/>
-            <p:nvPr/>
-          </p:nvSpPr>
-          <p:spPr>
-            <a:xfrm>
-              <a:off x="654381" y="589998"/>
-              <a:ext cx="167641" cy="167641"/>
-            </a:xfrm>
-            <a:prstGeom prst="ellipse">
-              <a:avLst/>
-            </a:prstGeom>
-            <a:solidFill>
-              <a:srgbClr val="000000"/>
-            </a:solidFill>
-            <a:ln w="12700" cap="flat">
-              <a:noFill/>
-              <a:miter lim="400000"/>
-            </a:ln>
-            <a:effectLst/>
-          </p:spPr>
-          <p:txBody>
-            <a:bodyPr wrap="square" lIns="50800" tIns="50800" rIns="50800" bIns="50800" numCol="1" anchor="ctr">
-              <a:noAutofit/>
-            </a:bodyPr>
-            <a:lstStyle/>
-            <a:p>
-              <a:pPr>
-                <a:defRPr sz="3000">
-                  <a:solidFill>
-                    <a:srgbClr val="FFFFFF"/>
-                  </a:solidFill>
-                  <a:effectLst>
-                    <a:outerShdw blurRad="25400" dist="12700" dir="5400000" rotWithShape="0">
-                      <a:srgbClr val="000000">
-                        <a:alpha val="50000"/>
-                      </a:srgbClr>
-                    </a:outerShdw>
-                  </a:effectLst>
-                </a:defRPr>
-              </a:pPr>
-              <a:endParaRPr/>
-            </a:p>
-          </p:txBody>
-        </p:sp>
-        <p:sp>
-          <p:nvSpPr>
-            <p:cNvPr id="27" name="Shape 237">
-              <a:extLst>
-                <a:ext uri="{FF2B5EF4-FFF2-40B4-BE49-F238E27FC236}">
-                  <a16:creationId xmlns:a16="http://schemas.microsoft.com/office/drawing/2014/main" id="{515143B0-8700-4046-A242-6D17A85119F2}"/>
-                </a:ext>
-              </a:extLst>
-            </p:cNvPr>
-            <p:cNvSpPr/>
-            <p:nvPr/>
-          </p:nvSpPr>
-          <p:spPr>
-            <a:xfrm>
-              <a:off x="2134289" y="589998"/>
-              <a:ext cx="167641" cy="167641"/>
-            </a:xfrm>
-            <a:prstGeom prst="ellipse">
-              <a:avLst/>
-            </a:prstGeom>
-            <a:solidFill>
-              <a:srgbClr val="000000"/>
-            </a:solidFill>
-            <a:ln w="12700" cap="flat">
-              <a:noFill/>
-              <a:miter lim="400000"/>
-            </a:ln>
-            <a:effectLst/>
-          </p:spPr>
-          <p:txBody>
-            <a:bodyPr wrap="square" lIns="50800" tIns="50800" rIns="50800" bIns="50800" numCol="1" anchor="ctr">
-              <a:noAutofit/>
-            </a:bodyPr>
-            <a:lstStyle/>
-            <a:p>
-              <a:pPr>
-                <a:defRPr sz="3000">
-                  <a:solidFill>
-                    <a:srgbClr val="FFFFFF"/>
-                  </a:solidFill>
-                  <a:effectLst>
-                    <a:outerShdw blurRad="25400" dist="12700" dir="5400000" rotWithShape="0">
-                      <a:srgbClr val="000000">
-                        <a:alpha val="50000"/>
-                      </a:srgbClr>
-                    </a:outerShdw>
-                  </a:effectLst>
-                </a:defRPr>
-              </a:pPr>
-              <a:endParaRPr/>
-            </a:p>
-          </p:txBody>
-        </p:sp>
-        <p:sp>
-          <p:nvSpPr>
-            <p:cNvPr id="28" name="Shape 238">
-              <a:extLst>
-                <a:ext uri="{FF2B5EF4-FFF2-40B4-BE49-F238E27FC236}">
-                  <a16:creationId xmlns:a16="http://schemas.microsoft.com/office/drawing/2014/main" id="{30133338-EE20-7A45-B686-4526285F76C3}"/>
-                </a:ext>
-              </a:extLst>
-            </p:cNvPr>
-            <p:cNvSpPr/>
-            <p:nvPr/>
-          </p:nvSpPr>
-          <p:spPr>
-            <a:xfrm>
-              <a:off x="736600" y="673817"/>
-              <a:ext cx="1476403" cy="1"/>
-            </a:xfrm>
-            <a:prstGeom prst="line">
-              <a:avLst/>
-            </a:prstGeom>
-            <a:noFill/>
-            <a:ln w="38100" cap="flat">
-              <a:solidFill>
-                <a:srgbClr val="6F6A5A"/>
-              </a:solidFill>
-              <a:prstDash val="solid"/>
-              <a:miter lim="400000"/>
-            </a:ln>
-            <a:effectLst/>
-          </p:spPr>
-          <p:txBody>
-            <a:bodyPr wrap="square" lIns="50800" tIns="50800" rIns="50800" bIns="50800" numCol="1" anchor="ctr">
-              <a:noAutofit/>
-            </a:bodyPr>
-            <a:lstStyle/>
-            <a:p>
-              <a:pPr>
-                <a:defRPr sz="3000"/>
-              </a:pPr>
-              <a:endParaRPr/>
-            </a:p>
-          </p:txBody>
-        </p:sp>
-      </p:grpSp>
-      <p:sp>
-        <p:nvSpPr>
-          <p:cNvPr id="29" name="Shape 240">
-            <a:extLst>
-              <a:ext uri="{FF2B5EF4-FFF2-40B4-BE49-F238E27FC236}">
-                <a16:creationId xmlns:a16="http://schemas.microsoft.com/office/drawing/2014/main" id="{B03EC3E8-3A15-8949-A9C7-C4AB3CC759D0}"/>
-              </a:ext>
-            </a:extLst>
-          </p:cNvPr>
-          <p:cNvSpPr/>
-          <p:nvPr/>
-        </p:nvSpPr>
-        <p:spPr>
-          <a:xfrm>
-            <a:off x="0" y="3735780"/>
-            <a:ext cx="12192000" cy="0"/>
-          </a:xfrm>
-          <a:prstGeom prst="line">
-            <a:avLst/>
-          </a:prstGeom>
-          <a:ln w="38100">
-            <a:solidFill>
-              <a:srgbClr val="6F6A5A"/>
-            </a:solidFill>
-            <a:miter lim="400000"/>
-          </a:ln>
-        </p:spPr>
-        <p:txBody>
-          <a:bodyPr lIns="50800" tIns="50800" rIns="50800" bIns="50800" anchor="ctr"/>
-          <a:lstStyle/>
-          <a:p>
-            <a:pPr>
-              <a:defRPr sz="3000"/>
-            </a:pPr>
-            <a:endParaRPr/>
-          </a:p>
-        </p:txBody>
-      </p:sp>
-      <p:sp>
-        <p:nvSpPr>
-          <p:cNvPr id="30" name="Shape 241">
-            <a:extLst>
-              <a:ext uri="{FF2B5EF4-FFF2-40B4-BE49-F238E27FC236}">
-                <a16:creationId xmlns:a16="http://schemas.microsoft.com/office/drawing/2014/main" id="{24BE7115-875A-7845-9322-AC1A0AC29BE5}"/>
-              </a:ext>
-            </a:extLst>
-          </p:cNvPr>
-          <p:cNvSpPr/>
-          <p:nvPr/>
-        </p:nvSpPr>
-        <p:spPr>
-          <a:xfrm>
-            <a:off x="1146468" y="1527820"/>
-            <a:ext cx="1180949" cy="634900"/>
-          </a:xfrm>
-          <a:prstGeom prst="rect">
-            <a:avLst/>
-          </a:prstGeom>
-          <a:ln w="12700">
-            <a:miter lim="400000"/>
-          </a:ln>
-          <a:extLst>
-            <a:ext uri="{C572A759-6A51-4108-AA02-DFA0A04FC94B}">
-              <ma14:wrappingTextBoxFlag xmlns:ma14="http://schemas.microsoft.com/office/mac/drawingml/2011/main" xmlns="" val="1"/>
-            </a:ext>
-          </a:extLst>
-        </p:spPr>
-        <p:txBody>
-          <a:bodyPr wrap="none" lIns="50800" tIns="50800" rIns="50800" bIns="50800" anchor="ctr">
-            <a:spAutoFit/>
-          </a:bodyPr>
-          <a:lstStyle>
-            <a:lvl1pPr>
-              <a:defRPr>
-                <a:latin typeface="Helvetica Neue"/>
-                <a:ea typeface="Helvetica Neue"/>
-                <a:cs typeface="Helvetica Neue"/>
-                <a:sym typeface="Helvetica Neue"/>
-              </a:defRPr>
-            </a:lvl1pPr>
-          </a:lstStyle>
-          <a:p>
-            <a:r>
-              <a:rPr dirty="0"/>
-              <a:t>Initial</a:t>
-            </a:r>
-          </a:p>
-        </p:txBody>
-      </p:sp>
-      <p:sp>
-        <p:nvSpPr>
-          <p:cNvPr id="31" name="Shape 242">
-            <a:extLst>
-              <a:ext uri="{FF2B5EF4-FFF2-40B4-BE49-F238E27FC236}">
-                <a16:creationId xmlns:a16="http://schemas.microsoft.com/office/drawing/2014/main" id="{48397352-063F-E448-A917-9B8F049CEC21}"/>
-              </a:ext>
-            </a:extLst>
-          </p:cNvPr>
-          <p:cNvSpPr/>
-          <p:nvPr/>
-        </p:nvSpPr>
-        <p:spPr>
-          <a:xfrm>
-            <a:off x="263780" y="3003783"/>
-            <a:ext cx="410567" cy="634899"/>
-          </a:xfrm>
-          <a:prstGeom prst="rect">
-            <a:avLst/>
-          </a:prstGeom>
-          <a:ln w="12700">
-            <a:miter lim="400000"/>
-          </a:ln>
-          <a:extLst>
-            <a:ext uri="{C572A759-6A51-4108-AA02-DFA0A04FC94B}">
-              <ma14:wrappingTextBoxFlag xmlns:ma14="http://schemas.microsoft.com/office/mac/drawingml/2011/main" xmlns="" val="1"/>
-            </a:ext>
-          </a:extLst>
-        </p:spPr>
-        <p:txBody>
-          <a:bodyPr wrap="none" lIns="50800" tIns="50800" rIns="50800" bIns="50800" anchor="ctr">
-            <a:spAutoFit/>
-          </a:bodyPr>
-          <a:lstStyle>
-            <a:lvl1pPr>
-              <a:defRPr>
-                <a:solidFill>
-                  <a:srgbClr val="000000"/>
-                </a:solidFill>
-                <a:latin typeface="Helvetica Neue"/>
-                <a:ea typeface="Helvetica Neue"/>
-                <a:cs typeface="Helvetica Neue"/>
-                <a:sym typeface="Helvetica Neue"/>
-              </a:defRPr>
-            </a:lvl1pPr>
-          </a:lstStyle>
-          <a:p>
-            <a:r>
-              <a:t>A</a:t>
-            </a:r>
-          </a:p>
-        </p:txBody>
-      </p:sp>
-      <p:sp>
-        <p:nvSpPr>
-          <p:cNvPr id="32" name="Shape 243">
-            <a:extLst>
-              <a:ext uri="{FF2B5EF4-FFF2-40B4-BE49-F238E27FC236}">
-                <a16:creationId xmlns:a16="http://schemas.microsoft.com/office/drawing/2014/main" id="{42EC8905-070D-F24B-9A0D-2B45F2C8FD31}"/>
-              </a:ext>
-            </a:extLst>
-          </p:cNvPr>
-          <p:cNvSpPr/>
-          <p:nvPr/>
-        </p:nvSpPr>
-        <p:spPr>
-          <a:xfrm>
-            <a:off x="2787615" y="3832878"/>
-            <a:ext cx="427483" cy="634899"/>
-          </a:xfrm>
-          <a:prstGeom prst="rect">
-            <a:avLst/>
-          </a:prstGeom>
-          <a:ln w="12700">
-            <a:miter lim="400000"/>
-          </a:ln>
-          <a:extLst>
-            <a:ext uri="{C572A759-6A51-4108-AA02-DFA0A04FC94B}">
-              <ma14:wrappingTextBoxFlag xmlns:ma14="http://schemas.microsoft.com/office/mac/drawingml/2011/main" xmlns="" val="1"/>
-            </a:ext>
-          </a:extLst>
-        </p:spPr>
-        <p:txBody>
-          <a:bodyPr wrap="none" lIns="50800" tIns="50800" rIns="50800" bIns="50800" anchor="ctr">
-            <a:spAutoFit/>
-          </a:bodyPr>
-          <a:lstStyle>
-            <a:lvl1pPr>
-              <a:defRPr>
-                <a:solidFill>
-                  <a:srgbClr val="000000"/>
-                </a:solidFill>
-                <a:latin typeface="Helvetica Neue"/>
-                <a:ea typeface="Helvetica Neue"/>
-                <a:cs typeface="Helvetica Neue"/>
-                <a:sym typeface="Helvetica Neue"/>
-              </a:defRPr>
-            </a:lvl1pPr>
-          </a:lstStyle>
-          <a:p>
-            <a:r>
-              <a:t>B</a:t>
-            </a:r>
-          </a:p>
-        </p:txBody>
-      </p:sp>
-      <p:sp>
-        <p:nvSpPr>
-          <p:cNvPr id="33" name="TextBox 32">
-            <a:extLst>
-              <a:ext uri="{FF2B5EF4-FFF2-40B4-BE49-F238E27FC236}">
-                <a16:creationId xmlns:a16="http://schemas.microsoft.com/office/drawing/2014/main" id="{5147DCBB-1B6C-4C40-A3A4-27EC11963AE0}"/>
-              </a:ext>
-            </a:extLst>
-          </p:cNvPr>
-          <p:cNvSpPr txBox="1"/>
-          <p:nvPr/>
-        </p:nvSpPr>
-        <p:spPr>
-          <a:xfrm>
-            <a:off x="2280857" y="333627"/>
-            <a:ext cx="7630286" cy="523220"/>
-          </a:xfrm>
-          <a:prstGeom prst="rect">
-            <a:avLst/>
-          </a:prstGeom>
-          <a:noFill/>
-        </p:spPr>
-        <p:txBody>
-          <a:bodyPr wrap="square" rtlCol="0">
-            <a:spAutoFit/>
-          </a:bodyPr>
-          <a:lstStyle/>
-          <a:p>
-            <a:pPr algn="ctr"/>
-            <a:r>
-              <a:rPr lang="en-US" sz="2800" b="1" dirty="0">
-                <a:solidFill>
-                  <a:srgbClr val="000090"/>
-                </a:solidFill>
-              </a:rPr>
-              <a:t>Reference frames and relative motion</a:t>
-            </a:r>
-            <a:endParaRPr lang="en-US" sz="2400" b="1" dirty="0">
-              <a:solidFill>
-                <a:srgbClr val="008000"/>
-              </a:solidFill>
-            </a:endParaRPr>
-          </a:p>
-        </p:txBody>
-      </p:sp>
-    </p:spTree>
-    <p:extLst>
-      <p:ext uri="{BB962C8B-B14F-4D97-AF65-F5344CB8AC3E}">
-        <p14:creationId xmlns:p14="http://schemas.microsoft.com/office/powerpoint/2010/main" val="4086498748"/>
-      </p:ext>
-    </p:extLst>
-  </p:cSld>
-  <p:clrMapOvr>
-    <a:masterClrMapping/>
-  </p:clrMapOvr>
-  <p:timing>
-    <p:tnLst>
-      <p:par>
-        <p:cTn id="1" dur="indefinite" restart="never" nodeType="tmRoot">
-          <p:childTnLst>
-            <p:seq concurrent="1" nextAc="seek">
-              <p:cTn id="2" dur="indefinite" nodeType="mainSeq">
-                <p:childTnLst>
-                  <p:par>
-                    <p:cTn id="3" fill="hold">
-                      <p:stCondLst>
-                        <p:cond delay="indefinite"/>
-                      </p:stCondLst>
-                      <p:childTnLst>
-                        <p:par>
-                          <p:cTn id="4" fill="hold">
-                            <p:stCondLst>
-                              <p:cond delay="0"/>
-                            </p:stCondLst>
-                            <p:childTnLst>
-                              <p:par>
-                                <p:cTn id="5" presetID="1" presetClass="entr" presetSubtype="0" fill="hold" grpId="0" nodeType="clickEffect">
-                                  <p:stCondLst>
-                                    <p:cond delay="0"/>
-                                  </p:stCondLst>
-                                  <p:iterate>
-                                    <p:tmAbs val="0"/>
-                                  </p:iterate>
-                                  <p:childTnLst>
-                                    <p:set>
-                                      <p:cBhvr>
-                                        <p:cTn id="6" fill="hold"/>
-                                        <p:tgtEl>
-                                          <p:spTgt spid="12"/>
-                                        </p:tgtEl>
-                                        <p:attrNameLst>
-                                          <p:attrName>style.visibility</p:attrName>
-                                        </p:attrNameLst>
-                                      </p:cBhvr>
-                                      <p:to>
-                                        <p:strVal val="visible"/>
-                                      </p:to>
-                                    </p:set>
-                                  </p:childTnLst>
-                                </p:cTn>
-                              </p:par>
-                            </p:childTnLst>
-                          </p:cTn>
-                        </p:par>
-                      </p:childTnLst>
-                    </p:cTn>
-                  </p:par>
-                  <p:par>
-                    <p:cTn id="7" fill="hold">
-                      <p:stCondLst>
-                        <p:cond delay="indefinite"/>
-                      </p:stCondLst>
-                      <p:childTnLst>
-                        <p:par>
-                          <p:cTn id="8" fill="hold">
-                            <p:stCondLst>
-                              <p:cond delay="0"/>
-                            </p:stCondLst>
-                            <p:childTnLst>
-                              <p:par>
-                                <p:cTn id="9" presetID="1" presetClass="entr" presetSubtype="0" fill="hold" grpId="0" nodeType="clickEffect">
-                                  <p:stCondLst>
-                                    <p:cond delay="0"/>
-                                  </p:stCondLst>
-                                  <p:iterate>
-                                    <p:tmAbs val="0"/>
-                                  </p:iterate>
-                                  <p:childTnLst>
-                                    <p:set>
-                                      <p:cBhvr>
-                                        <p:cTn id="10" fill="hold"/>
-                                        <p:tgtEl>
-                                          <p:spTgt spid="2"/>
-                                        </p:tgtEl>
-                                        <p:attrNameLst>
-                                          <p:attrName>style.visibility</p:attrName>
-                                        </p:attrNameLst>
-                                      </p:cBhvr>
-                                      <p:to>
-                                        <p:strVal val="visible"/>
-                                      </p:to>
-                                    </p:set>
-                                  </p:childTnLst>
-                                </p:cTn>
-                              </p:par>
-                            </p:childTnLst>
-                          </p:cTn>
-                        </p:par>
-                      </p:childTnLst>
-                    </p:cTn>
-                  </p:par>
-                </p:childTnLst>
-              </p:cTn>
-              <p:prevCondLst>
-                <p:cond evt="onPrev" delay="0">
-                  <p:tgtEl>
-                    <p:sldTgt/>
-                  </p:tgtEl>
-                </p:cond>
-              </p:prevCondLst>
-              <p:nextCondLst>
-                <p:cond evt="onNext" delay="0">
-                  <p:tgtEl>
-                    <p:sldTgt/>
-                  </p:tgtEl>
-                </p:cond>
-              </p:nextCondLst>
-            </p:seq>
-          </p:childTnLst>
-        </p:cTn>
-      </p:par>
-    </p:tnLst>
-    <p:bldLst>
-      <p:bldP spid="2" grpId="0" animBg="1" advAuto="0"/>
-      <p:bldP spid="12" grpId="0" animBg="1" advAuto="0"/>
-    </p:bldLst>
-  </p:timing>
-</p:sld>
-</file>
-
-<file path=ppt/slides/slide23.xml><?xml version="1.0" encoding="utf-8"?>
-<p:sld xmlns:a="http://schemas.openxmlformats.org/drawingml/2006/main" xmlns:r="http://schemas.openxmlformats.org/officeDocument/2006/relationships" xmlns:p="http://schemas.openxmlformats.org/presentationml/2006/main">
-  <p:cSld>
-    <p:spTree>
-      <p:nvGrpSpPr>
-        <p:cNvPr id="1" name=""/>
-        <p:cNvGrpSpPr/>
-        <p:nvPr/>
-      </p:nvGrpSpPr>
-      <p:grpSpPr>
-        <a:xfrm>
-          <a:off x="0" y="0"/>
-          <a:ext cx="0" cy="0"/>
-          <a:chOff x="0" y="0"/>
-          <a:chExt cx="0" cy="0"/>
-        </a:xfrm>
-      </p:grpSpPr>
-      <p:pic>
-        <p:nvPicPr>
-          <p:cNvPr id="2" name="pasted-image.pdf">
-            <a:extLst>
-              <a:ext uri="{FF2B5EF4-FFF2-40B4-BE49-F238E27FC236}">
-                <a16:creationId xmlns:a16="http://schemas.microsoft.com/office/drawing/2014/main" id="{D61A69C7-51F2-8544-AE1F-9C0A952D83F5}"/>
-              </a:ext>
-            </a:extLst>
-          </p:cNvPr>
-          <p:cNvPicPr>
-            <a:picLocks noChangeAspect="1"/>
-          </p:cNvPicPr>
-          <p:nvPr/>
-        </p:nvPicPr>
-        <p:blipFill>
-          <a:blip r:embed="rId2"/>
-          <a:stretch>
-            <a:fillRect/>
-          </a:stretch>
-        </p:blipFill>
-        <p:spPr>
-          <a:xfrm>
-            <a:off x="5232399" y="1978695"/>
-            <a:ext cx="863601" cy="393701"/>
-          </a:xfrm>
-          <a:prstGeom prst="rect">
-            <a:avLst/>
-          </a:prstGeom>
-          <a:ln w="12700">
-            <a:miter lim="400000"/>
-          </a:ln>
-        </p:spPr>
-      </p:pic>
-      <p:pic>
-        <p:nvPicPr>
-          <p:cNvPr id="3" name="pasted-image.pdf">
-            <a:extLst>
-              <a:ext uri="{FF2B5EF4-FFF2-40B4-BE49-F238E27FC236}">
-                <a16:creationId xmlns:a16="http://schemas.microsoft.com/office/drawing/2014/main" id="{25D4BEF3-FDD1-6F4E-A9A2-E6547AABB43D}"/>
-              </a:ext>
-            </a:extLst>
-          </p:cNvPr>
-          <p:cNvPicPr>
-            <a:picLocks noChangeAspect="1"/>
-          </p:cNvPicPr>
-          <p:nvPr/>
-        </p:nvPicPr>
-        <p:blipFill>
-          <a:blip r:embed="rId3"/>
-          <a:stretch>
-            <a:fillRect/>
-          </a:stretch>
-        </p:blipFill>
-        <p:spPr>
-          <a:xfrm>
-            <a:off x="7509271" y="1978695"/>
-            <a:ext cx="876301" cy="393701"/>
-          </a:xfrm>
-          <a:prstGeom prst="rect">
-            <a:avLst/>
-          </a:prstGeom>
-          <a:ln w="12700">
-            <a:miter lim="400000"/>
-          </a:ln>
-        </p:spPr>
-      </p:pic>
-      <p:pic>
-        <p:nvPicPr>
-          <p:cNvPr id="4" name="pasted-image.pdf">
-            <a:extLst>
-              <a:ext uri="{FF2B5EF4-FFF2-40B4-BE49-F238E27FC236}">
-                <a16:creationId xmlns:a16="http://schemas.microsoft.com/office/drawing/2014/main" id="{D8F4CA18-93CE-5C4B-9735-BD158ADE2687}"/>
-              </a:ext>
-            </a:extLst>
-          </p:cNvPr>
-          <p:cNvPicPr>
-            <a:picLocks noChangeAspect="1"/>
-          </p:cNvPicPr>
-          <p:nvPr/>
-        </p:nvPicPr>
-        <p:blipFill>
-          <a:blip r:embed="rId4"/>
-          <a:stretch>
-            <a:fillRect/>
-          </a:stretch>
-        </p:blipFill>
-        <p:spPr>
-          <a:xfrm>
-            <a:off x="6214714" y="5090195"/>
-            <a:ext cx="863601" cy="393701"/>
-          </a:xfrm>
-          <a:prstGeom prst="rect">
-            <a:avLst/>
-          </a:prstGeom>
-          <a:ln w="12700">
-            <a:miter lim="400000"/>
-          </a:ln>
-        </p:spPr>
-      </p:pic>
-      <p:sp>
-        <p:nvSpPr>
-          <p:cNvPr id="5" name="Shape 251">
-            <a:extLst>
-              <a:ext uri="{FF2B5EF4-FFF2-40B4-BE49-F238E27FC236}">
-                <a16:creationId xmlns:a16="http://schemas.microsoft.com/office/drawing/2014/main" id="{B5D25243-28D9-8F4B-9171-1E52D15E39D4}"/>
-              </a:ext>
-            </a:extLst>
-          </p:cNvPr>
-          <p:cNvSpPr/>
-          <p:nvPr/>
-        </p:nvSpPr>
-        <p:spPr>
-          <a:xfrm>
-            <a:off x="5226049" y="5012979"/>
-            <a:ext cx="876301" cy="548133"/>
-          </a:xfrm>
-          <a:prstGeom prst="rect">
-            <a:avLst/>
-          </a:prstGeom>
-          <a:ln w="12700">
-            <a:miter lim="400000"/>
-          </a:ln>
-          <a:extLst>
-            <a:ext uri="{C572A759-6A51-4108-AA02-DFA0A04FC94B}">
-              <ma14:wrappingTextBoxFlag xmlns:ma14="http://schemas.microsoft.com/office/mac/drawingml/2011/main" xmlns="" val="1"/>
-            </a:ext>
-          </a:extLst>
-        </p:spPr>
-        <p:txBody>
-          <a:bodyPr lIns="50800" tIns="50800" rIns="50800" bIns="50800" anchor="ctr">
-            <a:spAutoFit/>
-          </a:bodyPr>
-          <a:lstStyle>
-            <a:lvl1pPr>
-              <a:defRPr sz="3000">
-                <a:solidFill>
-                  <a:srgbClr val="000000"/>
-                </a:solidFill>
-                <a:latin typeface="Helvetica Neue"/>
-                <a:ea typeface="Helvetica Neue"/>
-                <a:cs typeface="Helvetica Neue"/>
-                <a:sym typeface="Helvetica Neue"/>
-              </a:defRPr>
-            </a:lvl1pPr>
-          </a:lstStyle>
-          <a:p>
-            <a:r>
-              <a:t>Find</a:t>
-            </a:r>
-          </a:p>
-        </p:txBody>
-      </p:sp>
-      <p:grpSp>
-        <p:nvGrpSpPr>
-          <p:cNvPr id="8" name="Group 268">
-            <a:extLst>
-              <a:ext uri="{FF2B5EF4-FFF2-40B4-BE49-F238E27FC236}">
-                <a16:creationId xmlns:a16="http://schemas.microsoft.com/office/drawing/2014/main" id="{CF0DA057-D5BB-F741-A0BC-DB73F5E60E7F}"/>
-              </a:ext>
-            </a:extLst>
-          </p:cNvPr>
-          <p:cNvGrpSpPr/>
-          <p:nvPr/>
-        </p:nvGrpSpPr>
-        <p:grpSpPr>
-          <a:xfrm>
-            <a:off x="3379539" y="2578898"/>
-            <a:ext cx="6887463" cy="2097581"/>
-            <a:chOff x="0" y="0"/>
-            <a:chExt cx="6887462" cy="2097579"/>
-          </a:xfrm>
-        </p:grpSpPr>
-        <p:sp>
-          <p:nvSpPr>
-            <p:cNvPr id="9" name="Shape 254">
-              <a:extLst>
-                <a:ext uri="{FF2B5EF4-FFF2-40B4-BE49-F238E27FC236}">
-                  <a16:creationId xmlns:a16="http://schemas.microsoft.com/office/drawing/2014/main" id="{4110643D-7F7E-F14A-808D-3CE00BF0E78E}"/>
-                </a:ext>
-              </a:extLst>
-            </p:cNvPr>
-            <p:cNvSpPr/>
-            <p:nvPr/>
-          </p:nvSpPr>
-          <p:spPr>
-            <a:xfrm>
-              <a:off x="0" y="0"/>
-              <a:ext cx="2298005" cy="2097580"/>
-            </a:xfrm>
-            <a:prstGeom prst="rect">
-              <a:avLst/>
-            </a:prstGeom>
-            <a:solidFill>
-              <a:schemeClr val="accent4">
-                <a:hueOff val="-165171"/>
-                <a:satOff val="-13982"/>
-                <a:lumOff val="-10016"/>
-              </a:schemeClr>
-            </a:solidFill>
-            <a:ln w="12700" cap="flat">
-              <a:noFill/>
-              <a:miter lim="400000"/>
-            </a:ln>
-            <a:effectLst/>
-          </p:spPr>
-          <p:txBody>
-            <a:bodyPr wrap="square" lIns="50800" tIns="50800" rIns="50800" bIns="50800" numCol="1" anchor="ctr">
-              <a:noAutofit/>
-            </a:bodyPr>
-            <a:lstStyle/>
-            <a:p>
-              <a:pPr>
-                <a:defRPr sz="3000">
-                  <a:solidFill>
-                    <a:srgbClr val="FFFFFF"/>
-                  </a:solidFill>
-                  <a:effectLst>
-                    <a:outerShdw blurRad="25400" dist="12700" dir="5400000" rotWithShape="0">
-                      <a:srgbClr val="000000">
-                        <a:alpha val="50000"/>
-                      </a:srgbClr>
-                    </a:outerShdw>
-                  </a:effectLst>
-                </a:defRPr>
-              </a:pPr>
-              <a:endParaRPr/>
-            </a:p>
-          </p:txBody>
-        </p:sp>
-        <p:sp>
-          <p:nvSpPr>
-            <p:cNvPr id="10" name="Shape 255">
-              <a:extLst>
-                <a:ext uri="{FF2B5EF4-FFF2-40B4-BE49-F238E27FC236}">
-                  <a16:creationId xmlns:a16="http://schemas.microsoft.com/office/drawing/2014/main" id="{153341C4-EE1F-234E-AA17-1A5CF467D4DF}"/>
-                </a:ext>
-              </a:extLst>
-            </p:cNvPr>
-            <p:cNvSpPr/>
-            <p:nvPr/>
-          </p:nvSpPr>
-          <p:spPr>
-            <a:xfrm>
-              <a:off x="2290758" y="0"/>
-              <a:ext cx="2298005" cy="2097580"/>
-            </a:xfrm>
-            <a:prstGeom prst="rect">
-              <a:avLst/>
-            </a:prstGeom>
-            <a:blipFill rotWithShape="1">
-              <a:blip r:embed="rId5"/>
-              <a:srcRect/>
-              <a:tile tx="0" ty="0" sx="100000" sy="100000" flip="none" algn="tl"/>
-            </a:blipFill>
-            <a:ln w="12700" cap="flat">
-              <a:noFill/>
-              <a:miter lim="400000"/>
-            </a:ln>
-            <a:effectLst/>
-          </p:spPr>
-          <p:txBody>
-            <a:bodyPr wrap="square" lIns="50800" tIns="50800" rIns="50800" bIns="50800" numCol="1" anchor="ctr">
-              <a:noAutofit/>
-            </a:bodyPr>
-            <a:lstStyle/>
-            <a:p>
-              <a:pPr>
-                <a:defRPr sz="3000">
-                  <a:solidFill>
-                    <a:srgbClr val="FFFFFF"/>
-                  </a:solidFill>
-                  <a:effectLst>
-                    <a:outerShdw blurRad="25400" dist="12700" dir="5400000" rotWithShape="0">
-                      <a:srgbClr val="000000">
-                        <a:alpha val="50000"/>
-                      </a:srgbClr>
-                    </a:outerShdw>
-                  </a:effectLst>
-                </a:defRPr>
-              </a:pPr>
-              <a:endParaRPr/>
-            </a:p>
-          </p:txBody>
-        </p:sp>
-        <p:sp>
-          <p:nvSpPr>
-            <p:cNvPr id="11" name="Shape 256">
-              <a:extLst>
-                <a:ext uri="{FF2B5EF4-FFF2-40B4-BE49-F238E27FC236}">
-                  <a16:creationId xmlns:a16="http://schemas.microsoft.com/office/drawing/2014/main" id="{839335A2-1DB0-894A-A92D-BB48A0F45ACB}"/>
-                </a:ext>
-              </a:extLst>
-            </p:cNvPr>
-            <p:cNvSpPr/>
-            <p:nvPr/>
-          </p:nvSpPr>
-          <p:spPr>
-            <a:xfrm>
-              <a:off x="4589458" y="0"/>
-              <a:ext cx="2298005" cy="2097580"/>
-            </a:xfrm>
-            <a:prstGeom prst="rect">
-              <a:avLst/>
-            </a:prstGeom>
-            <a:blipFill rotWithShape="1">
-              <a:blip r:embed="rId6"/>
-              <a:srcRect/>
-              <a:tile tx="0" ty="0" sx="100000" sy="100000" flip="none" algn="tl"/>
-            </a:blipFill>
-            <a:ln w="12700" cap="flat">
-              <a:noFill/>
-              <a:miter lim="400000"/>
-            </a:ln>
-            <a:effectLst/>
-          </p:spPr>
-          <p:txBody>
-            <a:bodyPr wrap="square" lIns="50800" tIns="50800" rIns="50800" bIns="50800" numCol="1" anchor="ctr">
-              <a:noAutofit/>
-            </a:bodyPr>
-            <a:lstStyle/>
-            <a:p>
-              <a:pPr>
-                <a:defRPr sz="3000">
-                  <a:solidFill>
-                    <a:srgbClr val="FFFFFF"/>
-                  </a:solidFill>
-                  <a:effectLst>
-                    <a:outerShdw blurRad="25400" dist="12700" dir="5400000" rotWithShape="0">
-                      <a:srgbClr val="000000">
-                        <a:alpha val="50000"/>
-                      </a:srgbClr>
-                    </a:outerShdw>
-                  </a:effectLst>
-                </a:defRPr>
-              </a:pPr>
-              <a:endParaRPr/>
-            </a:p>
-          </p:txBody>
-        </p:sp>
-        <p:sp>
-          <p:nvSpPr>
-            <p:cNvPr id="12" name="Shape 257">
-              <a:extLst>
-                <a:ext uri="{FF2B5EF4-FFF2-40B4-BE49-F238E27FC236}">
-                  <a16:creationId xmlns:a16="http://schemas.microsoft.com/office/drawing/2014/main" id="{EF20F8A1-1E7F-C64D-9996-F527F47C3AE4}"/>
-                </a:ext>
-              </a:extLst>
-            </p:cNvPr>
-            <p:cNvSpPr/>
-            <p:nvPr/>
-          </p:nvSpPr>
-          <p:spPr>
-            <a:xfrm flipH="1" flipV="1">
-              <a:off x="1955929" y="306006"/>
-              <a:ext cx="355472" cy="1"/>
-            </a:xfrm>
-            <a:prstGeom prst="line">
-              <a:avLst/>
-            </a:prstGeom>
-            <a:noFill/>
-            <a:ln w="38100" cap="flat">
-              <a:solidFill>
-                <a:srgbClr val="000000"/>
-              </a:solidFill>
-              <a:prstDash val="solid"/>
-              <a:miter lim="400000"/>
-              <a:tailEnd type="triangle" w="med" len="med"/>
-            </a:ln>
-            <a:effectLst/>
-          </p:spPr>
-          <p:txBody>
-            <a:bodyPr wrap="square" lIns="50800" tIns="50800" rIns="50800" bIns="50800" numCol="1" anchor="ctr">
-              <a:noAutofit/>
-            </a:bodyPr>
-            <a:lstStyle/>
-            <a:p>
-              <a:pPr>
-                <a:defRPr sz="3000"/>
-              </a:pPr>
-              <a:endParaRPr/>
-            </a:p>
-          </p:txBody>
-        </p:sp>
-        <p:sp>
-          <p:nvSpPr>
-            <p:cNvPr id="13" name="Shape 258">
-              <a:extLst>
-                <a:ext uri="{FF2B5EF4-FFF2-40B4-BE49-F238E27FC236}">
-                  <a16:creationId xmlns:a16="http://schemas.microsoft.com/office/drawing/2014/main" id="{D6486B7F-4F12-C642-80BF-9D509F82F1FF}"/>
-                </a:ext>
-              </a:extLst>
-            </p:cNvPr>
-            <p:cNvSpPr/>
-            <p:nvPr/>
-          </p:nvSpPr>
-          <p:spPr>
-            <a:xfrm>
-              <a:off x="2311400" y="306006"/>
-              <a:ext cx="355472" cy="1"/>
-            </a:xfrm>
-            <a:prstGeom prst="line">
-              <a:avLst/>
-            </a:prstGeom>
-            <a:noFill/>
-            <a:ln w="38100" cap="flat">
-              <a:solidFill>
-                <a:srgbClr val="000000"/>
-              </a:solidFill>
-              <a:prstDash val="solid"/>
-              <a:miter lim="400000"/>
-              <a:tailEnd type="triangle" w="med" len="med"/>
-            </a:ln>
-            <a:effectLst/>
-          </p:spPr>
-          <p:txBody>
-            <a:bodyPr wrap="square" lIns="50800" tIns="50800" rIns="50800" bIns="50800" numCol="1" anchor="ctr">
-              <a:noAutofit/>
-            </a:bodyPr>
-            <a:lstStyle/>
-            <a:p>
-              <a:pPr>
-                <a:defRPr sz="3000"/>
-              </a:pPr>
-              <a:endParaRPr/>
-            </a:p>
-          </p:txBody>
-        </p:sp>
-        <p:sp>
-          <p:nvSpPr>
-            <p:cNvPr id="14" name="Shape 259">
-              <a:extLst>
-                <a:ext uri="{FF2B5EF4-FFF2-40B4-BE49-F238E27FC236}">
-                  <a16:creationId xmlns:a16="http://schemas.microsoft.com/office/drawing/2014/main" id="{DDDD43D3-1B04-364D-BE73-500348B2B6C0}"/>
-                </a:ext>
-              </a:extLst>
-            </p:cNvPr>
-            <p:cNvSpPr/>
-            <p:nvPr/>
-          </p:nvSpPr>
-          <p:spPr>
-            <a:xfrm flipH="1" flipV="1">
-              <a:off x="4229229" y="306006"/>
-              <a:ext cx="355472" cy="1"/>
-            </a:xfrm>
-            <a:prstGeom prst="line">
-              <a:avLst/>
-            </a:prstGeom>
-            <a:noFill/>
-            <a:ln w="38100" cap="flat">
-              <a:solidFill>
-                <a:srgbClr val="000000"/>
-              </a:solidFill>
-              <a:prstDash val="solid"/>
-              <a:miter lim="400000"/>
-              <a:tailEnd type="triangle" w="med" len="med"/>
-            </a:ln>
-            <a:effectLst/>
-          </p:spPr>
-          <p:txBody>
-            <a:bodyPr wrap="square" lIns="50800" tIns="50800" rIns="50800" bIns="50800" numCol="1" anchor="ctr">
-              <a:noAutofit/>
-            </a:bodyPr>
-            <a:lstStyle/>
-            <a:p>
-              <a:pPr>
-                <a:defRPr sz="3000"/>
-              </a:pPr>
-              <a:endParaRPr/>
-            </a:p>
-          </p:txBody>
-        </p:sp>
-        <p:sp>
-          <p:nvSpPr>
-            <p:cNvPr id="15" name="Shape 260">
-              <a:extLst>
-                <a:ext uri="{FF2B5EF4-FFF2-40B4-BE49-F238E27FC236}">
-                  <a16:creationId xmlns:a16="http://schemas.microsoft.com/office/drawing/2014/main" id="{C387FA19-9E43-204A-9A99-9724C31FE4AE}"/>
-                </a:ext>
-              </a:extLst>
-            </p:cNvPr>
-            <p:cNvSpPr/>
-            <p:nvPr/>
-          </p:nvSpPr>
-          <p:spPr>
-            <a:xfrm>
-              <a:off x="4584700" y="306006"/>
-              <a:ext cx="355472" cy="1"/>
-            </a:xfrm>
-            <a:prstGeom prst="line">
-              <a:avLst/>
-            </a:prstGeom>
-            <a:noFill/>
-            <a:ln w="38100" cap="flat">
-              <a:solidFill>
-                <a:srgbClr val="000000"/>
-              </a:solidFill>
-              <a:prstDash val="solid"/>
-              <a:miter lim="400000"/>
-              <a:tailEnd type="triangle" w="med" len="med"/>
-            </a:ln>
-            <a:effectLst/>
-          </p:spPr>
-          <p:txBody>
-            <a:bodyPr wrap="square" lIns="50800" tIns="50800" rIns="50800" bIns="50800" numCol="1" anchor="ctr">
-              <a:noAutofit/>
-            </a:bodyPr>
-            <a:lstStyle/>
-            <a:p>
-              <a:pPr>
-                <a:defRPr sz="3000"/>
-              </a:pPr>
-              <a:endParaRPr/>
-            </a:p>
-          </p:txBody>
-        </p:sp>
-        <p:sp>
-          <p:nvSpPr>
-            <p:cNvPr id="16" name="Shape 261">
-              <a:extLst>
-                <a:ext uri="{FF2B5EF4-FFF2-40B4-BE49-F238E27FC236}">
-                  <a16:creationId xmlns:a16="http://schemas.microsoft.com/office/drawing/2014/main" id="{63E5BF49-789F-7B4E-81E7-2719DFE0A865}"/>
-                </a:ext>
-              </a:extLst>
-            </p:cNvPr>
-            <p:cNvSpPr/>
-            <p:nvPr/>
-          </p:nvSpPr>
-          <p:spPr>
-            <a:xfrm>
-              <a:off x="1577981" y="515346"/>
-              <a:ext cx="1413359" cy="461367"/>
-            </a:xfrm>
-            <a:prstGeom prst="rect">
-              <a:avLst/>
-            </a:prstGeom>
-            <a:noFill/>
-            <a:ln w="12700" cap="flat">
-              <a:noFill/>
-              <a:miter lim="400000"/>
-            </a:ln>
-            <a:effectLst/>
-            <a:extLst>
-              <a:ext uri="{C572A759-6A51-4108-AA02-DFA0A04FC94B}">
-                <ma14:wrappingTextBoxFlag xmlns:ma14="http://schemas.microsoft.com/office/mac/drawingml/2011/main" xmlns="" val="1"/>
-              </a:ext>
-            </a:extLst>
-          </p:spPr>
-          <p:txBody>
-            <a:bodyPr wrap="none" lIns="50800" tIns="50800" rIns="50800" bIns="50800" numCol="1" anchor="ctr">
-              <a:spAutoFit/>
-            </a:bodyPr>
-            <a:lstStyle>
-              <a:lvl1pPr>
-                <a:defRPr sz="2400">
-                  <a:solidFill>
-                    <a:srgbClr val="000000"/>
-                  </a:solidFill>
-                  <a:latin typeface="Helvetica Neue"/>
-                  <a:ea typeface="Helvetica Neue"/>
-                  <a:cs typeface="Helvetica Neue"/>
-                  <a:sym typeface="Helvetica Neue"/>
-                </a:defRPr>
-              </a:lvl1pPr>
-            </a:lstStyle>
-            <a:p>
-              <a:r>
-                <a:t>10 mm/yr</a:t>
-              </a:r>
-            </a:p>
-          </p:txBody>
-        </p:sp>
-        <p:sp>
-          <p:nvSpPr>
-            <p:cNvPr id="17" name="Shape 262">
-              <a:extLst>
-                <a:ext uri="{FF2B5EF4-FFF2-40B4-BE49-F238E27FC236}">
-                  <a16:creationId xmlns:a16="http://schemas.microsoft.com/office/drawing/2014/main" id="{2FC118A8-D5C8-ED40-A01B-54650DA652DE}"/>
-                </a:ext>
-              </a:extLst>
-            </p:cNvPr>
-            <p:cNvSpPr/>
-            <p:nvPr/>
-          </p:nvSpPr>
-          <p:spPr>
-            <a:xfrm>
-              <a:off x="4055756" y="515346"/>
-              <a:ext cx="1413359" cy="461367"/>
-            </a:xfrm>
-            <a:prstGeom prst="rect">
-              <a:avLst/>
-            </a:prstGeom>
-            <a:noFill/>
-            <a:ln w="12700" cap="flat">
-              <a:noFill/>
-              <a:miter lim="400000"/>
-            </a:ln>
-            <a:effectLst/>
-            <a:extLst>
-              <a:ext uri="{C572A759-6A51-4108-AA02-DFA0A04FC94B}">
-                <ma14:wrappingTextBoxFlag xmlns:ma14="http://schemas.microsoft.com/office/mac/drawingml/2011/main" xmlns="" val="1"/>
-              </a:ext>
-            </a:extLst>
-          </p:spPr>
-          <p:txBody>
-            <a:bodyPr wrap="none" lIns="50800" tIns="50800" rIns="50800" bIns="50800" numCol="1" anchor="ctr">
-              <a:spAutoFit/>
-            </a:bodyPr>
-            <a:lstStyle>
-              <a:lvl1pPr>
-                <a:defRPr sz="2400">
-                  <a:solidFill>
-                    <a:srgbClr val="000000"/>
-                  </a:solidFill>
-                  <a:latin typeface="Helvetica Neue"/>
-                  <a:ea typeface="Helvetica Neue"/>
-                  <a:cs typeface="Helvetica Neue"/>
-                  <a:sym typeface="Helvetica Neue"/>
-                </a:defRPr>
-              </a:lvl1pPr>
-            </a:lstStyle>
-            <a:p>
-              <a:r>
-                <a:t>15 mm/yr</a:t>
-              </a:r>
-            </a:p>
-          </p:txBody>
-        </p:sp>
-        <p:sp>
-          <p:nvSpPr>
-            <p:cNvPr id="18" name="Shape 263">
-              <a:extLst>
-                <a:ext uri="{FF2B5EF4-FFF2-40B4-BE49-F238E27FC236}">
-                  <a16:creationId xmlns:a16="http://schemas.microsoft.com/office/drawing/2014/main" id="{BB000CA0-00EC-644B-98B1-8FB952F8B89F}"/>
-                </a:ext>
-              </a:extLst>
-            </p:cNvPr>
-            <p:cNvSpPr/>
-            <p:nvPr/>
-          </p:nvSpPr>
-          <p:spPr>
-            <a:xfrm>
-              <a:off x="943719" y="731340"/>
-              <a:ext cx="410566" cy="634900"/>
-            </a:xfrm>
-            <a:prstGeom prst="rect">
-              <a:avLst/>
-            </a:prstGeom>
-            <a:noFill/>
-            <a:ln w="12700" cap="flat">
-              <a:noFill/>
-              <a:miter lim="400000"/>
-            </a:ln>
-            <a:effectLst/>
-            <a:extLst>
-              <a:ext uri="{C572A759-6A51-4108-AA02-DFA0A04FC94B}">
-                <ma14:wrappingTextBoxFlag xmlns:ma14="http://schemas.microsoft.com/office/mac/drawingml/2011/main" xmlns="" val="1"/>
-              </a:ext>
-            </a:extLst>
-          </p:spPr>
-          <p:txBody>
-            <a:bodyPr wrap="none" lIns="50800" tIns="50800" rIns="50800" bIns="50800" numCol="1" anchor="ctr">
-              <a:spAutoFit/>
-            </a:bodyPr>
-            <a:lstStyle>
-              <a:lvl1pPr>
-                <a:defRPr>
-                  <a:solidFill>
-                    <a:srgbClr val="000000"/>
-                  </a:solidFill>
-                  <a:latin typeface="Helvetica Neue"/>
-                  <a:ea typeface="Helvetica Neue"/>
-                  <a:cs typeface="Helvetica Neue"/>
-                  <a:sym typeface="Helvetica Neue"/>
-                </a:defRPr>
-              </a:lvl1pPr>
-            </a:lstStyle>
-            <a:p>
-              <a:r>
-                <a:t>A</a:t>
-              </a:r>
-            </a:p>
-          </p:txBody>
-        </p:sp>
-        <p:sp>
-          <p:nvSpPr>
-            <p:cNvPr id="19" name="Shape 264">
-              <a:extLst>
-                <a:ext uri="{FF2B5EF4-FFF2-40B4-BE49-F238E27FC236}">
-                  <a16:creationId xmlns:a16="http://schemas.microsoft.com/office/drawing/2014/main" id="{EAE047A4-4D31-B346-B909-97A28DFE9A18}"/>
-                </a:ext>
-              </a:extLst>
-            </p:cNvPr>
-            <p:cNvSpPr/>
-            <p:nvPr/>
-          </p:nvSpPr>
-          <p:spPr>
-            <a:xfrm>
-              <a:off x="3309807" y="731340"/>
-              <a:ext cx="427483" cy="634900"/>
-            </a:xfrm>
-            <a:prstGeom prst="rect">
-              <a:avLst/>
-            </a:prstGeom>
-            <a:noFill/>
-            <a:ln w="12700" cap="flat">
-              <a:noFill/>
-              <a:miter lim="400000"/>
-            </a:ln>
-            <a:effectLst/>
-            <a:extLst>
-              <a:ext uri="{C572A759-6A51-4108-AA02-DFA0A04FC94B}">
-                <ma14:wrappingTextBoxFlag xmlns:ma14="http://schemas.microsoft.com/office/mac/drawingml/2011/main" xmlns="" val="1"/>
-              </a:ext>
-            </a:extLst>
-          </p:spPr>
-          <p:txBody>
-            <a:bodyPr wrap="none" lIns="50800" tIns="50800" rIns="50800" bIns="50800" numCol="1" anchor="ctr">
-              <a:spAutoFit/>
-            </a:bodyPr>
-            <a:lstStyle>
-              <a:lvl1pPr>
-                <a:defRPr>
-                  <a:solidFill>
-                    <a:srgbClr val="000000"/>
-                  </a:solidFill>
-                  <a:latin typeface="Helvetica Neue"/>
-                  <a:ea typeface="Helvetica Neue"/>
-                  <a:cs typeface="Helvetica Neue"/>
-                  <a:sym typeface="Helvetica Neue"/>
-                </a:defRPr>
-              </a:lvl1pPr>
-            </a:lstStyle>
-            <a:p>
-              <a:r>
-                <a:t>B</a:t>
-              </a:r>
-            </a:p>
-          </p:txBody>
-        </p:sp>
-        <p:sp>
-          <p:nvSpPr>
-            <p:cNvPr id="20" name="Shape 265">
-              <a:extLst>
-                <a:ext uri="{FF2B5EF4-FFF2-40B4-BE49-F238E27FC236}">
-                  <a16:creationId xmlns:a16="http://schemas.microsoft.com/office/drawing/2014/main" id="{C3C487FF-5160-3345-BB0C-8B289C0FF058}"/>
-                </a:ext>
-              </a:extLst>
-            </p:cNvPr>
-            <p:cNvSpPr/>
-            <p:nvPr/>
-          </p:nvSpPr>
-          <p:spPr>
-            <a:xfrm>
-              <a:off x="5684353" y="731340"/>
-              <a:ext cx="444399" cy="634900"/>
-            </a:xfrm>
-            <a:prstGeom prst="rect">
-              <a:avLst/>
-            </a:prstGeom>
-            <a:noFill/>
-            <a:ln w="12700" cap="flat">
-              <a:noFill/>
-              <a:miter lim="400000"/>
-            </a:ln>
-            <a:effectLst/>
-            <a:extLst>
-              <a:ext uri="{C572A759-6A51-4108-AA02-DFA0A04FC94B}">
-                <ma14:wrappingTextBoxFlag xmlns:ma14="http://schemas.microsoft.com/office/mac/drawingml/2011/main" xmlns="" val="1"/>
-              </a:ext>
-            </a:extLst>
-          </p:spPr>
-          <p:txBody>
-            <a:bodyPr wrap="none" lIns="50800" tIns="50800" rIns="50800" bIns="50800" numCol="1" anchor="ctr">
-              <a:spAutoFit/>
-            </a:bodyPr>
-            <a:lstStyle>
-              <a:lvl1pPr>
-                <a:defRPr>
-                  <a:solidFill>
-                    <a:srgbClr val="000000"/>
-                  </a:solidFill>
-                  <a:latin typeface="Helvetica Neue"/>
-                  <a:ea typeface="Helvetica Neue"/>
-                  <a:cs typeface="Helvetica Neue"/>
-                  <a:sym typeface="Helvetica Neue"/>
-                </a:defRPr>
-              </a:lvl1pPr>
-            </a:lstStyle>
-            <a:p>
-              <a:r>
-                <a:t>C</a:t>
-              </a:r>
-            </a:p>
-          </p:txBody>
-        </p:sp>
-        <p:sp>
-          <p:nvSpPr>
-            <p:cNvPr id="21" name="Shape 266">
-              <a:extLst>
-                <a:ext uri="{FF2B5EF4-FFF2-40B4-BE49-F238E27FC236}">
-                  <a16:creationId xmlns:a16="http://schemas.microsoft.com/office/drawing/2014/main" id="{9DA863CF-97ED-8346-8E9C-D99206E00B98}"/>
-                </a:ext>
-              </a:extLst>
-            </p:cNvPr>
-            <p:cNvSpPr/>
-            <p:nvPr/>
-          </p:nvSpPr>
-          <p:spPr>
-            <a:xfrm>
-              <a:off x="2200840" y="222186"/>
-              <a:ext cx="167641" cy="167641"/>
-            </a:xfrm>
-            <a:prstGeom prst="ellipse">
-              <a:avLst/>
-            </a:prstGeom>
-            <a:solidFill>
-              <a:srgbClr val="000000"/>
-            </a:solidFill>
-            <a:ln w="12700" cap="flat">
-              <a:noFill/>
-              <a:miter lim="400000"/>
-            </a:ln>
-            <a:effectLst/>
-          </p:spPr>
-          <p:txBody>
-            <a:bodyPr wrap="square" lIns="50800" tIns="50800" rIns="50800" bIns="50800" numCol="1" anchor="ctr">
-              <a:noAutofit/>
-            </a:bodyPr>
-            <a:lstStyle/>
-            <a:p>
-              <a:pPr>
-                <a:defRPr sz="3000">
-                  <a:solidFill>
-                    <a:srgbClr val="FFFFFF"/>
-                  </a:solidFill>
-                  <a:effectLst>
-                    <a:outerShdw blurRad="25400" dist="12700" dir="5400000" rotWithShape="0">
-                      <a:srgbClr val="000000">
-                        <a:alpha val="50000"/>
-                      </a:srgbClr>
-                    </a:outerShdw>
-                  </a:effectLst>
-                </a:defRPr>
-              </a:pPr>
-              <a:endParaRPr/>
-            </a:p>
-          </p:txBody>
-        </p:sp>
-        <p:sp>
-          <p:nvSpPr>
-            <p:cNvPr id="22" name="Shape 267">
-              <a:extLst>
-                <a:ext uri="{FF2B5EF4-FFF2-40B4-BE49-F238E27FC236}">
-                  <a16:creationId xmlns:a16="http://schemas.microsoft.com/office/drawing/2014/main" id="{3966616C-4703-B74A-A978-6F1644965D90}"/>
-                </a:ext>
-              </a:extLst>
-            </p:cNvPr>
-            <p:cNvSpPr/>
-            <p:nvPr/>
-          </p:nvSpPr>
-          <p:spPr>
-            <a:xfrm>
-              <a:off x="4484062" y="222186"/>
-              <a:ext cx="167641" cy="167641"/>
-            </a:xfrm>
-            <a:prstGeom prst="ellipse">
-              <a:avLst/>
-            </a:prstGeom>
-            <a:solidFill>
-              <a:srgbClr val="000000"/>
-            </a:solidFill>
-            <a:ln w="12700" cap="flat">
-              <a:noFill/>
-              <a:miter lim="400000"/>
-            </a:ln>
-            <a:effectLst/>
-          </p:spPr>
-          <p:txBody>
-            <a:bodyPr wrap="square" lIns="50800" tIns="50800" rIns="50800" bIns="50800" numCol="1" anchor="ctr">
-              <a:noAutofit/>
-            </a:bodyPr>
-            <a:lstStyle/>
-            <a:p>
-              <a:pPr>
-                <a:defRPr sz="3000">
-                  <a:solidFill>
-                    <a:srgbClr val="FFFFFF"/>
-                  </a:solidFill>
-                  <a:effectLst>
-                    <a:outerShdw blurRad="25400" dist="12700" dir="5400000" rotWithShape="0">
-                      <a:srgbClr val="000000">
-                        <a:alpha val="50000"/>
-                      </a:srgbClr>
-                    </a:outerShdw>
-                  </a:effectLst>
-                </a:defRPr>
-              </a:pPr>
-              <a:endParaRPr/>
-            </a:p>
-          </p:txBody>
-        </p:sp>
-      </p:grpSp>
-      <p:sp>
-        <p:nvSpPr>
-          <p:cNvPr id="23" name="TextBox 22">
-            <a:extLst>
-              <a:ext uri="{FF2B5EF4-FFF2-40B4-BE49-F238E27FC236}">
-                <a16:creationId xmlns:a16="http://schemas.microsoft.com/office/drawing/2014/main" id="{FC0A2DAE-A93E-5945-8B46-926341C6C056}"/>
-              </a:ext>
-            </a:extLst>
-          </p:cNvPr>
-          <p:cNvSpPr txBox="1"/>
-          <p:nvPr/>
-        </p:nvSpPr>
-        <p:spPr>
-          <a:xfrm>
-            <a:off x="2287207" y="334606"/>
-            <a:ext cx="7630286" cy="523220"/>
-          </a:xfrm>
-          <a:prstGeom prst="rect">
-            <a:avLst/>
-          </a:prstGeom>
-          <a:noFill/>
-        </p:spPr>
-        <p:txBody>
-          <a:bodyPr wrap="square" rtlCol="0">
-            <a:spAutoFit/>
-          </a:bodyPr>
-          <a:lstStyle/>
-          <a:p>
-            <a:pPr algn="ctr"/>
-            <a:r>
-              <a:rPr lang="en-US" sz="2800" b="1" dirty="0">
-                <a:solidFill>
-                  <a:srgbClr val="000090"/>
-                </a:solidFill>
-              </a:rPr>
-              <a:t>Reference frames and relative motion</a:t>
-            </a:r>
-            <a:endParaRPr lang="en-US" sz="2400" b="1" dirty="0">
-              <a:solidFill>
-                <a:srgbClr val="008000"/>
-              </a:solidFill>
-            </a:endParaRPr>
-          </a:p>
-        </p:txBody>
-      </p:sp>
-    </p:spTree>
-    <p:extLst>
-      <p:ext uri="{BB962C8B-B14F-4D97-AF65-F5344CB8AC3E}">
-        <p14:creationId xmlns:p14="http://schemas.microsoft.com/office/powerpoint/2010/main" val="1860204629"/>
-      </p:ext>
-    </p:extLst>
-  </p:cSld>
-  <p:clrMapOvr>
-    <a:masterClrMapping/>
-  </p:clrMapOvr>
-</p:sld>
-</file>
-
-<file path=ppt/slides/slide24.xml><?xml version="1.0" encoding="utf-8"?>
-<p:sld xmlns:a="http://schemas.openxmlformats.org/drawingml/2006/main" xmlns:r="http://schemas.openxmlformats.org/officeDocument/2006/relationships" xmlns:p="http://schemas.openxmlformats.org/presentationml/2006/main">
-  <p:cSld>
-    <p:spTree>
-      <p:nvGrpSpPr>
-        <p:cNvPr id="1" name=""/>
-        <p:cNvGrpSpPr/>
-        <p:nvPr/>
-      </p:nvGrpSpPr>
-      <p:grpSpPr>
-        <a:xfrm>
-          <a:off x="0" y="0"/>
-          <a:ext cx="0" cy="0"/>
-          <a:chOff x="0" y="0"/>
-          <a:chExt cx="0" cy="0"/>
-        </a:xfrm>
-      </p:grpSpPr>
-      <p:sp>
-        <p:nvSpPr>
-          <p:cNvPr id="23" name="Shape 292">
-            <a:extLst>
-              <a:ext uri="{FF2B5EF4-FFF2-40B4-BE49-F238E27FC236}">
-                <a16:creationId xmlns:a16="http://schemas.microsoft.com/office/drawing/2014/main" id="{8D0EBC91-7C54-1740-B9BE-18ACE47835F2}"/>
-              </a:ext>
-            </a:extLst>
-          </p:cNvPr>
-          <p:cNvSpPr/>
-          <p:nvPr/>
-        </p:nvSpPr>
-        <p:spPr>
-          <a:xfrm>
-            <a:off x="350150" y="1616312"/>
-            <a:ext cx="2160410" cy="4245454"/>
-          </a:xfrm>
-          <a:custGeom>
-            <a:avLst/>
-            <a:gdLst/>
-            <a:ahLst/>
-            <a:cxnLst>
-              <a:cxn ang="0">
-                <a:pos x="wd2" y="hd2"/>
-              </a:cxn>
-              <a:cxn ang="5400000">
-                <a:pos x="wd2" y="hd2"/>
-              </a:cxn>
-              <a:cxn ang="10800000">
-                <a:pos x="wd2" y="hd2"/>
-              </a:cxn>
-              <a:cxn ang="16200000">
-                <a:pos x="wd2" y="hd2"/>
-              </a:cxn>
-            </a:cxnLst>
-            <a:rect l="0" t="0" r="r" b="b"/>
-            <a:pathLst>
-              <a:path w="21600" h="21600" extrusionOk="0">
-                <a:moveTo>
-                  <a:pt x="17804" y="62"/>
-                </a:moveTo>
-                <a:lnTo>
-                  <a:pt x="0" y="0"/>
-                </a:lnTo>
-                <a:lnTo>
-                  <a:pt x="45" y="21597"/>
-                </a:lnTo>
-                <a:lnTo>
-                  <a:pt x="10234" y="21600"/>
-                </a:lnTo>
-                <a:lnTo>
-                  <a:pt x="21600" y="10756"/>
-                </a:lnTo>
-                <a:lnTo>
-                  <a:pt x="17804" y="62"/>
-                </a:lnTo>
-                <a:close/>
-              </a:path>
-            </a:pathLst>
-          </a:custGeom>
-          <a:solidFill>
-            <a:schemeClr val="accent1">
-              <a:hueOff val="328198"/>
-              <a:lumOff val="-10185"/>
-            </a:schemeClr>
-          </a:solidFill>
-          <a:ln w="38100">
-            <a:solidFill>
-              <a:srgbClr val="000000"/>
-            </a:solidFill>
-            <a:miter lim="400000"/>
-          </a:ln>
-        </p:spPr>
-        <p:txBody>
-          <a:bodyPr lIns="50800" tIns="50800" rIns="50800" bIns="50800" anchor="ctr"/>
-          <a:lstStyle/>
-          <a:p>
-            <a:pPr>
-              <a:defRPr sz="3000"/>
-            </a:pPr>
-            <a:endParaRPr/>
-          </a:p>
-        </p:txBody>
-      </p:sp>
-      <p:sp>
-        <p:nvSpPr>
-          <p:cNvPr id="24" name="Shape 293">
-            <a:extLst>
-              <a:ext uri="{FF2B5EF4-FFF2-40B4-BE49-F238E27FC236}">
-                <a16:creationId xmlns:a16="http://schemas.microsoft.com/office/drawing/2014/main" id="{5AA43513-D4BF-9B41-9A7F-F183D838199C}"/>
-              </a:ext>
-            </a:extLst>
-          </p:cNvPr>
-          <p:cNvSpPr/>
-          <p:nvPr/>
-        </p:nvSpPr>
-        <p:spPr>
-          <a:xfrm>
-            <a:off x="2130008" y="1610001"/>
-            <a:ext cx="2493515" cy="2834145"/>
-          </a:xfrm>
-          <a:custGeom>
-            <a:avLst/>
-            <a:gdLst/>
-            <a:ahLst/>
-            <a:cxnLst>
-              <a:cxn ang="0">
-                <a:pos x="wd2" y="hd2"/>
-              </a:cxn>
-              <a:cxn ang="5400000">
-                <a:pos x="wd2" y="hd2"/>
-              </a:cxn>
-              <a:cxn ang="10800000">
-                <a:pos x="wd2" y="hd2"/>
-              </a:cxn>
-              <a:cxn ang="16200000">
-                <a:pos x="wd2" y="hd2"/>
-              </a:cxn>
-            </a:cxnLst>
-            <a:rect l="0" t="0" r="r" b="b"/>
-            <a:pathLst>
-              <a:path w="21600" h="21600" extrusionOk="0">
-                <a:moveTo>
-                  <a:pt x="21290" y="21600"/>
-                </a:moveTo>
-                <a:lnTo>
-                  <a:pt x="3351" y="16159"/>
-                </a:lnTo>
-                <a:lnTo>
-                  <a:pt x="0" y="127"/>
-                </a:lnTo>
-                <a:lnTo>
-                  <a:pt x="21600" y="0"/>
-                </a:lnTo>
-                <a:lnTo>
-                  <a:pt x="21290" y="21600"/>
-                </a:lnTo>
-                <a:close/>
-              </a:path>
-            </a:pathLst>
-          </a:custGeom>
-          <a:solidFill>
-            <a:schemeClr val="accent2">
-              <a:hueOff val="376119"/>
-              <a:satOff val="3650"/>
-              <a:lumOff val="-13970"/>
-            </a:schemeClr>
-          </a:solidFill>
-          <a:ln w="38100">
-            <a:solidFill>
-              <a:srgbClr val="000000"/>
-            </a:solidFill>
-            <a:miter lim="400000"/>
-          </a:ln>
-        </p:spPr>
-        <p:txBody>
-          <a:bodyPr lIns="50800" tIns="50800" rIns="50800" bIns="50800" anchor="ctr"/>
-          <a:lstStyle/>
-          <a:p>
-            <a:pPr>
-              <a:defRPr sz="3000"/>
-            </a:pPr>
-            <a:endParaRPr/>
-          </a:p>
-        </p:txBody>
-      </p:sp>
-      <p:sp>
-        <p:nvSpPr>
-          <p:cNvPr id="25" name="Shape 294">
-            <a:extLst>
-              <a:ext uri="{FF2B5EF4-FFF2-40B4-BE49-F238E27FC236}">
-                <a16:creationId xmlns:a16="http://schemas.microsoft.com/office/drawing/2014/main" id="{715C0F8C-FF2C-F144-A212-4A0B9B64EF89}"/>
-              </a:ext>
-            </a:extLst>
-          </p:cNvPr>
-          <p:cNvSpPr/>
-          <p:nvPr/>
-        </p:nvSpPr>
-        <p:spPr>
-          <a:xfrm>
-            <a:off x="1416090" y="3753826"/>
-            <a:ext cx="3183550" cy="2098086"/>
-          </a:xfrm>
-          <a:custGeom>
-            <a:avLst/>
-            <a:gdLst/>
-            <a:ahLst/>
-            <a:cxnLst>
-              <a:cxn ang="0">
-                <a:pos x="wd2" y="hd2"/>
-              </a:cxn>
-              <a:cxn ang="5400000">
-                <a:pos x="wd2" y="hd2"/>
-              </a:cxn>
-              <a:cxn ang="10800000">
-                <a:pos x="wd2" y="hd2"/>
-              </a:cxn>
-              <a:cxn ang="16200000">
-                <a:pos x="wd2" y="hd2"/>
-              </a:cxn>
-            </a:cxnLst>
-            <a:rect l="0" t="0" r="r" b="b"/>
-            <a:pathLst>
-              <a:path w="21600" h="21600" extrusionOk="0">
-                <a:moveTo>
-                  <a:pt x="21600" y="21600"/>
-                </a:moveTo>
-                <a:lnTo>
-                  <a:pt x="21521" y="7461"/>
-                </a:lnTo>
-                <a:lnTo>
-                  <a:pt x="7537" y="0"/>
-                </a:lnTo>
-                <a:lnTo>
-                  <a:pt x="0" y="21489"/>
-                </a:lnTo>
-                <a:lnTo>
-                  <a:pt x="21600" y="21600"/>
-                </a:lnTo>
-                <a:close/>
-              </a:path>
-            </a:pathLst>
-          </a:custGeom>
-          <a:solidFill>
-            <a:schemeClr val="accent4">
-              <a:hueOff val="-572412"/>
-              <a:satOff val="-13050"/>
-              <a:lumOff val="-18575"/>
-            </a:schemeClr>
-          </a:solidFill>
-          <a:ln w="38100">
-            <a:solidFill>
-              <a:srgbClr val="6F6A5A"/>
-            </a:solidFill>
-            <a:miter lim="400000"/>
-          </a:ln>
-        </p:spPr>
-        <p:txBody>
-          <a:bodyPr lIns="50800" tIns="50800" rIns="50800" bIns="50800" anchor="ctr"/>
-          <a:lstStyle/>
-          <a:p>
-            <a:pPr>
-              <a:defRPr sz="3000"/>
-            </a:pPr>
-            <a:endParaRPr/>
-          </a:p>
-        </p:txBody>
-      </p:sp>
-      <p:sp>
-        <p:nvSpPr>
-          <p:cNvPr id="26" name="Shape 295">
-            <a:extLst>
-              <a:ext uri="{FF2B5EF4-FFF2-40B4-BE49-F238E27FC236}">
-                <a16:creationId xmlns:a16="http://schemas.microsoft.com/office/drawing/2014/main" id="{821E5B14-9F60-EE44-A417-65D3F9157603}"/>
-              </a:ext>
-            </a:extLst>
-          </p:cNvPr>
-          <p:cNvSpPr/>
-          <p:nvPr/>
-        </p:nvSpPr>
-        <p:spPr>
-          <a:xfrm>
-            <a:off x="2112324" y="4811762"/>
-            <a:ext cx="710408" cy="350888"/>
-          </a:xfrm>
-          <a:prstGeom prst="line">
-            <a:avLst/>
-          </a:prstGeom>
-          <a:ln w="38100">
-            <a:solidFill>
-              <a:srgbClr val="FFFFFF"/>
-            </a:solidFill>
-            <a:miter lim="400000"/>
-            <a:tailEnd type="triangle"/>
-          </a:ln>
-        </p:spPr>
-        <p:txBody>
-          <a:bodyPr lIns="50800" tIns="50800" rIns="50800" bIns="50800" anchor="ctr"/>
-          <a:lstStyle/>
-          <a:p>
-            <a:pPr>
-              <a:defRPr sz="3000"/>
-            </a:pPr>
-            <a:endParaRPr/>
-          </a:p>
-        </p:txBody>
-      </p:sp>
-      <p:sp>
-        <p:nvSpPr>
-          <p:cNvPr id="27" name="Shape 296">
-            <a:extLst>
-              <a:ext uri="{FF2B5EF4-FFF2-40B4-BE49-F238E27FC236}">
-                <a16:creationId xmlns:a16="http://schemas.microsoft.com/office/drawing/2014/main" id="{023F1AE5-34DC-2B41-8A09-33EDE7899B12}"/>
-              </a:ext>
-            </a:extLst>
-          </p:cNvPr>
-          <p:cNvSpPr/>
-          <p:nvPr/>
-        </p:nvSpPr>
-        <p:spPr>
-          <a:xfrm>
-            <a:off x="1071401" y="4322322"/>
-            <a:ext cx="710321" cy="351063"/>
-          </a:xfrm>
-          <a:prstGeom prst="line">
-            <a:avLst/>
-          </a:prstGeom>
-          <a:ln w="38100">
-            <a:solidFill>
-              <a:srgbClr val="FFFFFF"/>
-            </a:solidFill>
-            <a:miter lim="400000"/>
-            <a:headEnd type="triangle"/>
-          </a:ln>
-        </p:spPr>
-        <p:txBody>
-          <a:bodyPr lIns="50800" tIns="50800" rIns="50800" bIns="50800" anchor="ctr"/>
-          <a:lstStyle/>
-          <a:p>
-            <a:pPr>
-              <a:defRPr sz="3000"/>
-            </a:pPr>
-            <a:endParaRPr/>
-          </a:p>
-        </p:txBody>
-      </p:sp>
-      <p:sp>
-        <p:nvSpPr>
-          <p:cNvPr id="28" name="Shape 297">
-            <a:extLst>
-              <a:ext uri="{FF2B5EF4-FFF2-40B4-BE49-F238E27FC236}">
-                <a16:creationId xmlns:a16="http://schemas.microsoft.com/office/drawing/2014/main" id="{52FB2EC5-C72A-0C41-913A-4DF697E79070}"/>
-              </a:ext>
-            </a:extLst>
-          </p:cNvPr>
-          <p:cNvSpPr/>
-          <p:nvPr/>
-        </p:nvSpPr>
-        <p:spPr>
-          <a:xfrm flipV="1">
-            <a:off x="2923904" y="4116900"/>
-            <a:ext cx="560448" cy="560088"/>
-          </a:xfrm>
-          <a:prstGeom prst="line">
-            <a:avLst/>
-          </a:prstGeom>
-          <a:ln w="38100">
-            <a:solidFill>
-              <a:srgbClr val="FFFFFF"/>
-            </a:solidFill>
-            <a:miter lim="400000"/>
-            <a:tailEnd type="triangle"/>
-          </a:ln>
-        </p:spPr>
-        <p:txBody>
-          <a:bodyPr lIns="50800" tIns="50800" rIns="50800" bIns="50800" anchor="ctr"/>
-          <a:lstStyle/>
-          <a:p>
-            <a:pPr>
-              <a:defRPr sz="3000"/>
-            </a:pPr>
-            <a:endParaRPr/>
-          </a:p>
-        </p:txBody>
-      </p:sp>
-      <p:sp>
-        <p:nvSpPr>
-          <p:cNvPr id="29" name="Shape 298">
-            <a:extLst>
-              <a:ext uri="{FF2B5EF4-FFF2-40B4-BE49-F238E27FC236}">
-                <a16:creationId xmlns:a16="http://schemas.microsoft.com/office/drawing/2014/main" id="{8623675A-BDE7-504C-A20C-7178E7DDBF95}"/>
-              </a:ext>
-            </a:extLst>
-          </p:cNvPr>
-          <p:cNvSpPr/>
-          <p:nvPr/>
-        </p:nvSpPr>
-        <p:spPr>
-          <a:xfrm flipV="1">
-            <a:off x="3622404" y="3440270"/>
-            <a:ext cx="560448" cy="560088"/>
-          </a:xfrm>
-          <a:prstGeom prst="line">
-            <a:avLst/>
-          </a:prstGeom>
-          <a:ln w="38100">
-            <a:solidFill>
-              <a:srgbClr val="FFFFFF"/>
-            </a:solidFill>
-            <a:miter lim="400000"/>
-            <a:headEnd type="triangle"/>
-          </a:ln>
-        </p:spPr>
-        <p:txBody>
-          <a:bodyPr lIns="50800" tIns="50800" rIns="50800" bIns="50800" anchor="ctr"/>
-          <a:lstStyle/>
-          <a:p>
-            <a:pPr>
-              <a:defRPr sz="3000"/>
-            </a:pPr>
-            <a:endParaRPr/>
-          </a:p>
-        </p:txBody>
-      </p:sp>
-      <p:sp>
-        <p:nvSpPr>
-          <p:cNvPr id="30" name="Shape 299">
-            <a:extLst>
-              <a:ext uri="{FF2B5EF4-FFF2-40B4-BE49-F238E27FC236}">
-                <a16:creationId xmlns:a16="http://schemas.microsoft.com/office/drawing/2014/main" id="{6B6D49DA-10EA-AC4C-960D-33A287204AC3}"/>
-              </a:ext>
-            </a:extLst>
-          </p:cNvPr>
-          <p:cNvSpPr/>
-          <p:nvPr/>
-        </p:nvSpPr>
-        <p:spPr>
-          <a:xfrm rot="1021238">
-            <a:off x="2690300" y="3595228"/>
-            <a:ext cx="206479" cy="206478"/>
-          </a:xfrm>
-          <a:custGeom>
-            <a:avLst/>
-            <a:gdLst/>
-            <a:ahLst/>
-            <a:cxnLst>
-              <a:cxn ang="0">
-                <a:pos x="wd2" y="hd2"/>
-              </a:cxn>
-              <a:cxn ang="5400000">
-                <a:pos x="wd2" y="hd2"/>
-              </a:cxn>
-              <a:cxn ang="10800000">
-                <a:pos x="wd2" y="hd2"/>
-              </a:cxn>
-              <a:cxn ang="16200000">
-                <a:pos x="wd2" y="hd2"/>
-              </a:cxn>
-            </a:cxnLst>
-            <a:rect l="0" t="0" r="r" b="b"/>
-            <a:pathLst>
-              <a:path w="21600" h="21600" extrusionOk="0">
-                <a:moveTo>
-                  <a:pt x="10800" y="0"/>
-                </a:moveTo>
-                <a:lnTo>
-                  <a:pt x="21600" y="21600"/>
-                </a:lnTo>
-                <a:lnTo>
-                  <a:pt x="0" y="21600"/>
-                </a:lnTo>
-                <a:close/>
-              </a:path>
-            </a:pathLst>
-          </a:custGeom>
-          <a:solidFill>
-            <a:srgbClr val="000000"/>
-          </a:solidFill>
-          <a:ln w="12700">
-            <a:miter lim="400000"/>
-          </a:ln>
-        </p:spPr>
-        <p:txBody>
-          <a:bodyPr lIns="50800" tIns="50800" rIns="50800" bIns="50800" anchor="ctr"/>
-          <a:lstStyle/>
-          <a:p>
-            <a:pPr>
-              <a:defRPr sz="3000">
-                <a:solidFill>
-                  <a:srgbClr val="FFFFFF"/>
-                </a:solidFill>
-                <a:effectLst>
-                  <a:outerShdw blurRad="25400" dist="12700" dir="5400000" rotWithShape="0">
-                    <a:srgbClr val="000000">
-                      <a:alpha val="50000"/>
-                    </a:srgbClr>
-                  </a:outerShdw>
-                </a:effectLst>
-              </a:defRPr>
-            </a:pPr>
-            <a:endParaRPr/>
-          </a:p>
-        </p:txBody>
-      </p:sp>
-      <p:sp>
-        <p:nvSpPr>
-          <p:cNvPr id="31" name="Shape 300">
-            <a:extLst>
-              <a:ext uri="{FF2B5EF4-FFF2-40B4-BE49-F238E27FC236}">
-                <a16:creationId xmlns:a16="http://schemas.microsoft.com/office/drawing/2014/main" id="{E0EF8F4F-4C4A-F741-8D31-B0E1BAEE7FD8}"/>
-              </a:ext>
-            </a:extLst>
-          </p:cNvPr>
-          <p:cNvSpPr/>
-          <p:nvPr/>
-        </p:nvSpPr>
-        <p:spPr>
-          <a:xfrm rot="1021238">
-            <a:off x="3027338" y="3725902"/>
-            <a:ext cx="206479" cy="206478"/>
-          </a:xfrm>
-          <a:custGeom>
-            <a:avLst/>
-            <a:gdLst/>
-            <a:ahLst/>
-            <a:cxnLst>
-              <a:cxn ang="0">
-                <a:pos x="wd2" y="hd2"/>
-              </a:cxn>
-              <a:cxn ang="5400000">
-                <a:pos x="wd2" y="hd2"/>
-              </a:cxn>
-              <a:cxn ang="10800000">
-                <a:pos x="wd2" y="hd2"/>
-              </a:cxn>
-              <a:cxn ang="16200000">
-                <a:pos x="wd2" y="hd2"/>
-              </a:cxn>
-            </a:cxnLst>
-            <a:rect l="0" t="0" r="r" b="b"/>
-            <a:pathLst>
-              <a:path w="21600" h="21600" extrusionOk="0">
-                <a:moveTo>
-                  <a:pt x="10800" y="0"/>
-                </a:moveTo>
-                <a:lnTo>
-                  <a:pt x="21600" y="21600"/>
-                </a:lnTo>
-                <a:lnTo>
-                  <a:pt x="0" y="21600"/>
-                </a:lnTo>
-                <a:close/>
-              </a:path>
-            </a:pathLst>
-          </a:custGeom>
-          <a:solidFill>
-            <a:srgbClr val="000000"/>
-          </a:solidFill>
-          <a:ln w="12700">
-            <a:miter lim="400000"/>
-          </a:ln>
-        </p:spPr>
-        <p:txBody>
-          <a:bodyPr lIns="50800" tIns="50800" rIns="50800" bIns="50800" anchor="ctr"/>
-          <a:lstStyle/>
-          <a:p>
-            <a:pPr>
-              <a:defRPr sz="3000">
-                <a:solidFill>
-                  <a:srgbClr val="FFFFFF"/>
-                </a:solidFill>
-                <a:effectLst>
-                  <a:outerShdw blurRad="25400" dist="12700" dir="5400000" rotWithShape="0">
-                    <a:srgbClr val="000000">
-                      <a:alpha val="50000"/>
-                    </a:srgbClr>
-                  </a:outerShdw>
-                </a:effectLst>
-              </a:defRPr>
-            </a:pPr>
-            <a:endParaRPr/>
-          </a:p>
-        </p:txBody>
-      </p:sp>
-      <p:sp>
-        <p:nvSpPr>
-          <p:cNvPr id="32" name="Shape 301">
-            <a:extLst>
-              <a:ext uri="{FF2B5EF4-FFF2-40B4-BE49-F238E27FC236}">
-                <a16:creationId xmlns:a16="http://schemas.microsoft.com/office/drawing/2014/main" id="{92BBE869-8D04-4745-A3B7-75474DF6B1A6}"/>
-              </a:ext>
-            </a:extLst>
-          </p:cNvPr>
-          <p:cNvSpPr/>
-          <p:nvPr/>
-        </p:nvSpPr>
-        <p:spPr>
-          <a:xfrm rot="1021238">
-            <a:off x="3337720" y="3827502"/>
-            <a:ext cx="206478" cy="206478"/>
-          </a:xfrm>
-          <a:custGeom>
-            <a:avLst/>
-            <a:gdLst/>
-            <a:ahLst/>
-            <a:cxnLst>
-              <a:cxn ang="0">
-                <a:pos x="wd2" y="hd2"/>
-              </a:cxn>
-              <a:cxn ang="5400000">
-                <a:pos x="wd2" y="hd2"/>
-              </a:cxn>
-              <a:cxn ang="10800000">
-                <a:pos x="wd2" y="hd2"/>
-              </a:cxn>
-              <a:cxn ang="16200000">
-                <a:pos x="wd2" y="hd2"/>
-              </a:cxn>
-            </a:cxnLst>
-            <a:rect l="0" t="0" r="r" b="b"/>
-            <a:pathLst>
-              <a:path w="21600" h="21600" extrusionOk="0">
-                <a:moveTo>
-                  <a:pt x="10800" y="0"/>
-                </a:moveTo>
-                <a:lnTo>
-                  <a:pt x="21600" y="21600"/>
-                </a:lnTo>
-                <a:lnTo>
-                  <a:pt x="0" y="21600"/>
-                </a:lnTo>
-                <a:close/>
-              </a:path>
-            </a:pathLst>
-          </a:custGeom>
-          <a:solidFill>
-            <a:srgbClr val="000000"/>
-          </a:solidFill>
-          <a:ln w="12700">
-            <a:miter lim="400000"/>
-          </a:ln>
-        </p:spPr>
-        <p:txBody>
-          <a:bodyPr lIns="50800" tIns="50800" rIns="50800" bIns="50800" anchor="ctr"/>
-          <a:lstStyle/>
-          <a:p>
-            <a:pPr>
-              <a:defRPr sz="3000">
-                <a:solidFill>
-                  <a:srgbClr val="FFFFFF"/>
-                </a:solidFill>
-                <a:effectLst>
-                  <a:outerShdw blurRad="25400" dist="12700" dir="5400000" rotWithShape="0">
-                    <a:srgbClr val="000000">
-                      <a:alpha val="50000"/>
-                    </a:srgbClr>
-                  </a:outerShdw>
-                </a:effectLst>
-              </a:defRPr>
-            </a:pPr>
-            <a:endParaRPr/>
-          </a:p>
-        </p:txBody>
-      </p:sp>
-      <p:sp>
-        <p:nvSpPr>
-          <p:cNvPr id="33" name="Shape 302">
-            <a:extLst>
-              <a:ext uri="{FF2B5EF4-FFF2-40B4-BE49-F238E27FC236}">
-                <a16:creationId xmlns:a16="http://schemas.microsoft.com/office/drawing/2014/main" id="{4B6FCCB0-6820-6D48-8456-963476C655BB}"/>
-              </a:ext>
-            </a:extLst>
-          </p:cNvPr>
-          <p:cNvSpPr/>
-          <p:nvPr/>
-        </p:nvSpPr>
-        <p:spPr>
-          <a:xfrm rot="1021238">
-            <a:off x="3744120" y="3954502"/>
-            <a:ext cx="206478" cy="206478"/>
-          </a:xfrm>
-          <a:custGeom>
-            <a:avLst/>
-            <a:gdLst/>
-            <a:ahLst/>
-            <a:cxnLst>
-              <a:cxn ang="0">
-                <a:pos x="wd2" y="hd2"/>
-              </a:cxn>
-              <a:cxn ang="5400000">
-                <a:pos x="wd2" y="hd2"/>
-              </a:cxn>
-              <a:cxn ang="10800000">
-                <a:pos x="wd2" y="hd2"/>
-              </a:cxn>
-              <a:cxn ang="16200000">
-                <a:pos x="wd2" y="hd2"/>
-              </a:cxn>
-            </a:cxnLst>
-            <a:rect l="0" t="0" r="r" b="b"/>
-            <a:pathLst>
-              <a:path w="21600" h="21600" extrusionOk="0">
-                <a:moveTo>
-                  <a:pt x="10800" y="0"/>
-                </a:moveTo>
-                <a:lnTo>
-                  <a:pt x="21600" y="21600"/>
-                </a:lnTo>
-                <a:lnTo>
-                  <a:pt x="0" y="21600"/>
-                </a:lnTo>
-                <a:close/>
-              </a:path>
-            </a:pathLst>
-          </a:custGeom>
-          <a:solidFill>
-            <a:srgbClr val="000000"/>
-          </a:solidFill>
-          <a:ln w="12700">
-            <a:miter lim="400000"/>
-          </a:ln>
-        </p:spPr>
-        <p:txBody>
-          <a:bodyPr lIns="50800" tIns="50800" rIns="50800" bIns="50800" anchor="ctr"/>
-          <a:lstStyle/>
-          <a:p>
-            <a:pPr>
-              <a:defRPr sz="3000">
-                <a:solidFill>
-                  <a:srgbClr val="FFFFFF"/>
-                </a:solidFill>
-                <a:effectLst>
-                  <a:outerShdw blurRad="25400" dist="12700" dir="5400000" rotWithShape="0">
-                    <a:srgbClr val="000000">
-                      <a:alpha val="50000"/>
-                    </a:srgbClr>
-                  </a:outerShdw>
-                </a:effectLst>
-              </a:defRPr>
-            </a:pPr>
-            <a:endParaRPr/>
-          </a:p>
-        </p:txBody>
-      </p:sp>
-      <p:sp>
-        <p:nvSpPr>
-          <p:cNvPr id="34" name="Shape 303">
-            <a:extLst>
-              <a:ext uri="{FF2B5EF4-FFF2-40B4-BE49-F238E27FC236}">
-                <a16:creationId xmlns:a16="http://schemas.microsoft.com/office/drawing/2014/main" id="{2EDB559A-83B8-F549-8AF4-AD4F83ADCA5A}"/>
-              </a:ext>
-            </a:extLst>
-          </p:cNvPr>
-          <p:cNvSpPr/>
-          <p:nvPr/>
-        </p:nvSpPr>
-        <p:spPr>
-          <a:xfrm rot="1021238">
-            <a:off x="4150520" y="4090548"/>
-            <a:ext cx="206478" cy="206478"/>
-          </a:xfrm>
-          <a:custGeom>
-            <a:avLst/>
-            <a:gdLst/>
-            <a:ahLst/>
-            <a:cxnLst>
-              <a:cxn ang="0">
-                <a:pos x="wd2" y="hd2"/>
-              </a:cxn>
-              <a:cxn ang="5400000">
-                <a:pos x="wd2" y="hd2"/>
-              </a:cxn>
-              <a:cxn ang="10800000">
-                <a:pos x="wd2" y="hd2"/>
-              </a:cxn>
-              <a:cxn ang="16200000">
-                <a:pos x="wd2" y="hd2"/>
-              </a:cxn>
-            </a:cxnLst>
-            <a:rect l="0" t="0" r="r" b="b"/>
-            <a:pathLst>
-              <a:path w="21600" h="21600" extrusionOk="0">
-                <a:moveTo>
-                  <a:pt x="10800" y="0"/>
-                </a:moveTo>
-                <a:lnTo>
-                  <a:pt x="21600" y="21600"/>
-                </a:lnTo>
-                <a:lnTo>
-                  <a:pt x="0" y="21600"/>
-                </a:lnTo>
-                <a:close/>
-              </a:path>
-            </a:pathLst>
-          </a:custGeom>
-          <a:solidFill>
-            <a:srgbClr val="000000"/>
-          </a:solidFill>
-          <a:ln w="12700">
-            <a:miter lim="400000"/>
-          </a:ln>
-        </p:spPr>
-        <p:txBody>
-          <a:bodyPr lIns="50800" tIns="50800" rIns="50800" bIns="50800" anchor="ctr"/>
-          <a:lstStyle/>
-          <a:p>
-            <a:pPr>
-              <a:defRPr sz="3000">
-                <a:solidFill>
-                  <a:srgbClr val="FFFFFF"/>
-                </a:solidFill>
-                <a:effectLst>
-                  <a:outerShdw blurRad="25400" dist="12700" dir="5400000" rotWithShape="0">
-                    <a:srgbClr val="000000">
-                      <a:alpha val="50000"/>
-                    </a:srgbClr>
-                  </a:outerShdw>
-                </a:effectLst>
-              </a:defRPr>
-            </a:pPr>
-            <a:endParaRPr/>
-          </a:p>
-        </p:txBody>
-      </p:sp>
-      <p:sp>
-        <p:nvSpPr>
-          <p:cNvPr id="35" name="Shape 304">
-            <a:extLst>
-              <a:ext uri="{FF2B5EF4-FFF2-40B4-BE49-F238E27FC236}">
-                <a16:creationId xmlns:a16="http://schemas.microsoft.com/office/drawing/2014/main" id="{3F8FD52B-F871-A442-96B0-375EA3E1C8C6}"/>
-              </a:ext>
-            </a:extLst>
-          </p:cNvPr>
-          <p:cNvSpPr/>
-          <p:nvPr/>
-        </p:nvSpPr>
-        <p:spPr>
-          <a:xfrm>
-            <a:off x="2421143" y="2150356"/>
-            <a:ext cx="216727" cy="755403"/>
-          </a:xfrm>
-          <a:custGeom>
-            <a:avLst/>
-            <a:gdLst/>
-            <a:ahLst/>
-            <a:cxnLst>
-              <a:cxn ang="0">
-                <a:pos x="wd2" y="hd2"/>
-              </a:cxn>
-              <a:cxn ang="5400000">
-                <a:pos x="wd2" y="hd2"/>
-              </a:cxn>
-              <a:cxn ang="10800000">
-                <a:pos x="wd2" y="hd2"/>
-              </a:cxn>
-              <a:cxn ang="16200000">
-                <a:pos x="wd2" y="hd2"/>
-              </a:cxn>
-            </a:cxnLst>
-            <a:rect l="0" t="0" r="r" b="b"/>
-            <a:pathLst>
-              <a:path w="21600" h="21600" extrusionOk="0">
-                <a:moveTo>
-                  <a:pt x="0" y="0"/>
-                </a:moveTo>
-                <a:lnTo>
-                  <a:pt x="12692" y="21600"/>
-                </a:lnTo>
-                <a:lnTo>
-                  <a:pt x="21600" y="15194"/>
-                </a:lnTo>
-              </a:path>
-            </a:pathLst>
-          </a:custGeom>
-          <a:ln w="38100">
-            <a:solidFill>
-              <a:srgbClr val="FFFFFF"/>
-            </a:solidFill>
-            <a:miter lim="400000"/>
-          </a:ln>
-        </p:spPr>
-        <p:txBody>
-          <a:bodyPr lIns="50800" tIns="50800" rIns="50800" bIns="50800" anchor="ctr"/>
-          <a:lstStyle/>
-          <a:p>
-            <a:pPr>
-              <a:defRPr sz="3000"/>
-            </a:pPr>
-            <a:endParaRPr/>
-          </a:p>
-        </p:txBody>
-      </p:sp>
-      <p:sp>
-        <p:nvSpPr>
-          <p:cNvPr id="36" name="Shape 305">
-            <a:extLst>
-              <a:ext uri="{FF2B5EF4-FFF2-40B4-BE49-F238E27FC236}">
-                <a16:creationId xmlns:a16="http://schemas.microsoft.com/office/drawing/2014/main" id="{2BF8962D-272E-5D4B-B270-56D4C890052C}"/>
-              </a:ext>
-            </a:extLst>
-          </p:cNvPr>
-          <p:cNvSpPr/>
-          <p:nvPr/>
-        </p:nvSpPr>
-        <p:spPr>
-          <a:xfrm rot="10800000">
-            <a:off x="1976643" y="2217370"/>
-            <a:ext cx="216727" cy="755403"/>
-          </a:xfrm>
-          <a:custGeom>
-            <a:avLst/>
-            <a:gdLst/>
-            <a:ahLst/>
-            <a:cxnLst>
-              <a:cxn ang="0">
-                <a:pos x="wd2" y="hd2"/>
-              </a:cxn>
-              <a:cxn ang="5400000">
-                <a:pos x="wd2" y="hd2"/>
-              </a:cxn>
-              <a:cxn ang="10800000">
-                <a:pos x="wd2" y="hd2"/>
-              </a:cxn>
-              <a:cxn ang="16200000">
-                <a:pos x="wd2" y="hd2"/>
-              </a:cxn>
-            </a:cxnLst>
-            <a:rect l="0" t="0" r="r" b="b"/>
-            <a:pathLst>
-              <a:path w="21600" h="21600" extrusionOk="0">
-                <a:moveTo>
-                  <a:pt x="0" y="0"/>
-                </a:moveTo>
-                <a:lnTo>
-                  <a:pt x="12692" y="21600"/>
-                </a:lnTo>
-                <a:lnTo>
-                  <a:pt x="21600" y="15194"/>
-                </a:lnTo>
-              </a:path>
-            </a:pathLst>
-          </a:custGeom>
-          <a:ln w="38100">
-            <a:solidFill>
-              <a:srgbClr val="FFFFFF"/>
-            </a:solidFill>
-            <a:miter lim="400000"/>
-          </a:ln>
-        </p:spPr>
-        <p:txBody>
-          <a:bodyPr lIns="50800" tIns="50800" rIns="50800" bIns="50800" anchor="ctr"/>
-          <a:lstStyle/>
-          <a:p>
-            <a:pPr>
-              <a:defRPr sz="3000"/>
-            </a:pPr>
-            <a:endParaRPr/>
-          </a:p>
-        </p:txBody>
-      </p:sp>
-      <p:sp>
-        <p:nvSpPr>
-          <p:cNvPr id="37" name="Shape 306">
-            <a:extLst>
-              <a:ext uri="{FF2B5EF4-FFF2-40B4-BE49-F238E27FC236}">
-                <a16:creationId xmlns:a16="http://schemas.microsoft.com/office/drawing/2014/main" id="{25915576-CD84-1542-8FF1-61186934F7B2}"/>
-              </a:ext>
-            </a:extLst>
-          </p:cNvPr>
-          <p:cNvSpPr/>
-          <p:nvPr/>
-        </p:nvSpPr>
-        <p:spPr>
-          <a:xfrm>
-            <a:off x="1057775" y="2713336"/>
-            <a:ext cx="368504" cy="634899"/>
-          </a:xfrm>
-          <a:prstGeom prst="rect">
-            <a:avLst/>
-          </a:prstGeom>
-          <a:ln w="12700">
-            <a:miter lim="400000"/>
-          </a:ln>
-          <a:extLst>
-            <a:ext uri="{C572A759-6A51-4108-AA02-DFA0A04FC94B}">
-              <ma14:wrappingTextBoxFlag xmlns:ma14="http://schemas.microsoft.com/office/mac/drawingml/2011/main" xmlns="" val="1"/>
-            </a:ext>
-          </a:extLst>
-        </p:spPr>
-        <p:txBody>
-          <a:bodyPr wrap="none" lIns="50800" tIns="50800" rIns="50800" bIns="50800" anchor="ctr">
-            <a:spAutoFit/>
-          </a:bodyPr>
-          <a:lstStyle>
-            <a:lvl1pPr>
-              <a:defRPr>
-                <a:solidFill>
-                  <a:srgbClr val="000000"/>
-                </a:solidFill>
-                <a:latin typeface="Helvetica Neue"/>
-                <a:ea typeface="Helvetica Neue"/>
-                <a:cs typeface="Helvetica Neue"/>
-                <a:sym typeface="Helvetica Neue"/>
-              </a:defRPr>
-            </a:lvl1pPr>
-          </a:lstStyle>
-          <a:p>
-            <a:r>
-              <a:t>1</a:t>
-            </a:r>
-          </a:p>
-        </p:txBody>
-      </p:sp>
-      <p:sp>
-        <p:nvSpPr>
-          <p:cNvPr id="38" name="Shape 307">
-            <a:extLst>
-              <a:ext uri="{FF2B5EF4-FFF2-40B4-BE49-F238E27FC236}">
-                <a16:creationId xmlns:a16="http://schemas.microsoft.com/office/drawing/2014/main" id="{2DB2E62F-4FC7-E746-B419-C3C6BD3EF9E1}"/>
-              </a:ext>
-            </a:extLst>
-          </p:cNvPr>
-          <p:cNvSpPr/>
-          <p:nvPr/>
-        </p:nvSpPr>
-        <p:spPr>
-          <a:xfrm>
-            <a:off x="3457721" y="2713336"/>
-            <a:ext cx="368505" cy="634899"/>
-          </a:xfrm>
-          <a:prstGeom prst="rect">
-            <a:avLst/>
-          </a:prstGeom>
-          <a:ln w="12700">
-            <a:miter lim="400000"/>
-          </a:ln>
-          <a:extLst>
-            <a:ext uri="{C572A759-6A51-4108-AA02-DFA0A04FC94B}">
-              <ma14:wrappingTextBoxFlag xmlns:ma14="http://schemas.microsoft.com/office/mac/drawingml/2011/main" xmlns="" val="1"/>
-            </a:ext>
-          </a:extLst>
-        </p:spPr>
-        <p:txBody>
-          <a:bodyPr wrap="none" lIns="50800" tIns="50800" rIns="50800" bIns="50800" anchor="ctr">
-            <a:spAutoFit/>
-          </a:bodyPr>
-          <a:lstStyle>
-            <a:lvl1pPr>
-              <a:defRPr>
-                <a:solidFill>
-                  <a:srgbClr val="000000"/>
-                </a:solidFill>
-                <a:latin typeface="Helvetica Neue"/>
-                <a:ea typeface="Helvetica Neue"/>
-                <a:cs typeface="Helvetica Neue"/>
-                <a:sym typeface="Helvetica Neue"/>
-              </a:defRPr>
-            </a:lvl1pPr>
-          </a:lstStyle>
-          <a:p>
-            <a:r>
-              <a:t>2</a:t>
-            </a:r>
-          </a:p>
-        </p:txBody>
-      </p:sp>
-      <p:sp>
-        <p:nvSpPr>
-          <p:cNvPr id="39" name="Shape 308">
-            <a:extLst>
-              <a:ext uri="{FF2B5EF4-FFF2-40B4-BE49-F238E27FC236}">
-                <a16:creationId xmlns:a16="http://schemas.microsoft.com/office/drawing/2014/main" id="{8B61870C-31D4-CC4B-9708-A413424DB369}"/>
-              </a:ext>
-            </a:extLst>
-          </p:cNvPr>
-          <p:cNvSpPr/>
-          <p:nvPr/>
-        </p:nvSpPr>
-        <p:spPr>
-          <a:xfrm>
-            <a:off x="3457721" y="4849285"/>
-            <a:ext cx="368505" cy="634900"/>
-          </a:xfrm>
-          <a:prstGeom prst="rect">
-            <a:avLst/>
-          </a:prstGeom>
-          <a:ln w="12700">
-            <a:miter lim="400000"/>
-          </a:ln>
-          <a:extLst>
-            <a:ext uri="{C572A759-6A51-4108-AA02-DFA0A04FC94B}">
-              <ma14:wrappingTextBoxFlag xmlns:ma14="http://schemas.microsoft.com/office/mac/drawingml/2011/main" xmlns="" val="1"/>
-            </a:ext>
-          </a:extLst>
-        </p:spPr>
-        <p:txBody>
-          <a:bodyPr wrap="none" lIns="50800" tIns="50800" rIns="50800" bIns="50800" anchor="ctr">
-            <a:spAutoFit/>
-          </a:bodyPr>
-          <a:lstStyle>
-            <a:lvl1pPr>
-              <a:defRPr>
-                <a:solidFill>
-                  <a:srgbClr val="000000"/>
-                </a:solidFill>
-                <a:latin typeface="Helvetica Neue"/>
-                <a:ea typeface="Helvetica Neue"/>
-                <a:cs typeface="Helvetica Neue"/>
-                <a:sym typeface="Helvetica Neue"/>
-              </a:defRPr>
-            </a:lvl1pPr>
-          </a:lstStyle>
-          <a:p>
-            <a:r>
-              <a:t>3</a:t>
-            </a:r>
-          </a:p>
-        </p:txBody>
-      </p:sp>
-      <p:grpSp>
-        <p:nvGrpSpPr>
-          <p:cNvPr id="40" name="Group 319">
-            <a:extLst>
-              <a:ext uri="{FF2B5EF4-FFF2-40B4-BE49-F238E27FC236}">
-                <a16:creationId xmlns:a16="http://schemas.microsoft.com/office/drawing/2014/main" id="{0F406351-DD77-F94A-A900-5E9A1C17BAC5}"/>
-              </a:ext>
-            </a:extLst>
-          </p:cNvPr>
-          <p:cNvGrpSpPr/>
-          <p:nvPr/>
-        </p:nvGrpSpPr>
-        <p:grpSpPr>
-          <a:xfrm>
-            <a:off x="5162923" y="4690834"/>
-            <a:ext cx="6887463" cy="2097581"/>
-            <a:chOff x="0" y="0"/>
-            <a:chExt cx="6887462" cy="2097579"/>
-          </a:xfrm>
-        </p:grpSpPr>
-        <p:sp>
-          <p:nvSpPr>
-            <p:cNvPr id="41" name="Shape 309">
-              <a:extLst>
-                <a:ext uri="{FF2B5EF4-FFF2-40B4-BE49-F238E27FC236}">
-                  <a16:creationId xmlns:a16="http://schemas.microsoft.com/office/drawing/2014/main" id="{5D7D081A-EF60-EC47-B56C-9CC1E964803E}"/>
-                </a:ext>
-              </a:extLst>
-            </p:cNvPr>
-            <p:cNvSpPr/>
-            <p:nvPr/>
-          </p:nvSpPr>
-          <p:spPr>
-            <a:xfrm>
-              <a:off x="0" y="0"/>
-              <a:ext cx="2298005" cy="2097580"/>
-            </a:xfrm>
-            <a:prstGeom prst="rect">
-              <a:avLst/>
-            </a:prstGeom>
-            <a:solidFill>
-              <a:schemeClr val="accent4">
-                <a:hueOff val="-165171"/>
-                <a:satOff val="-13982"/>
-                <a:lumOff val="-10016"/>
-              </a:schemeClr>
-            </a:solidFill>
-            <a:ln w="12700" cap="flat">
-              <a:noFill/>
-              <a:miter lim="400000"/>
-            </a:ln>
-            <a:effectLst/>
-          </p:spPr>
-          <p:txBody>
-            <a:bodyPr wrap="square" lIns="50800" tIns="50800" rIns="50800" bIns="50800" numCol="1" anchor="ctr">
-              <a:noAutofit/>
-            </a:bodyPr>
-            <a:lstStyle/>
-            <a:p>
-              <a:pPr>
-                <a:defRPr sz="3000">
-                  <a:solidFill>
-                    <a:srgbClr val="FFFFFF"/>
-                  </a:solidFill>
-                  <a:effectLst>
-                    <a:outerShdw blurRad="25400" dist="12700" dir="5400000" rotWithShape="0">
-                      <a:srgbClr val="000000">
-                        <a:alpha val="50000"/>
-                      </a:srgbClr>
-                    </a:outerShdw>
-                  </a:effectLst>
-                </a:defRPr>
-              </a:pPr>
-              <a:endParaRPr/>
-            </a:p>
-          </p:txBody>
-        </p:sp>
-        <p:sp>
-          <p:nvSpPr>
-            <p:cNvPr id="42" name="Shape 310">
-              <a:extLst>
-                <a:ext uri="{FF2B5EF4-FFF2-40B4-BE49-F238E27FC236}">
-                  <a16:creationId xmlns:a16="http://schemas.microsoft.com/office/drawing/2014/main" id="{0E849AB2-012E-1B47-AE6F-45CC127FB587}"/>
-                </a:ext>
-              </a:extLst>
-            </p:cNvPr>
-            <p:cNvSpPr/>
-            <p:nvPr/>
-          </p:nvSpPr>
-          <p:spPr>
-            <a:xfrm>
-              <a:off x="2290758" y="0"/>
-              <a:ext cx="2298005" cy="2097580"/>
-            </a:xfrm>
-            <a:prstGeom prst="rect">
-              <a:avLst/>
-            </a:prstGeom>
-            <a:blipFill rotWithShape="1">
-              <a:blip r:embed="rId2"/>
-              <a:srcRect/>
-              <a:tile tx="0" ty="0" sx="100000" sy="100000" flip="none" algn="tl"/>
-            </a:blipFill>
-            <a:ln w="12700" cap="flat">
-              <a:noFill/>
-              <a:miter lim="400000"/>
-            </a:ln>
-            <a:effectLst/>
-          </p:spPr>
-          <p:txBody>
-            <a:bodyPr wrap="square" lIns="50800" tIns="50800" rIns="50800" bIns="50800" numCol="1" anchor="ctr">
-              <a:noAutofit/>
-            </a:bodyPr>
-            <a:lstStyle/>
-            <a:p>
-              <a:pPr>
-                <a:defRPr sz="3000">
-                  <a:solidFill>
-                    <a:srgbClr val="FFFFFF"/>
-                  </a:solidFill>
-                  <a:effectLst>
-                    <a:outerShdw blurRad="25400" dist="12700" dir="5400000" rotWithShape="0">
-                      <a:srgbClr val="000000">
-                        <a:alpha val="50000"/>
-                      </a:srgbClr>
-                    </a:outerShdw>
-                  </a:effectLst>
-                </a:defRPr>
-              </a:pPr>
-              <a:endParaRPr/>
-            </a:p>
-          </p:txBody>
-        </p:sp>
-        <p:sp>
-          <p:nvSpPr>
-            <p:cNvPr id="43" name="Shape 311">
-              <a:extLst>
-                <a:ext uri="{FF2B5EF4-FFF2-40B4-BE49-F238E27FC236}">
-                  <a16:creationId xmlns:a16="http://schemas.microsoft.com/office/drawing/2014/main" id="{C19F43C0-EC8F-8E43-9FC0-93647EC8D37C}"/>
-                </a:ext>
-              </a:extLst>
-            </p:cNvPr>
-            <p:cNvSpPr/>
-            <p:nvPr/>
-          </p:nvSpPr>
-          <p:spPr>
-            <a:xfrm>
-              <a:off x="4589458" y="0"/>
-              <a:ext cx="2298005" cy="2097580"/>
-            </a:xfrm>
-            <a:prstGeom prst="rect">
-              <a:avLst/>
-            </a:prstGeom>
-            <a:blipFill rotWithShape="1">
-              <a:blip r:embed="rId3"/>
-              <a:srcRect/>
-              <a:tile tx="0" ty="0" sx="100000" sy="100000" flip="none" algn="tl"/>
-            </a:blipFill>
-            <a:ln w="12700" cap="flat">
-              <a:noFill/>
-              <a:miter lim="400000"/>
-            </a:ln>
-            <a:effectLst/>
-          </p:spPr>
-          <p:txBody>
-            <a:bodyPr wrap="square" lIns="50800" tIns="50800" rIns="50800" bIns="50800" numCol="1" anchor="ctr">
-              <a:noAutofit/>
-            </a:bodyPr>
-            <a:lstStyle/>
-            <a:p>
-              <a:pPr>
-                <a:defRPr sz="3000">
-                  <a:solidFill>
-                    <a:srgbClr val="FFFFFF"/>
-                  </a:solidFill>
-                  <a:effectLst>
-                    <a:outerShdw blurRad="25400" dist="12700" dir="5400000" rotWithShape="0">
-                      <a:srgbClr val="000000">
-                        <a:alpha val="50000"/>
-                      </a:srgbClr>
-                    </a:outerShdw>
-                  </a:effectLst>
-                </a:defRPr>
-              </a:pPr>
-              <a:endParaRPr/>
-            </a:p>
-          </p:txBody>
-        </p:sp>
-        <p:sp>
-          <p:nvSpPr>
-            <p:cNvPr id="44" name="Shape 312">
-              <a:extLst>
-                <a:ext uri="{FF2B5EF4-FFF2-40B4-BE49-F238E27FC236}">
-                  <a16:creationId xmlns:a16="http://schemas.microsoft.com/office/drawing/2014/main" id="{DB01C338-3551-5B42-9D1E-FCADFEF67367}"/>
-                </a:ext>
-              </a:extLst>
-            </p:cNvPr>
-            <p:cNvSpPr/>
-            <p:nvPr/>
-          </p:nvSpPr>
-          <p:spPr>
-            <a:xfrm flipH="1" flipV="1">
-              <a:off x="1854329" y="306006"/>
-              <a:ext cx="355472" cy="1"/>
-            </a:xfrm>
-            <a:prstGeom prst="line">
-              <a:avLst/>
-            </a:prstGeom>
-            <a:noFill/>
-            <a:ln w="38100" cap="flat">
-              <a:solidFill>
-                <a:srgbClr val="000000"/>
-              </a:solidFill>
-              <a:prstDash val="solid"/>
-              <a:miter lim="400000"/>
-              <a:tailEnd type="triangle" w="med" len="med"/>
-            </a:ln>
-            <a:effectLst/>
-          </p:spPr>
-          <p:txBody>
-            <a:bodyPr wrap="square" lIns="50800" tIns="50800" rIns="50800" bIns="50800" numCol="1" anchor="ctr">
-              <a:noAutofit/>
-            </a:bodyPr>
-            <a:lstStyle/>
-            <a:p>
-              <a:pPr>
-                <a:defRPr sz="3000"/>
-              </a:pPr>
-              <a:endParaRPr/>
-            </a:p>
-          </p:txBody>
-        </p:sp>
-        <p:sp>
-          <p:nvSpPr>
-            <p:cNvPr id="45" name="Shape 313">
-              <a:extLst>
-                <a:ext uri="{FF2B5EF4-FFF2-40B4-BE49-F238E27FC236}">
-                  <a16:creationId xmlns:a16="http://schemas.microsoft.com/office/drawing/2014/main" id="{040BDD70-88C9-CD44-AD75-6ADB0B2386FA}"/>
-                </a:ext>
-              </a:extLst>
-            </p:cNvPr>
-            <p:cNvSpPr/>
-            <p:nvPr/>
-          </p:nvSpPr>
-          <p:spPr>
-            <a:xfrm>
-              <a:off x="2400300" y="306006"/>
-              <a:ext cx="355472" cy="1"/>
-            </a:xfrm>
-            <a:prstGeom prst="line">
-              <a:avLst/>
-            </a:prstGeom>
-            <a:noFill/>
-            <a:ln w="38100" cap="flat">
-              <a:solidFill>
-                <a:srgbClr val="000000"/>
-              </a:solidFill>
-              <a:prstDash val="solid"/>
-              <a:miter lim="400000"/>
-              <a:tailEnd type="triangle" w="med" len="med"/>
-            </a:ln>
-            <a:effectLst/>
-          </p:spPr>
-          <p:txBody>
-            <a:bodyPr wrap="square" lIns="50800" tIns="50800" rIns="50800" bIns="50800" numCol="1" anchor="ctr">
-              <a:noAutofit/>
-            </a:bodyPr>
-            <a:lstStyle/>
-            <a:p>
-              <a:pPr>
-                <a:defRPr sz="3000"/>
-              </a:pPr>
-              <a:endParaRPr/>
-            </a:p>
-          </p:txBody>
-        </p:sp>
-        <p:sp>
-          <p:nvSpPr>
-            <p:cNvPr id="46" name="Shape 314">
-              <a:extLst>
-                <a:ext uri="{FF2B5EF4-FFF2-40B4-BE49-F238E27FC236}">
-                  <a16:creationId xmlns:a16="http://schemas.microsoft.com/office/drawing/2014/main" id="{B55D80B2-1C23-4E4B-9C34-4E7692755589}"/>
-                </a:ext>
-              </a:extLst>
-            </p:cNvPr>
-            <p:cNvSpPr/>
-            <p:nvPr/>
-          </p:nvSpPr>
-          <p:spPr>
-            <a:xfrm flipH="1" flipV="1">
-              <a:off x="4140329" y="306006"/>
-              <a:ext cx="355472" cy="1"/>
-            </a:xfrm>
-            <a:prstGeom prst="line">
-              <a:avLst/>
-            </a:prstGeom>
-            <a:noFill/>
-            <a:ln w="38100" cap="flat">
-              <a:solidFill>
-                <a:srgbClr val="000000"/>
-              </a:solidFill>
-              <a:prstDash val="solid"/>
-              <a:miter lim="400000"/>
-              <a:tailEnd type="triangle" w="med" len="med"/>
-            </a:ln>
-            <a:effectLst/>
-          </p:spPr>
-          <p:txBody>
-            <a:bodyPr wrap="square" lIns="50800" tIns="50800" rIns="50800" bIns="50800" numCol="1" anchor="ctr">
-              <a:noAutofit/>
-            </a:bodyPr>
-            <a:lstStyle/>
-            <a:p>
-              <a:pPr>
-                <a:defRPr sz="3000"/>
-              </a:pPr>
-              <a:endParaRPr/>
-            </a:p>
-          </p:txBody>
-        </p:sp>
-        <p:sp>
-          <p:nvSpPr>
-            <p:cNvPr id="47" name="Shape 315">
-              <a:extLst>
-                <a:ext uri="{FF2B5EF4-FFF2-40B4-BE49-F238E27FC236}">
-                  <a16:creationId xmlns:a16="http://schemas.microsoft.com/office/drawing/2014/main" id="{69BEE135-90D7-1144-ADE3-94B28C07B440}"/>
-                </a:ext>
-              </a:extLst>
-            </p:cNvPr>
-            <p:cNvSpPr/>
-            <p:nvPr/>
-          </p:nvSpPr>
-          <p:spPr>
-            <a:xfrm>
-              <a:off x="4758620" y="306006"/>
-              <a:ext cx="355472" cy="1"/>
-            </a:xfrm>
-            <a:prstGeom prst="line">
-              <a:avLst/>
-            </a:prstGeom>
-            <a:noFill/>
-            <a:ln w="38100" cap="flat">
-              <a:solidFill>
-                <a:srgbClr val="000000"/>
-              </a:solidFill>
-              <a:prstDash val="solid"/>
-              <a:miter lim="400000"/>
-              <a:tailEnd type="triangle" w="med" len="med"/>
-            </a:ln>
-            <a:effectLst/>
-          </p:spPr>
-          <p:txBody>
-            <a:bodyPr wrap="square" lIns="50800" tIns="50800" rIns="50800" bIns="50800" numCol="1" anchor="ctr">
-              <a:noAutofit/>
-            </a:bodyPr>
-            <a:lstStyle/>
-            <a:p>
-              <a:pPr>
-                <a:defRPr sz="3000"/>
-              </a:pPr>
-              <a:endParaRPr/>
-            </a:p>
-          </p:txBody>
-        </p:sp>
-        <p:sp>
-          <p:nvSpPr>
-            <p:cNvPr id="48" name="Shape 316">
-              <a:extLst>
-                <a:ext uri="{FF2B5EF4-FFF2-40B4-BE49-F238E27FC236}">
-                  <a16:creationId xmlns:a16="http://schemas.microsoft.com/office/drawing/2014/main" id="{B3095367-E20D-AE4A-8DE5-0EC0004E756A}"/>
-                </a:ext>
-              </a:extLst>
-            </p:cNvPr>
-            <p:cNvSpPr/>
-            <p:nvPr/>
-          </p:nvSpPr>
-          <p:spPr>
-            <a:xfrm>
-              <a:off x="964750" y="731340"/>
-              <a:ext cx="368504" cy="634900"/>
-            </a:xfrm>
-            <a:prstGeom prst="rect">
-              <a:avLst/>
-            </a:prstGeom>
-            <a:noFill/>
-            <a:ln w="12700" cap="flat">
-              <a:noFill/>
-              <a:miter lim="400000"/>
-            </a:ln>
-            <a:effectLst/>
-            <a:extLst>
-              <a:ext uri="{C572A759-6A51-4108-AA02-DFA0A04FC94B}">
-                <ma14:wrappingTextBoxFlag xmlns:ma14="http://schemas.microsoft.com/office/mac/drawingml/2011/main" xmlns="" val="1"/>
-              </a:ext>
-            </a:extLst>
-          </p:spPr>
-          <p:txBody>
-            <a:bodyPr wrap="none" lIns="50800" tIns="50800" rIns="50800" bIns="50800" numCol="1" anchor="ctr">
-              <a:spAutoFit/>
-            </a:bodyPr>
-            <a:lstStyle>
-              <a:lvl1pPr>
-                <a:defRPr>
-                  <a:solidFill>
-                    <a:srgbClr val="000000"/>
-                  </a:solidFill>
-                  <a:latin typeface="Helvetica Neue"/>
-                  <a:ea typeface="Helvetica Neue"/>
-                  <a:cs typeface="Helvetica Neue"/>
-                  <a:sym typeface="Helvetica Neue"/>
-                </a:defRPr>
-              </a:lvl1pPr>
-            </a:lstStyle>
-            <a:p>
-              <a:r>
-                <a:t>1</a:t>
-              </a:r>
-            </a:p>
-          </p:txBody>
-        </p:sp>
-        <p:sp>
-          <p:nvSpPr>
-            <p:cNvPr id="49" name="Shape 317">
-              <a:extLst>
-                <a:ext uri="{FF2B5EF4-FFF2-40B4-BE49-F238E27FC236}">
-                  <a16:creationId xmlns:a16="http://schemas.microsoft.com/office/drawing/2014/main" id="{CBD07134-8438-5745-8793-B45EBF402BF7}"/>
-                </a:ext>
-              </a:extLst>
-            </p:cNvPr>
-            <p:cNvSpPr/>
-            <p:nvPr/>
-          </p:nvSpPr>
-          <p:spPr>
-            <a:xfrm>
-              <a:off x="3339296" y="731340"/>
-              <a:ext cx="368505" cy="634900"/>
-            </a:xfrm>
-            <a:prstGeom prst="rect">
-              <a:avLst/>
-            </a:prstGeom>
-            <a:noFill/>
-            <a:ln w="12700" cap="flat">
-              <a:noFill/>
-              <a:miter lim="400000"/>
-            </a:ln>
-            <a:effectLst/>
-            <a:extLst>
-              <a:ext uri="{C572A759-6A51-4108-AA02-DFA0A04FC94B}">
-                <ma14:wrappingTextBoxFlag xmlns:ma14="http://schemas.microsoft.com/office/mac/drawingml/2011/main" xmlns="" val="1"/>
-              </a:ext>
-            </a:extLst>
-          </p:spPr>
-          <p:txBody>
-            <a:bodyPr wrap="none" lIns="50800" tIns="50800" rIns="50800" bIns="50800" numCol="1" anchor="ctr">
-              <a:spAutoFit/>
-            </a:bodyPr>
-            <a:lstStyle>
-              <a:lvl1pPr>
-                <a:defRPr>
-                  <a:solidFill>
-                    <a:srgbClr val="000000"/>
-                  </a:solidFill>
-                  <a:latin typeface="Helvetica Neue"/>
-                  <a:ea typeface="Helvetica Neue"/>
-                  <a:cs typeface="Helvetica Neue"/>
-                  <a:sym typeface="Helvetica Neue"/>
-                </a:defRPr>
-              </a:lvl1pPr>
-            </a:lstStyle>
-            <a:p>
-              <a:r>
-                <a:t>2</a:t>
-              </a:r>
-            </a:p>
-          </p:txBody>
-        </p:sp>
-        <p:sp>
-          <p:nvSpPr>
-            <p:cNvPr id="50" name="Shape 318">
-              <a:extLst>
-                <a:ext uri="{FF2B5EF4-FFF2-40B4-BE49-F238E27FC236}">
-                  <a16:creationId xmlns:a16="http://schemas.microsoft.com/office/drawing/2014/main" id="{B8B17ADB-3AF3-9B48-8CF7-9A6ACDB7720F}"/>
-                </a:ext>
-              </a:extLst>
-            </p:cNvPr>
-            <p:cNvSpPr/>
-            <p:nvPr/>
-          </p:nvSpPr>
-          <p:spPr>
-            <a:xfrm>
-              <a:off x="5722301" y="731340"/>
-              <a:ext cx="368504" cy="634900"/>
-            </a:xfrm>
-            <a:prstGeom prst="rect">
-              <a:avLst/>
-            </a:prstGeom>
-            <a:noFill/>
-            <a:ln w="12700" cap="flat">
-              <a:noFill/>
-              <a:miter lim="400000"/>
-            </a:ln>
-            <a:effectLst/>
-            <a:extLst>
-              <a:ext uri="{C572A759-6A51-4108-AA02-DFA0A04FC94B}">
-                <ma14:wrappingTextBoxFlag xmlns:ma14="http://schemas.microsoft.com/office/mac/drawingml/2011/main" xmlns="" val="1"/>
-              </a:ext>
-            </a:extLst>
-          </p:spPr>
-          <p:txBody>
-            <a:bodyPr wrap="none" lIns="50800" tIns="50800" rIns="50800" bIns="50800" numCol="1" anchor="ctr">
-              <a:spAutoFit/>
-            </a:bodyPr>
-            <a:lstStyle>
-              <a:lvl1pPr>
-                <a:defRPr>
-                  <a:solidFill>
-                    <a:srgbClr val="000000"/>
-                  </a:solidFill>
-                  <a:latin typeface="Helvetica Neue"/>
-                  <a:ea typeface="Helvetica Neue"/>
-                  <a:cs typeface="Helvetica Neue"/>
-                  <a:sym typeface="Helvetica Neue"/>
-                </a:defRPr>
-              </a:lvl1pPr>
-            </a:lstStyle>
-            <a:p>
-              <a:r>
-                <a:t>3</a:t>
-              </a:r>
-            </a:p>
-          </p:txBody>
-        </p:sp>
-      </p:grpSp>
-      <p:pic>
-        <p:nvPicPr>
-          <p:cNvPr id="51" name="Picture 50">
-            <a:extLst>
-              <a:ext uri="{FF2B5EF4-FFF2-40B4-BE49-F238E27FC236}">
-                <a16:creationId xmlns:a16="http://schemas.microsoft.com/office/drawing/2014/main" id="{65674A16-1444-C146-92D3-5A91BF4272E3}"/>
-              </a:ext>
-            </a:extLst>
-          </p:cNvPr>
-          <p:cNvPicPr>
-            <a:picLocks/>
-          </p:cNvPicPr>
-          <p:nvPr/>
-        </p:nvPicPr>
-        <p:blipFill>
-          <a:blip r:embed="rId4"/>
-          <a:stretch>
-            <a:fillRect/>
-          </a:stretch>
-        </p:blipFill>
-        <p:spPr>
-          <a:xfrm rot="17918221">
-            <a:off x="617188" y="4639633"/>
-            <a:ext cx="2661195" cy="292101"/>
-          </a:xfrm>
-          <a:prstGeom prst="rect">
-            <a:avLst/>
-          </a:prstGeom>
-        </p:spPr>
-      </p:pic>
-      <p:pic>
-        <p:nvPicPr>
-          <p:cNvPr id="52" name="pasted-image.pdf">
-            <a:extLst>
-              <a:ext uri="{FF2B5EF4-FFF2-40B4-BE49-F238E27FC236}">
-                <a16:creationId xmlns:a16="http://schemas.microsoft.com/office/drawing/2014/main" id="{959E31C9-4324-6D4A-9DA0-BF75C1673B6C}"/>
-              </a:ext>
-            </a:extLst>
-          </p:cNvPr>
-          <p:cNvPicPr>
-            <a:picLocks noChangeAspect="1"/>
-          </p:cNvPicPr>
-          <p:nvPr/>
-        </p:nvPicPr>
-        <p:blipFill>
-          <a:blip r:embed="rId5"/>
-          <a:stretch>
-            <a:fillRect/>
-          </a:stretch>
-        </p:blipFill>
-        <p:spPr>
-          <a:xfrm>
-            <a:off x="6765603" y="2239308"/>
-            <a:ext cx="4229101" cy="393700"/>
-          </a:xfrm>
-          <a:prstGeom prst="rect">
-            <a:avLst/>
-          </a:prstGeom>
-          <a:ln w="12700">
-            <a:miter lim="400000"/>
-          </a:ln>
-        </p:spPr>
-      </p:pic>
-      <p:sp>
-        <p:nvSpPr>
-          <p:cNvPr id="53" name="TextBox 52">
-            <a:extLst>
-              <a:ext uri="{FF2B5EF4-FFF2-40B4-BE49-F238E27FC236}">
-                <a16:creationId xmlns:a16="http://schemas.microsoft.com/office/drawing/2014/main" id="{D80004E3-41AC-5241-8831-683B3BD8A27B}"/>
-              </a:ext>
-            </a:extLst>
-          </p:cNvPr>
-          <p:cNvSpPr txBox="1"/>
-          <p:nvPr/>
-        </p:nvSpPr>
-        <p:spPr>
-          <a:xfrm>
-            <a:off x="2287207" y="334606"/>
-            <a:ext cx="7630286" cy="523220"/>
-          </a:xfrm>
-          <a:prstGeom prst="rect">
-            <a:avLst/>
-          </a:prstGeom>
-          <a:noFill/>
-        </p:spPr>
-        <p:txBody>
-          <a:bodyPr wrap="square" rtlCol="0">
-            <a:spAutoFit/>
-          </a:bodyPr>
-          <a:lstStyle/>
-          <a:p>
-            <a:pPr algn="ctr"/>
-            <a:r>
-              <a:rPr lang="en-US" sz="2800" b="1" dirty="0">
-                <a:solidFill>
-                  <a:srgbClr val="000090"/>
-                </a:solidFill>
-              </a:rPr>
-              <a:t>Reference frames and circuit closure</a:t>
-            </a:r>
-            <a:endParaRPr lang="en-US" sz="2400" b="1" dirty="0">
-              <a:solidFill>
-                <a:srgbClr val="008000"/>
-              </a:solidFill>
-            </a:endParaRPr>
-          </a:p>
-        </p:txBody>
-      </p:sp>
-    </p:spTree>
-    <p:extLst>
-      <p:ext uri="{BB962C8B-B14F-4D97-AF65-F5344CB8AC3E}">
-        <p14:creationId xmlns:p14="http://schemas.microsoft.com/office/powerpoint/2010/main" val="3705654689"/>
-      </p:ext>
-    </p:extLst>
-  </p:cSld>
-  <p:clrMapOvr>
-    <a:masterClrMapping/>
-  </p:clrMapOvr>
-</p:sld>
-</file>
-
-<file path=ppt/slides/slide25.xml><?xml version="1.0" encoding="utf-8"?>
-<p:sld xmlns:a="http://schemas.openxmlformats.org/drawingml/2006/main" xmlns:r="http://schemas.openxmlformats.org/officeDocument/2006/relationships" xmlns:p="http://schemas.openxmlformats.org/presentationml/2006/main">
-  <p:cSld>
-    <p:spTree>
-      <p:nvGrpSpPr>
-        <p:cNvPr id="1" name=""/>
-        <p:cNvGrpSpPr/>
-        <p:nvPr/>
-      </p:nvGrpSpPr>
-      <p:grpSpPr>
-        <a:xfrm>
-          <a:off x="0" y="0"/>
-          <a:ext cx="0" cy="0"/>
-          <a:chOff x="0" y="0"/>
-          <a:chExt cx="0" cy="0"/>
-        </a:xfrm>
-      </p:grpSpPr>
-      <p:sp>
-        <p:nvSpPr>
-          <p:cNvPr id="2" name="TextBox 1">
-            <a:extLst>
-              <a:ext uri="{FF2B5EF4-FFF2-40B4-BE49-F238E27FC236}">
-                <a16:creationId xmlns:a16="http://schemas.microsoft.com/office/drawing/2014/main" id="{3788E722-FC1C-9442-B2AA-3ED09F5867F9}"/>
-              </a:ext>
-            </a:extLst>
-          </p:cNvPr>
-          <p:cNvSpPr txBox="1"/>
-          <p:nvPr/>
-        </p:nvSpPr>
-        <p:spPr>
-          <a:xfrm>
-            <a:off x="2287207" y="334606"/>
-            <a:ext cx="7630286" cy="523220"/>
-          </a:xfrm>
-          <a:prstGeom prst="rect">
-            <a:avLst/>
-          </a:prstGeom>
-          <a:noFill/>
-        </p:spPr>
-        <p:txBody>
-          <a:bodyPr wrap="square" rtlCol="0">
-            <a:spAutoFit/>
-          </a:bodyPr>
-          <a:lstStyle/>
-          <a:p>
-            <a:pPr algn="ctr"/>
-            <a:r>
-              <a:rPr lang="en-US" sz="2800" b="1" dirty="0">
-                <a:solidFill>
-                  <a:srgbClr val="000090"/>
-                </a:solidFill>
-              </a:rPr>
-              <a:t>Rotations on a spherical Earth</a:t>
-            </a:r>
-            <a:endParaRPr lang="en-US" sz="2400" b="1" dirty="0">
-              <a:solidFill>
-                <a:srgbClr val="008000"/>
-              </a:solidFill>
-            </a:endParaRPr>
-          </a:p>
-        </p:txBody>
-      </p:sp>
-    </p:spTree>
-    <p:extLst>
-      <p:ext uri="{BB962C8B-B14F-4D97-AF65-F5344CB8AC3E}">
-        <p14:creationId xmlns:p14="http://schemas.microsoft.com/office/powerpoint/2010/main" val="3546303832"/>
-      </p:ext>
-    </p:extLst>
-  </p:cSld>
-  <p:clrMapOvr>
-    <a:masterClrMapping/>
-  </p:clrMapOvr>
-</p:sld>
-</file>
-
-<file path=ppt/slides/slide26.xml><?xml version="1.0" encoding="utf-8"?>
-<p:sld xmlns:a="http://schemas.openxmlformats.org/drawingml/2006/main" xmlns:r="http://schemas.openxmlformats.org/officeDocument/2006/relationships" xmlns:p="http://schemas.openxmlformats.org/presentationml/2006/main">
-  <p:cSld>
-    <p:spTree>
-      <p:nvGrpSpPr>
-        <p:cNvPr id="1" name=""/>
-        <p:cNvGrpSpPr/>
-        <p:nvPr/>
-      </p:nvGrpSpPr>
-      <p:grpSpPr>
-        <a:xfrm>
-          <a:off x="0" y="0"/>
-          <a:ext cx="0" cy="0"/>
-          <a:chOff x="0" y="0"/>
-          <a:chExt cx="0" cy="0"/>
-        </a:xfrm>
-      </p:grpSpPr>
-    </p:spTree>
-    <p:extLst>
-      <p:ext uri="{BB962C8B-B14F-4D97-AF65-F5344CB8AC3E}">
-        <p14:creationId xmlns:p14="http://schemas.microsoft.com/office/powerpoint/2010/main" val="2422876406"/>
-      </p:ext>
-    </p:extLst>
-  </p:cSld>
-  <p:clrMapOvr>
-    <a:masterClrMapping/>
-  </p:clrMapOvr>
-</p:sld>
-</file>
-
-<file path=ppt/slides/slide27.xml><?xml version="1.0" encoding="utf-8"?>
-<p:sld xmlns:a="http://schemas.openxmlformats.org/drawingml/2006/main" xmlns:r="http://schemas.openxmlformats.org/officeDocument/2006/relationships" xmlns:p="http://schemas.openxmlformats.org/presentationml/2006/main">
-  <p:cSld>
-    <p:spTree>
-      <p:nvGrpSpPr>
-        <p:cNvPr id="1" name=""/>
-        <p:cNvGrpSpPr/>
-        <p:nvPr/>
-      </p:nvGrpSpPr>
-      <p:grpSpPr>
-        <a:xfrm>
-          <a:off x="0" y="0"/>
-          <a:ext cx="0" cy="0"/>
-          <a:chOff x="0" y="0"/>
-          <a:chExt cx="0" cy="0"/>
-        </a:xfrm>
-      </p:grpSpPr>
-    </p:spTree>
-    <p:extLst>
-      <p:ext uri="{BB962C8B-B14F-4D97-AF65-F5344CB8AC3E}">
-        <p14:creationId xmlns:p14="http://schemas.microsoft.com/office/powerpoint/2010/main" val="1061003002"/>
-      </p:ext>
-    </p:extLst>
-  </p:cSld>
-  <p:clrMapOvr>
-    <a:masterClrMapping/>
-  </p:clrMapOvr>
-</p:sld>
-</file>
-
-<file path=ppt/slides/slide28.xml><?xml version="1.0" encoding="utf-8"?>
-<p:sld xmlns:a="http://schemas.openxmlformats.org/drawingml/2006/main" xmlns:r="http://schemas.openxmlformats.org/officeDocument/2006/relationships" xmlns:p="http://schemas.openxmlformats.org/presentationml/2006/main">
-  <p:cSld>
-    <p:spTree>
-      <p:nvGrpSpPr>
-        <p:cNvPr id="1" name=""/>
-        <p:cNvGrpSpPr/>
-        <p:nvPr/>
-      </p:nvGrpSpPr>
-      <p:grpSpPr>
-        <a:xfrm>
-          <a:off x="0" y="0"/>
-          <a:ext cx="0" cy="0"/>
-          <a:chOff x="0" y="0"/>
-          <a:chExt cx="0" cy="0"/>
-        </a:xfrm>
-      </p:grpSpPr>
-      <p:sp>
-        <p:nvSpPr>
-          <p:cNvPr id="4" name="TextBox 3">
-            <a:extLst>
-              <a:ext uri="{FF2B5EF4-FFF2-40B4-BE49-F238E27FC236}">
-                <a16:creationId xmlns:a16="http://schemas.microsoft.com/office/drawing/2014/main" id="{9AA6C45C-0F20-1449-9E00-4313FB8370BB}"/>
-              </a:ext>
-            </a:extLst>
-          </p:cNvPr>
-          <p:cNvSpPr txBox="1"/>
-          <p:nvPr/>
-        </p:nvSpPr>
-        <p:spPr>
-          <a:xfrm>
-            <a:off x="2280856" y="450635"/>
-            <a:ext cx="7630286" cy="523220"/>
-          </a:xfrm>
-          <a:prstGeom prst="rect">
-            <a:avLst/>
-          </a:prstGeom>
-          <a:noFill/>
-        </p:spPr>
-        <p:txBody>
-          <a:bodyPr wrap="square" rtlCol="0">
-            <a:spAutoFit/>
-          </a:bodyPr>
-          <a:lstStyle/>
-          <a:p>
-            <a:pPr algn="ctr"/>
-            <a:r>
-              <a:rPr lang="en-US" sz="2800" b="1" dirty="0">
-                <a:solidFill>
-                  <a:srgbClr val="000090"/>
-                </a:solidFill>
-              </a:rPr>
-              <a:t>Assignment</a:t>
-            </a:r>
-            <a:endParaRPr lang="en-US" sz="2400" b="1" dirty="0">
-              <a:solidFill>
-                <a:srgbClr val="008000"/>
-              </a:solidFill>
-            </a:endParaRPr>
-          </a:p>
-        </p:txBody>
-      </p:sp>
-      <p:sp>
-        <p:nvSpPr>
-          <p:cNvPr id="3" name="TextBox 2">
-            <a:extLst>
-              <a:ext uri="{FF2B5EF4-FFF2-40B4-BE49-F238E27FC236}">
-                <a16:creationId xmlns:a16="http://schemas.microsoft.com/office/drawing/2014/main" id="{9E1ABB78-698D-6E4C-AAB5-84B0353DCAB5}"/>
-              </a:ext>
-            </a:extLst>
-          </p:cNvPr>
-          <p:cNvSpPr txBox="1"/>
-          <p:nvPr/>
-        </p:nvSpPr>
-        <p:spPr>
-          <a:xfrm>
-            <a:off x="1743697" y="1238997"/>
-            <a:ext cx="8704604" cy="4154984"/>
-          </a:xfrm>
-          <a:prstGeom prst="rect">
-            <a:avLst/>
-          </a:prstGeom>
-          <a:noFill/>
-        </p:spPr>
-        <p:txBody>
-          <a:bodyPr wrap="square" rtlCol="0">
-            <a:spAutoFit/>
-          </a:bodyPr>
-          <a:lstStyle/>
-          <a:p>
-            <a:pPr marL="457200" indent="-457200">
-              <a:buAutoNum type="arabicPeriod"/>
-            </a:pPr>
-            <a:r>
-              <a:rPr lang="en-US" sz="2400" dirty="0"/>
-              <a:t>First derive a linear operation that allows you to rotate the given velocity vectors to any coordinate system, for a known </a:t>
-            </a:r>
-            <a:r>
-              <a:rPr lang="en-US" sz="2400" dirty="0" err="1"/>
-              <a:t>euler</a:t>
-            </a:r>
-            <a:r>
-              <a:rPr lang="en-US" sz="2400" dirty="0"/>
-              <a:t> vector. Hint: rewrite the cross product as a multiplication of a matrix and a vector.</a:t>
-            </a:r>
-          </a:p>
-          <a:p>
-            <a:pPr marL="457200" indent="-457200">
-              <a:buAutoNum type="arabicPeriod"/>
-            </a:pPr>
-            <a:r>
-              <a:rPr lang="en-US" sz="2400" dirty="0"/>
-              <a:t>Now use this linear operation to predict the velocity field in the Indian subcontinent given an Euler pole (N – 51.42º, E – 2.10º, rotation rate – 0.5146 º/</a:t>
-            </a:r>
-            <a:r>
-              <a:rPr lang="en-US" sz="2400" dirty="0" err="1"/>
-              <a:t>Myr</a:t>
-            </a:r>
-            <a:r>
-              <a:rPr lang="en-US" sz="2400" dirty="0"/>
-              <a:t>). Compare the predicted velocities with the observed velocities.</a:t>
-            </a:r>
-          </a:p>
-          <a:p>
-            <a:pPr marL="457200" indent="-457200">
-              <a:buAutoNum type="arabicPeriod"/>
-            </a:pPr>
-            <a:r>
-              <a:rPr lang="en-US" sz="2400" dirty="0"/>
-              <a:t>Subtract this predicted velocity field at all sites and visualize the new transformed velocity field. What do you notice?</a:t>
-            </a:r>
-          </a:p>
-          <a:p>
-            <a:pPr marL="457200" indent="-457200">
-              <a:buAutoNum type="arabicPeriod"/>
-            </a:pPr>
-            <a:r>
-              <a:rPr lang="en-US" sz="2400" dirty="0"/>
-              <a:t>Repeat steps 2 and 3 by choosing the Eurasian Euler pole.</a:t>
-            </a:r>
-          </a:p>
-        </p:txBody>
-      </p:sp>
-      <p:sp>
-        <p:nvSpPr>
-          <p:cNvPr id="5" name="TextBox 4">
-            <a:extLst>
-              <a:ext uri="{FF2B5EF4-FFF2-40B4-BE49-F238E27FC236}">
-                <a16:creationId xmlns:a16="http://schemas.microsoft.com/office/drawing/2014/main" id="{D6D00B07-5634-A74A-AF42-4D470EAC2A1E}"/>
-              </a:ext>
-            </a:extLst>
-          </p:cNvPr>
-          <p:cNvSpPr txBox="1"/>
-          <p:nvPr/>
-        </p:nvSpPr>
-        <p:spPr>
-          <a:xfrm>
-            <a:off x="0" y="5535356"/>
-            <a:ext cx="12192000" cy="1323439"/>
-          </a:xfrm>
-          <a:prstGeom prst="rect">
-            <a:avLst/>
-          </a:prstGeom>
-          <a:noFill/>
-        </p:spPr>
-        <p:txBody>
-          <a:bodyPr wrap="square" rtlCol="0">
-            <a:spAutoFit/>
-          </a:bodyPr>
-          <a:lstStyle/>
-          <a:p>
-            <a:r>
-              <a:rPr lang="en-US" sz="2000" dirty="0"/>
-              <a:t>Reading Assignment: </a:t>
-            </a:r>
-          </a:p>
-          <a:p>
-            <a:r>
-              <a:rPr lang="en-US" sz="2000" dirty="0" err="1"/>
-              <a:t>Kreemer</a:t>
-            </a:r>
-            <a:r>
-              <a:rPr lang="en-US" sz="2000" dirty="0"/>
-              <a:t> and Holt, (2001), A no-net-rotation model of present-day surface motions, GRL</a:t>
-            </a:r>
-          </a:p>
-          <a:p>
-            <a:r>
-              <a:rPr lang="en-US" sz="2000" dirty="0"/>
-              <a:t>Murray and </a:t>
-            </a:r>
-            <a:r>
-              <a:rPr lang="en-US" sz="2000" dirty="0" err="1"/>
-              <a:t>Segall</a:t>
-            </a:r>
-            <a:r>
-              <a:rPr lang="en-US" sz="2000" dirty="0"/>
-              <a:t>, (2001), ﻿Modeling </a:t>
-            </a:r>
-            <a:r>
-              <a:rPr lang="en-US" sz="2000" dirty="0" err="1"/>
-              <a:t>broadscale</a:t>
-            </a:r>
-            <a:r>
-              <a:rPr lang="en-US" sz="2000" dirty="0"/>
-              <a:t> deformation in northern California and Nevada from plate motions and elastic strain accumulation, GRL</a:t>
-            </a:r>
-          </a:p>
-        </p:txBody>
-      </p:sp>
-    </p:spTree>
-    <p:extLst>
-      <p:ext uri="{BB962C8B-B14F-4D97-AF65-F5344CB8AC3E}">
-        <p14:creationId xmlns:p14="http://schemas.microsoft.com/office/powerpoint/2010/main" val="652515308"/>
-      </p:ext>
-    </p:extLst>
-  </p:cSld>
-  <p:clrMapOvr>
-    <a:masterClrMapping/>
-  </p:clrMapOvr>
-</p:sld>
-</file>
-
-<file path=ppt/slides/slide29.xml><?xml version="1.0" encoding="utf-8"?>
-<p:sld xmlns:a="http://schemas.openxmlformats.org/drawingml/2006/main" xmlns:r="http://schemas.openxmlformats.org/officeDocument/2006/relationships" xmlns:p="http://schemas.openxmlformats.org/presentationml/2006/main">
-  <p:cSld>
-    <p:spTree>
-      <p:nvGrpSpPr>
-        <p:cNvPr id="1" name=""/>
-        <p:cNvGrpSpPr/>
-        <p:nvPr/>
-      </p:nvGrpSpPr>
-      <p:grpSpPr>
-        <a:xfrm>
-          <a:off x="0" y="0"/>
-          <a:ext cx="0" cy="0"/>
-          <a:chOff x="0" y="0"/>
-          <a:chExt cx="0" cy="0"/>
-        </a:xfrm>
-      </p:grpSpPr>
-      <p:grpSp>
-        <p:nvGrpSpPr>
-          <p:cNvPr id="4" name="Group 502">
-            <a:extLst>
-              <a:ext uri="{FF2B5EF4-FFF2-40B4-BE49-F238E27FC236}">
-                <a16:creationId xmlns:a16="http://schemas.microsoft.com/office/drawing/2014/main" id="{7C2D13DC-2FD5-AF4D-8A8E-D7D2BCE03237}"/>
-              </a:ext>
-            </a:extLst>
-          </p:cNvPr>
-          <p:cNvGrpSpPr/>
-          <p:nvPr/>
-        </p:nvGrpSpPr>
-        <p:grpSpPr>
-          <a:xfrm>
-            <a:off x="3635143" y="425881"/>
-            <a:ext cx="4921714" cy="6006238"/>
-            <a:chOff x="0" y="0"/>
-            <a:chExt cx="5710791" cy="6969193"/>
-          </a:xfrm>
-        </p:grpSpPr>
-        <p:pic>
-          <p:nvPicPr>
-            <p:cNvPr id="5" name="pasted-image.png">
-              <a:extLst>
-                <a:ext uri="{FF2B5EF4-FFF2-40B4-BE49-F238E27FC236}">
-                  <a16:creationId xmlns:a16="http://schemas.microsoft.com/office/drawing/2014/main" id="{15419588-8365-9F46-ABE9-B9BFAFE14DD8}"/>
-                </a:ext>
-              </a:extLst>
-            </p:cNvPr>
-            <p:cNvPicPr>
-              <a:picLocks noChangeAspect="1"/>
-            </p:cNvPicPr>
-            <p:nvPr/>
-          </p:nvPicPr>
-          <p:blipFill>
-            <a:blip r:embed="rId2"/>
-            <a:srcRect l="9349" t="1001" r="23679" b="52698"/>
-            <a:stretch>
-              <a:fillRect/>
-            </a:stretch>
-          </p:blipFill>
-          <p:spPr>
-            <a:xfrm>
-              <a:off x="0" y="0"/>
-              <a:ext cx="5710792" cy="6969194"/>
-            </a:xfrm>
-            <a:prstGeom prst="rect">
-              <a:avLst/>
-            </a:prstGeom>
-            <a:ln w="12700" cap="flat">
-              <a:noFill/>
-              <a:miter lim="400000"/>
-            </a:ln>
-            <a:effectLst/>
-          </p:spPr>
-        </p:pic>
-        <p:sp>
-          <p:nvSpPr>
-            <p:cNvPr id="6" name="Shape 501">
-              <a:extLst>
-                <a:ext uri="{FF2B5EF4-FFF2-40B4-BE49-F238E27FC236}">
-                  <a16:creationId xmlns:a16="http://schemas.microsoft.com/office/drawing/2014/main" id="{A696E794-D04E-334C-A74C-1DD62DC2D35D}"/>
-                </a:ext>
-              </a:extLst>
-            </p:cNvPr>
-            <p:cNvSpPr/>
-            <p:nvPr/>
-          </p:nvSpPr>
-          <p:spPr>
-            <a:xfrm>
-              <a:off x="23217" y="626169"/>
-              <a:ext cx="1709490" cy="225823"/>
-            </a:xfrm>
-            <a:prstGeom prst="rect">
-              <a:avLst/>
-            </a:prstGeom>
-            <a:solidFill>
-              <a:srgbClr val="FFFFFF"/>
-            </a:solidFill>
-            <a:ln w="12700" cap="flat">
-              <a:noFill/>
-              <a:miter lim="400000"/>
-            </a:ln>
-            <a:effectLst/>
-          </p:spPr>
-          <p:txBody>
-            <a:bodyPr wrap="square" lIns="50800" tIns="50800" rIns="50800" bIns="50800" numCol="1" anchor="ctr">
-              <a:noAutofit/>
-            </a:bodyPr>
-            <a:lstStyle/>
-            <a:p>
-              <a:pPr>
-                <a:defRPr sz="3000">
-                  <a:solidFill>
-                    <a:srgbClr val="FFFFFF"/>
-                  </a:solidFill>
-                  <a:effectLst>
-                    <a:outerShdw blurRad="25400" dist="12700" dir="5400000" rotWithShape="0">
-                      <a:srgbClr val="000000">
-                        <a:alpha val="50000"/>
-                      </a:srgbClr>
-                    </a:outerShdw>
-                  </a:effectLst>
-                </a:defRPr>
-              </a:pPr>
-              <a:endParaRPr/>
-            </a:p>
-          </p:txBody>
-        </p:sp>
-      </p:grpSp>
-    </p:spTree>
-    <p:extLst>
-      <p:ext uri="{BB962C8B-B14F-4D97-AF65-F5344CB8AC3E}">
-        <p14:creationId xmlns:p14="http://schemas.microsoft.com/office/powerpoint/2010/main" val="3243122755"/>
       </p:ext>
     </p:extLst>
   </p:cSld>
